--- a/Presentation/Git.pptx
+++ b/Presentation/Git.pptx
@@ -118,7 +118,7 @@
   </p:defaultTextStyle>
   <p:extLst>
     <p:ext uri="{EFAFB233-063F-42B5-8137-9DF3F51BA10A}">
-      <p15:sldGuideLst xmlns:p15="http://schemas.microsoft.com/office/powerpoint/2012/main" xmlns="">
+      <p15:sldGuideLst xmlns="" xmlns:p15="http://schemas.microsoft.com/office/powerpoint/2012/main">
         <p15:guide id="1" orient="horz" pos="8136" userDrawn="1">
           <p15:clr>
             <a:srgbClr val="A4A3A4"/>
@@ -157,7 +157,7 @@
       </p15:sldGuideLst>
     </p:ext>
     <p:ext uri="{2D200454-40CA-4A62-9FC3-DE9A4176ACB9}">
-      <p15:notesGuideLst xmlns:p15="http://schemas.microsoft.com/office/powerpoint/2012/main" xmlns=""/>
+      <p15:notesGuideLst xmlns="" xmlns:p15="http://schemas.microsoft.com/office/powerpoint/2012/main"/>
     </p:ext>
   </p:extLst>
 </p:presentation>
@@ -2334,8 +2334,8 @@
 <file path=ppt/diagrams/data2.xml><?xml version="1.0" encoding="utf-8"?>
 <dgm:dataModel xmlns:dgm="http://schemas.openxmlformats.org/drawingml/2006/diagram" xmlns:a="http://schemas.openxmlformats.org/drawingml/2006/main">
   <dgm:ptLst>
-    <dgm:pt modelId="{C1062A99-7A1F-4692-A3C5-23E3FCC6A08F}" type="doc">
-      <dgm:prSet loTypeId="urn:microsoft.com/office/officeart/2005/8/layout/hList1" loCatId="list" qsTypeId="urn:microsoft.com/office/officeart/2005/8/quickstyle/3d3" qsCatId="3D" csTypeId="urn:microsoft.com/office/officeart/2005/8/colors/colorful1" csCatId="colorful" phldr="1"/>
+    <dgm:pt modelId="{B85D0B65-7CFB-4407-AFC6-180734460C33}" type="doc">
+      <dgm:prSet loTypeId="urn:microsoft.com/office/officeart/2005/8/layout/hList1" loCatId="list" qsTypeId="urn:microsoft.com/office/officeart/2005/8/quickstyle/simple1" qsCatId="simple" csTypeId="urn:microsoft.com/office/officeart/2005/8/colors/colorful1" csCatId="colorful" phldr="1"/>
       <dgm:spPr/>
       <dgm:t>
         <a:bodyPr/>
@@ -2345,28 +2345,37 @@
         </a:p>
       </dgm:t>
     </dgm:pt>
-    <dgm:pt modelId="{16FB836C-E997-4CB5-BAF6-4B2447A9880F}">
+    <dgm:pt modelId="{5DC98C94-217D-4C5A-B8DC-173C96C90B43}">
       <dgm:prSet phldrT="[Text]" custT="1"/>
-      <dgm:spPr/>
+      <dgm:spPr>
+        <a:effectLst>
+          <a:outerShdw blurRad="63500" sx="102000" sy="102000" algn="ctr" rotWithShape="0">
+            <a:prstClr val="black">
+              <a:alpha val="40000"/>
+            </a:prstClr>
+          </a:outerShdw>
+          <a:reflection blurRad="6350" stA="50000" endA="300" endPos="55500" dist="50800" dir="5400000" sy="-100000" algn="bl" rotWithShape="0"/>
+        </a:effectLst>
+      </dgm:spPr>
       <dgm:t>
         <a:bodyPr/>
         <a:lstStyle/>
         <a:p>
           <a:r>
-            <a:rPr lang="en-IN" sz="4000" b="1" dirty="0" smtClean="0">
+            <a:rPr lang="en-IN" sz="3600" b="1" dirty="0" smtClean="0">
               <a:latin typeface="Calibri" pitchFamily="34" charset="0"/>
               <a:cs typeface="Calibri" pitchFamily="34" charset="0"/>
             </a:rPr>
             <a:t>Stash</a:t>
           </a:r>
-          <a:endParaRPr lang="en-IN" sz="4000" b="1" dirty="0">
+          <a:endParaRPr lang="en-IN" sz="3600" b="1" dirty="0">
             <a:latin typeface="Calibri" pitchFamily="34" charset="0"/>
             <a:cs typeface="Calibri" pitchFamily="34" charset="0"/>
           </a:endParaRPr>
         </a:p>
       </dgm:t>
     </dgm:pt>
-    <dgm:pt modelId="{EF318BA7-0917-4358-A7BE-2AFAD2909CA9}" type="parTrans" cxnId="{9E22A3FF-A615-4364-9E3B-992880387BCE}">
+    <dgm:pt modelId="{95AB6660-2946-4720-9FC2-1692B3814CEB}" type="parTrans" cxnId="{66787523-65FC-4906-A385-D60A76559A0F}">
       <dgm:prSet/>
       <dgm:spPr/>
       <dgm:t>
@@ -2377,7 +2386,7 @@
         </a:p>
       </dgm:t>
     </dgm:pt>
-    <dgm:pt modelId="{6AE45A4F-D4F8-4AAA-975F-6F5EFD2344D3}" type="sibTrans" cxnId="{9E22A3FF-A615-4364-9E3B-992880387BCE}">
+    <dgm:pt modelId="{4A7617E5-1EC2-4192-89E9-1C8BD0E2EF10}" type="sibTrans" cxnId="{66787523-65FC-4906-A385-D60A76559A0F}">
       <dgm:prSet/>
       <dgm:spPr/>
       <dgm:t>
@@ -2388,28 +2397,37 @@
         </a:p>
       </dgm:t>
     </dgm:pt>
-    <dgm:pt modelId="{E8E2B5D2-7506-4E07-BB2A-AD16722200C8}">
+    <dgm:pt modelId="{AAAD6BC8-FC4A-4077-8D03-1785DEFE3DB7}">
       <dgm:prSet phldrT="[Text]" custT="1"/>
-      <dgm:spPr/>
+      <dgm:spPr>
+        <a:effectLst>
+          <a:outerShdw blurRad="63500" sx="102000" sy="102000" algn="ctr" rotWithShape="0">
+            <a:prstClr val="black">
+              <a:alpha val="40000"/>
+            </a:prstClr>
+          </a:outerShdw>
+          <a:reflection blurRad="6350" stA="50000" endA="300" endPos="55500" dist="50800" dir="5400000" sy="-100000" algn="bl" rotWithShape="0"/>
+        </a:effectLst>
+      </dgm:spPr>
       <dgm:t>
         <a:bodyPr/>
         <a:lstStyle/>
         <a:p>
           <a:r>
-            <a:rPr lang="en-IN" sz="3000" dirty="0" smtClean="0">
+            <a:rPr lang="en-IN" sz="2800" dirty="0" smtClean="0">
               <a:latin typeface="Calibri" pitchFamily="34" charset="0"/>
               <a:cs typeface="Calibri" pitchFamily="34" charset="0"/>
             </a:rPr>
             <a:t>Stash</a:t>
           </a:r>
-          <a:endParaRPr lang="en-IN" sz="3000" dirty="0">
+          <a:endParaRPr lang="en-IN" sz="2800" dirty="0">
             <a:latin typeface="Calibri" pitchFamily="34" charset="0"/>
             <a:cs typeface="Calibri" pitchFamily="34" charset="0"/>
           </a:endParaRPr>
         </a:p>
       </dgm:t>
     </dgm:pt>
-    <dgm:pt modelId="{92A8B76C-41F9-4AC4-ADFC-1F8C5B3B160E}" type="parTrans" cxnId="{12D61555-CAF0-49DA-A5FB-6CC1616FBB27}">
+    <dgm:pt modelId="{8076B307-4E1D-4222-8939-2C5419E87F4D}" type="parTrans" cxnId="{2BEB47F1-7B52-47F7-A044-1B00744563E9}">
       <dgm:prSet/>
       <dgm:spPr/>
       <dgm:t>
@@ -2420,7 +2438,7 @@
         </a:p>
       </dgm:t>
     </dgm:pt>
-    <dgm:pt modelId="{C0E4C9A3-A6A7-45C8-9E77-373DA9320CE3}" type="sibTrans" cxnId="{12D61555-CAF0-49DA-A5FB-6CC1616FBB27}">
+    <dgm:pt modelId="{68BC69FB-1A2C-45AA-9939-76CAC3EF409A}" type="sibTrans" cxnId="{2BEB47F1-7B52-47F7-A044-1B00744563E9}">
       <dgm:prSet/>
       <dgm:spPr/>
       <dgm:t>
@@ -2431,28 +2449,37 @@
         </a:p>
       </dgm:t>
     </dgm:pt>
-    <dgm:pt modelId="{949216F7-E741-4770-ACA5-4EB426B656A6}">
+    <dgm:pt modelId="{18C3ADE8-7625-4CDD-9D9F-BB6B597E5391}">
       <dgm:prSet phldrT="[Text]" custT="1"/>
-      <dgm:spPr/>
+      <dgm:spPr>
+        <a:effectLst>
+          <a:outerShdw blurRad="63500" sx="102000" sy="102000" algn="ctr" rotWithShape="0">
+            <a:prstClr val="black">
+              <a:alpha val="40000"/>
+            </a:prstClr>
+          </a:outerShdw>
+          <a:reflection blurRad="6350" stA="50000" endA="300" endPos="55500" dist="50800" dir="5400000" sy="-100000" algn="bl" rotWithShape="0"/>
+        </a:effectLst>
+      </dgm:spPr>
       <dgm:t>
         <a:bodyPr/>
         <a:lstStyle/>
         <a:p>
           <a:r>
-            <a:rPr lang="en-IN" sz="4000" b="1" dirty="0" smtClean="0">
+            <a:rPr lang="en-IN" sz="3600" b="1" dirty="0" smtClean="0">
               <a:latin typeface="Calibri" pitchFamily="34" charset="0"/>
               <a:cs typeface="Calibri" pitchFamily="34" charset="0"/>
             </a:rPr>
             <a:t>Working Area</a:t>
           </a:r>
-          <a:endParaRPr lang="en-IN" sz="4000" b="1" dirty="0">
+          <a:endParaRPr lang="en-IN" sz="3600" b="1" dirty="0">
             <a:latin typeface="Calibri" pitchFamily="34" charset="0"/>
             <a:cs typeface="Calibri" pitchFamily="34" charset="0"/>
           </a:endParaRPr>
         </a:p>
       </dgm:t>
     </dgm:pt>
-    <dgm:pt modelId="{028AA5E7-3E56-422E-8DC0-6528BD1BDC3A}" type="parTrans" cxnId="{B876DA78-1E96-4616-8E97-FFC7A9311495}">
+    <dgm:pt modelId="{5570BF10-E12A-4B1C-8DB6-24338F933614}" type="parTrans" cxnId="{91AABE95-093D-49C8-A1A4-4F9C1B26C2D0}">
       <dgm:prSet/>
       <dgm:spPr/>
       <dgm:t>
@@ -2463,7 +2490,7 @@
         </a:p>
       </dgm:t>
     </dgm:pt>
-    <dgm:pt modelId="{19730EC9-39F5-46A6-BD7F-47B178B3C400}" type="sibTrans" cxnId="{B876DA78-1E96-4616-8E97-FFC7A9311495}">
+    <dgm:pt modelId="{2AFBDFE7-D62B-458B-BD8B-01B3F95DB7C0}" type="sibTrans" cxnId="{91AABE95-093D-49C8-A1A4-4F9C1B26C2D0}">
       <dgm:prSet/>
       <dgm:spPr/>
       <dgm:t>
@@ -2474,28 +2501,37 @@
         </a:p>
       </dgm:t>
     </dgm:pt>
-    <dgm:pt modelId="{25C285D7-87B6-4E1D-9FED-0507867BDA2C}">
+    <dgm:pt modelId="{4C1C045F-422B-49A4-9776-326996025D28}">
       <dgm:prSet phldrT="[Text]" custT="1"/>
-      <dgm:spPr/>
+      <dgm:spPr>
+        <a:effectLst>
+          <a:outerShdw blurRad="63500" sx="102000" sy="102000" algn="ctr" rotWithShape="0">
+            <a:prstClr val="black">
+              <a:alpha val="40000"/>
+            </a:prstClr>
+          </a:outerShdw>
+          <a:reflection blurRad="6350" stA="50000" endA="300" endPos="55500" dist="50800" dir="5400000" sy="-100000" algn="bl" rotWithShape="0"/>
+        </a:effectLst>
+      </dgm:spPr>
       <dgm:t>
         <a:bodyPr/>
         <a:lstStyle/>
         <a:p>
           <a:r>
-            <a:rPr lang="en-IN" sz="3000" dirty="0" smtClean="0">
+            <a:rPr lang="en-IN" sz="2800" dirty="0" smtClean="0">
               <a:latin typeface="Calibri" pitchFamily="34" charset="0"/>
               <a:cs typeface="Calibri" pitchFamily="34" charset="0"/>
             </a:rPr>
-            <a:t>Project Directory.</a:t>
+            <a:t>Project directory.</a:t>
           </a:r>
-          <a:endParaRPr lang="en-IN" sz="3000" dirty="0">
+          <a:endParaRPr lang="en-IN" sz="2800" dirty="0">
             <a:latin typeface="Calibri" pitchFamily="34" charset="0"/>
             <a:cs typeface="Calibri" pitchFamily="34" charset="0"/>
           </a:endParaRPr>
         </a:p>
       </dgm:t>
     </dgm:pt>
-    <dgm:pt modelId="{BA05E941-BF91-40DB-93EE-325C02E85571}" type="parTrans" cxnId="{4FDB4BE6-F585-409E-B95C-03AE21BC04C6}">
+    <dgm:pt modelId="{F7D3561E-3A31-4F15-9E78-13C60F59FEDC}" type="parTrans" cxnId="{081CAB10-F301-4F19-A77E-6FF5F9FCFD02}">
       <dgm:prSet/>
       <dgm:spPr/>
       <dgm:t>
@@ -2506,7 +2542,7 @@
         </a:p>
       </dgm:t>
     </dgm:pt>
-    <dgm:pt modelId="{8DB7CB97-3DF5-4455-9623-D130DD24FFFC}" type="sibTrans" cxnId="{4FDB4BE6-F585-409E-B95C-03AE21BC04C6}">
+    <dgm:pt modelId="{C7EE3504-2F38-4421-BEEF-5E08611205D6}" type="sibTrans" cxnId="{081CAB10-F301-4F19-A77E-6FF5F9FCFD02}">
       <dgm:prSet/>
       <dgm:spPr/>
       <dgm:t>
@@ -2517,28 +2553,37 @@
         </a:p>
       </dgm:t>
     </dgm:pt>
-    <dgm:pt modelId="{A6613F52-E7B5-4647-9A69-C2F6A838565E}">
+    <dgm:pt modelId="{E580CD45-D617-43DA-9E2F-896290DF756C}">
       <dgm:prSet phldrT="[Text]" custT="1"/>
-      <dgm:spPr/>
+      <dgm:spPr>
+        <a:effectLst>
+          <a:outerShdw blurRad="63500" sx="102000" sy="102000" algn="ctr" rotWithShape="0">
+            <a:prstClr val="black">
+              <a:alpha val="40000"/>
+            </a:prstClr>
+          </a:outerShdw>
+          <a:reflection blurRad="6350" stA="50000" endA="300" endPos="55500" dist="50800" dir="5400000" sy="-100000" algn="bl" rotWithShape="0"/>
+        </a:effectLst>
+      </dgm:spPr>
       <dgm:t>
         <a:bodyPr/>
         <a:lstStyle/>
         <a:p>
           <a:r>
-            <a:rPr lang="en-IN" sz="4000" b="1" dirty="0" smtClean="0">
+            <a:rPr lang="en-IN" sz="2800" dirty="0" smtClean="0">
               <a:latin typeface="Calibri" pitchFamily="34" charset="0"/>
               <a:cs typeface="Calibri" pitchFamily="34" charset="0"/>
             </a:rPr>
-            <a:t>Index</a:t>
+            <a:t>Work, edit, test.</a:t>
           </a:r>
-          <a:endParaRPr lang="en-IN" sz="4000" b="1" dirty="0">
+          <a:endParaRPr lang="en-IN" sz="2800" dirty="0">
             <a:latin typeface="Calibri" pitchFamily="34" charset="0"/>
             <a:cs typeface="Calibri" pitchFamily="34" charset="0"/>
           </a:endParaRPr>
         </a:p>
       </dgm:t>
     </dgm:pt>
-    <dgm:pt modelId="{EB26D265-001F-4462-ABEC-8911E6D89FBA}" type="parTrans" cxnId="{10EC2D1C-8576-4E97-9472-A101CFC2F9C2}">
+    <dgm:pt modelId="{DEB08D15-7C38-4682-8CAC-323B619FF464}" type="parTrans" cxnId="{EDB8BC22-93C9-430E-8F14-37D0D9B35399}">
       <dgm:prSet/>
       <dgm:spPr/>
       <dgm:t>
@@ -2549,7 +2594,7 @@
         </a:p>
       </dgm:t>
     </dgm:pt>
-    <dgm:pt modelId="{EC428717-6E19-467D-8FB3-21B6573D6048}" type="sibTrans" cxnId="{10EC2D1C-8576-4E97-9472-A101CFC2F9C2}">
+    <dgm:pt modelId="{BFD3A209-F43F-4443-8DE2-E49D28F45565}" type="sibTrans" cxnId="{EDB8BC22-93C9-430E-8F14-37D0D9B35399}">
       <dgm:prSet/>
       <dgm:spPr/>
       <dgm:t>
@@ -2560,28 +2605,37 @@
         </a:p>
       </dgm:t>
     </dgm:pt>
-    <dgm:pt modelId="{2B716818-35B7-48E2-AFB7-4F022E95D65C}">
+    <dgm:pt modelId="{44ADF412-180A-4C69-8E96-C81966886D37}">
       <dgm:prSet phldrT="[Text]" custT="1"/>
-      <dgm:spPr/>
+      <dgm:spPr>
+        <a:effectLst>
+          <a:outerShdw blurRad="63500" sx="102000" sy="102000" algn="ctr" rotWithShape="0">
+            <a:prstClr val="black">
+              <a:alpha val="40000"/>
+            </a:prstClr>
+          </a:outerShdw>
+          <a:reflection blurRad="6350" stA="50000" endA="300" endPos="55500" dist="50800" dir="5400000" sy="-100000" algn="bl" rotWithShape="0"/>
+        </a:effectLst>
+      </dgm:spPr>
       <dgm:t>
         <a:bodyPr/>
         <a:lstStyle/>
         <a:p>
           <a:r>
-            <a:rPr lang="en-IN" sz="3000" dirty="0" smtClean="0">
+            <a:rPr lang="en-IN" sz="3600" b="1" dirty="0" smtClean="0">
               <a:latin typeface="Calibri" pitchFamily="34" charset="0"/>
               <a:cs typeface="Calibri" pitchFamily="34" charset="0"/>
             </a:rPr>
-            <a:t>In .git folder.</a:t>
+            <a:t>Index</a:t>
           </a:r>
-          <a:endParaRPr lang="en-IN" sz="3000" dirty="0">
+          <a:endParaRPr lang="en-IN" sz="3600" b="1" dirty="0">
             <a:latin typeface="Calibri" pitchFamily="34" charset="0"/>
             <a:cs typeface="Calibri" pitchFamily="34" charset="0"/>
           </a:endParaRPr>
         </a:p>
       </dgm:t>
     </dgm:pt>
-    <dgm:pt modelId="{18E5CEE6-5783-4374-A6DE-6B65AC5BD286}" type="parTrans" cxnId="{38A73B4A-7AA5-4510-8909-B7321D49C0EA}">
+    <dgm:pt modelId="{AA8C41F2-183E-4A0C-8296-519B25C76845}" type="parTrans" cxnId="{F6841B40-8C07-41EF-B9D3-C4795C90A53B}">
       <dgm:prSet/>
       <dgm:spPr/>
       <dgm:t>
@@ -2592,7 +2646,7 @@
         </a:p>
       </dgm:t>
     </dgm:pt>
-    <dgm:pt modelId="{32CE0145-89A9-42D4-AF5E-67A0ACA62A6C}" type="sibTrans" cxnId="{38A73B4A-7AA5-4510-8909-B7321D49C0EA}">
+    <dgm:pt modelId="{E31E68AB-219C-4F99-BFB1-EE5E7FB9DBBF}" type="sibTrans" cxnId="{F6841B40-8C07-41EF-B9D3-C4795C90A53B}">
       <dgm:prSet/>
       <dgm:spPr/>
       <dgm:t>
@@ -2603,28 +2657,37 @@
         </a:p>
       </dgm:t>
     </dgm:pt>
-    <dgm:pt modelId="{32134BCA-5A23-4397-8278-0BD6EA4A8880}">
+    <dgm:pt modelId="{86F2D3B7-1FD2-4ED9-9F94-15C392B7E2D7}">
       <dgm:prSet phldrT="[Text]" custT="1"/>
-      <dgm:spPr/>
+      <dgm:spPr>
+        <a:effectLst>
+          <a:outerShdw blurRad="63500" sx="102000" sy="102000" algn="ctr" rotWithShape="0">
+            <a:prstClr val="black">
+              <a:alpha val="40000"/>
+            </a:prstClr>
+          </a:outerShdw>
+          <a:reflection blurRad="6350" stA="50000" endA="300" endPos="55500" dist="50800" dir="5400000" sy="-100000" algn="bl" rotWithShape="0"/>
+        </a:effectLst>
+      </dgm:spPr>
       <dgm:t>
         <a:bodyPr/>
         <a:lstStyle/>
         <a:p>
           <a:r>
-            <a:rPr lang="en-IN" sz="4000" b="1" dirty="0" smtClean="0">
+            <a:rPr lang="en-IN" sz="2800" dirty="0" smtClean="0">
               <a:latin typeface="Calibri" pitchFamily="34" charset="0"/>
               <a:cs typeface="Calibri" pitchFamily="34" charset="0"/>
             </a:rPr>
-            <a:t>Repository</a:t>
+            <a:t>Staging area.</a:t>
           </a:r>
-          <a:endParaRPr lang="en-IN" sz="4000" b="1" dirty="0">
+          <a:endParaRPr lang="en-IN" sz="2800" dirty="0">
             <a:latin typeface="Calibri" pitchFamily="34" charset="0"/>
             <a:cs typeface="Calibri" pitchFamily="34" charset="0"/>
           </a:endParaRPr>
         </a:p>
       </dgm:t>
     </dgm:pt>
-    <dgm:pt modelId="{FDA6D0BF-B599-4506-9936-954F7D8B2950}" type="parTrans" cxnId="{604B5A2E-1A85-4C2F-AB0A-766A399F7E69}">
+    <dgm:pt modelId="{863E1D6A-70F6-43B3-98E6-13D1F1BF06E3}" type="parTrans" cxnId="{17C6C13F-460A-4208-8491-D92AB2B8FA4D}">
       <dgm:prSet/>
       <dgm:spPr/>
       <dgm:t>
@@ -2635,7 +2698,7 @@
         </a:p>
       </dgm:t>
     </dgm:pt>
-    <dgm:pt modelId="{723C943C-66BE-4628-BD35-9B6740B2EAF6}" type="sibTrans" cxnId="{604B5A2E-1A85-4C2F-AB0A-766A399F7E69}">
+    <dgm:pt modelId="{161113E0-FA02-4178-AB3E-D00D2E29F593}" type="sibTrans" cxnId="{17C6C13F-460A-4208-8491-D92AB2B8FA4D}">
       <dgm:prSet/>
       <dgm:spPr/>
       <dgm:t>
@@ -2646,28 +2709,37 @@
         </a:p>
       </dgm:t>
     </dgm:pt>
-    <dgm:pt modelId="{1FF29153-7A6D-4F64-82BB-789D4038EE65}">
+    <dgm:pt modelId="{B0E001CC-32ED-4E28-AF18-7EE625B27763}">
       <dgm:prSet phldrT="[Text]" custT="1"/>
-      <dgm:spPr/>
+      <dgm:spPr>
+        <a:effectLst>
+          <a:outerShdw blurRad="63500" sx="102000" sy="102000" algn="ctr" rotWithShape="0">
+            <a:prstClr val="black">
+              <a:alpha val="40000"/>
+            </a:prstClr>
+          </a:outerShdw>
+          <a:reflection blurRad="6350" stA="50000" endA="300" endPos="55500" dist="50800" dir="5400000" sy="-100000" algn="bl" rotWithShape="0"/>
+        </a:effectLst>
+      </dgm:spPr>
       <dgm:t>
         <a:bodyPr/>
         <a:lstStyle/>
         <a:p>
           <a:r>
-            <a:rPr lang="en-IN" sz="3000" dirty="0" smtClean="0">
+            <a:rPr lang="en-IN" sz="2800" dirty="0" smtClean="0">
               <a:latin typeface="Calibri" pitchFamily="34" charset="0"/>
               <a:cs typeface="Calibri" pitchFamily="34" charset="0"/>
             </a:rPr>
-            <a:t>Staging Area.</a:t>
+            <a:t>Unique to git.</a:t>
           </a:r>
-          <a:endParaRPr lang="en-IN" sz="3000" dirty="0">
+          <a:endParaRPr lang="en-IN" sz="2800" dirty="0">
             <a:latin typeface="Calibri" pitchFamily="34" charset="0"/>
             <a:cs typeface="Calibri" pitchFamily="34" charset="0"/>
           </a:endParaRPr>
         </a:p>
       </dgm:t>
     </dgm:pt>
-    <dgm:pt modelId="{8F50D7B2-09AB-47E1-867F-A1242807AB3C}" type="parTrans" cxnId="{F1A146FD-8B39-465D-ABFB-D5D9C190CBE3}">
+    <dgm:pt modelId="{201E8A82-CADB-4744-9768-406D4880DEE9}" type="parTrans" cxnId="{987A44CC-3ECB-4835-8C35-B091C3DB38D1}">
       <dgm:prSet/>
       <dgm:spPr/>
       <dgm:t>
@@ -2678,7 +2750,7 @@
         </a:p>
       </dgm:t>
     </dgm:pt>
-    <dgm:pt modelId="{8C730EED-3495-4230-9D21-B256D46E62F5}" type="sibTrans" cxnId="{F1A146FD-8B39-465D-ABFB-D5D9C190CBE3}">
+    <dgm:pt modelId="{3775BFF9-AD33-435E-860E-678A360596D4}" type="sibTrans" cxnId="{987A44CC-3ECB-4835-8C35-B091C3DB38D1}">
       <dgm:prSet/>
       <dgm:spPr/>
       <dgm:t>
@@ -2689,28 +2761,37 @@
         </a:p>
       </dgm:t>
     </dgm:pt>
-    <dgm:pt modelId="{AB4A6835-F763-4C9D-B769-5B70E80EE1B6}">
+    <dgm:pt modelId="{0B7D8B29-D799-4F37-A82B-FBBBBD913F9C}">
       <dgm:prSet phldrT="[Text]" custT="1"/>
-      <dgm:spPr/>
+      <dgm:spPr>
+        <a:effectLst>
+          <a:outerShdw blurRad="63500" sx="102000" sy="102000" algn="ctr" rotWithShape="0">
+            <a:prstClr val="black">
+              <a:alpha val="40000"/>
+            </a:prstClr>
+          </a:outerShdw>
+          <a:reflection blurRad="6350" stA="50000" endA="300" endPos="55500" dist="50800" dir="5400000" sy="-100000" algn="bl" rotWithShape="0"/>
+        </a:effectLst>
+      </dgm:spPr>
       <dgm:t>
         <a:bodyPr/>
         <a:lstStyle/>
         <a:p>
           <a:r>
-            <a:rPr lang="en-IN" sz="3000" dirty="0" smtClean="0">
+            <a:rPr lang="en-IN" sz="3600" b="1" dirty="0" smtClean="0">
               <a:latin typeface="Calibri" pitchFamily="34" charset="0"/>
               <a:cs typeface="Calibri" pitchFamily="34" charset="0"/>
             </a:rPr>
-            <a:t>Work, Edit, Test..</a:t>
+            <a:t>Repository</a:t>
           </a:r>
-          <a:endParaRPr lang="en-IN" sz="3000" dirty="0">
+          <a:endParaRPr lang="en-IN" sz="3600" b="1" dirty="0">
             <a:latin typeface="Calibri" pitchFamily="34" charset="0"/>
             <a:cs typeface="Calibri" pitchFamily="34" charset="0"/>
           </a:endParaRPr>
         </a:p>
       </dgm:t>
     </dgm:pt>
-    <dgm:pt modelId="{71C37D1F-E373-4552-B5C5-BBD1783AF194}" type="parTrans" cxnId="{E1AF262E-18B8-4747-A055-804706D85AC3}">
+    <dgm:pt modelId="{BA3941D6-70F8-41A7-BF14-43DA5ABC0C56}" type="parTrans" cxnId="{83175790-2C03-4849-B789-76B30D597C86}">
       <dgm:prSet/>
       <dgm:spPr/>
       <dgm:t>
@@ -2721,7 +2802,7 @@
         </a:p>
       </dgm:t>
     </dgm:pt>
-    <dgm:pt modelId="{663616AF-8D0B-43E0-A0B7-8A7595B5E5E8}" type="sibTrans" cxnId="{E1AF262E-18B8-4747-A055-804706D85AC3}">
+    <dgm:pt modelId="{E39D5249-DC50-4CB4-8CEE-AB80BB824AF5}" type="sibTrans" cxnId="{83175790-2C03-4849-B789-76B30D597C86}">
       <dgm:prSet/>
       <dgm:spPr/>
       <dgm:t>
@@ -2732,28 +2813,37 @@
         </a:p>
       </dgm:t>
     </dgm:pt>
-    <dgm:pt modelId="{23BF2F83-7612-43FC-92CF-E0DFF1BDF0C1}">
+    <dgm:pt modelId="{70F0ABEE-F0D5-4055-A337-E3BA7895D319}">
       <dgm:prSet phldrT="[Text]" custT="1"/>
-      <dgm:spPr/>
+      <dgm:spPr>
+        <a:effectLst>
+          <a:outerShdw blurRad="63500" sx="102000" sy="102000" algn="ctr" rotWithShape="0">
+            <a:prstClr val="black">
+              <a:alpha val="40000"/>
+            </a:prstClr>
+          </a:outerShdw>
+          <a:reflection blurRad="6350" stA="50000" endA="300" endPos="55500" dist="50800" dir="5400000" sy="-100000" algn="bl" rotWithShape="0"/>
+        </a:effectLst>
+      </dgm:spPr>
       <dgm:t>
         <a:bodyPr/>
         <a:lstStyle/>
         <a:p>
           <a:r>
-            <a:rPr lang="en-IN" sz="3000" dirty="0" smtClean="0">
+            <a:rPr lang="en-IN" sz="2800" dirty="0" smtClean="0">
               <a:latin typeface="Calibri" pitchFamily="34" charset="0"/>
               <a:cs typeface="Calibri" pitchFamily="34" charset="0"/>
             </a:rPr>
-            <a:t>For Git, it’s a temporary place.</a:t>
+            <a:t>.git directory.</a:t>
           </a:r>
-          <a:endParaRPr lang="en-IN" sz="3000" dirty="0">
+          <a:endParaRPr lang="en-IN" sz="2800" dirty="0">
             <a:latin typeface="Calibri" pitchFamily="34" charset="0"/>
             <a:cs typeface="Calibri" pitchFamily="34" charset="0"/>
           </a:endParaRPr>
         </a:p>
       </dgm:t>
     </dgm:pt>
-    <dgm:pt modelId="{AEEB6CD5-46EC-41EC-BAE0-9915185D6D98}" type="parTrans" cxnId="{11250972-644C-4740-80B6-72C2DC0F0196}">
+    <dgm:pt modelId="{E699296D-1CCA-4AD8-A3A6-992EF433E26C}" type="parTrans" cxnId="{F64F426E-61A6-445D-AB84-F200137F29F3}">
       <dgm:prSet/>
       <dgm:spPr/>
       <dgm:t>
@@ -2764,7 +2854,7 @@
         </a:p>
       </dgm:t>
     </dgm:pt>
-    <dgm:pt modelId="{D46F1FD3-D279-4638-9671-C64E71E0A6C8}" type="sibTrans" cxnId="{11250972-644C-4740-80B6-72C2DC0F0196}">
+    <dgm:pt modelId="{003B7495-52C8-4037-A685-51332C2C9D0C}" type="sibTrans" cxnId="{F64F426E-61A6-445D-AB84-F200137F29F3}">
       <dgm:prSet/>
       <dgm:spPr/>
       <dgm:t>
@@ -2775,28 +2865,37 @@
         </a:p>
       </dgm:t>
     </dgm:pt>
-    <dgm:pt modelId="{869BF15B-F4E5-4E30-87BE-B64062AEC9D9}">
+    <dgm:pt modelId="{E3A33AC1-002A-4356-99CA-D5A122132B46}">
       <dgm:prSet phldrT="[Text]" custT="1"/>
-      <dgm:spPr/>
+      <dgm:spPr>
+        <a:effectLst>
+          <a:outerShdw blurRad="63500" sx="102000" sy="102000" algn="ctr" rotWithShape="0">
+            <a:prstClr val="black">
+              <a:alpha val="40000"/>
+            </a:prstClr>
+          </a:outerShdw>
+          <a:reflection blurRad="6350" stA="50000" endA="300" endPos="55500" dist="50800" dir="5400000" sy="-100000" algn="bl" rotWithShape="0"/>
+        </a:effectLst>
+      </dgm:spPr>
       <dgm:t>
         <a:bodyPr/>
         <a:lstStyle/>
         <a:p>
           <a:r>
-            <a:rPr lang="en-IN" sz="3000" dirty="0" smtClean="0">
+            <a:rPr lang="en-IN" sz="2800" dirty="0" smtClean="0">
               <a:latin typeface="Calibri" pitchFamily="34" charset="0"/>
               <a:cs typeface="Calibri" pitchFamily="34" charset="0"/>
             </a:rPr>
             <a:t>Git objects: Commits, trees, blobs and tags.</a:t>
           </a:r>
-          <a:endParaRPr lang="en-IN" sz="3000" dirty="0">
+          <a:endParaRPr lang="en-IN" sz="2800" dirty="0">
             <a:latin typeface="Calibri" pitchFamily="34" charset="0"/>
             <a:cs typeface="Calibri" pitchFamily="34" charset="0"/>
           </a:endParaRPr>
         </a:p>
       </dgm:t>
     </dgm:pt>
-    <dgm:pt modelId="{C5AABFAE-F208-41BB-BF8F-FD95EBDE9717}" type="parTrans" cxnId="{C69C7958-2860-473D-8022-343EC5832C42}">
+    <dgm:pt modelId="{F52CA1E8-7055-4C11-8380-2A30C49F69D7}" type="parTrans" cxnId="{F8DFDE3E-408E-40A8-89CF-4476C720C3CC}">
       <dgm:prSet/>
       <dgm:spPr/>
       <dgm:t>
@@ -2807,7 +2906,7 @@
         </a:p>
       </dgm:t>
     </dgm:pt>
-    <dgm:pt modelId="{8B76E07B-43A5-46BA-A051-DE2524899024}" type="sibTrans" cxnId="{C69C7958-2860-473D-8022-343EC5832C42}">
+    <dgm:pt modelId="{D9D77812-7228-4B88-A91D-8D107494FFD5}" type="sibTrans" cxnId="{F8DFDE3E-408E-40A8-89CF-4476C720C3CC}">
       <dgm:prSet/>
       <dgm:spPr/>
       <dgm:t>
@@ -2818,72 +2917,38 @@
         </a:p>
       </dgm:t>
     </dgm:pt>
-    <dgm:pt modelId="{A36BCF37-01CF-493F-B2AF-48AA8C60D699}">
+    <dgm:pt modelId="{9671971D-9DDB-45DD-80F7-4AD58D975AC1}">
       <dgm:prSet phldrT="[Text]" custT="1"/>
-      <dgm:spPr/>
+      <dgm:spPr>
+        <a:effectLst>
+          <a:outerShdw blurRad="63500" sx="102000" sy="102000" algn="ctr" rotWithShape="0">
+            <a:prstClr val="black">
+              <a:alpha val="40000"/>
+            </a:prstClr>
+          </a:outerShdw>
+          <a:reflection blurRad="6350" stA="50000" endA="300" endPos="55500" dist="50800" dir="5400000" sy="-100000" algn="bl" rotWithShape="0"/>
+        </a:effectLst>
+      </dgm:spPr>
       <dgm:t>
         <a:bodyPr/>
         <a:lstStyle/>
         <a:p>
           <a:r>
-            <a:rPr lang="en-IN" sz="3000" dirty="0" smtClean="0">
+            <a:rPr lang="en-IN" sz="2800" dirty="0" smtClean="0">
               <a:latin typeface="Calibri" pitchFamily="34" charset="0"/>
               <a:cs typeface="Calibri" pitchFamily="34" charset="0"/>
             </a:rPr>
-            <a:t>Unique to git.</a:t>
+            <a:t>Commit from here to repository</a:t>
           </a:r>
-          <a:endParaRPr lang="en-IN" sz="3000" dirty="0">
+          <a:endParaRPr lang="en-IN" sz="2800" dirty="0">
             <a:latin typeface="Calibri" pitchFamily="34" charset="0"/>
             <a:cs typeface="Calibri" pitchFamily="34" charset="0"/>
           </a:endParaRPr>
         </a:p>
       </dgm:t>
     </dgm:pt>
-    <dgm:pt modelId="{9FBC8D97-F94E-4297-ACAA-CAB28A509609}" type="parTrans" cxnId="{FBEE986B-EE1E-40C8-A516-6C1678AE0315}">
+    <dgm:pt modelId="{56F3DD20-8ED9-45F8-B62A-8578E826A60E}" type="parTrans" cxnId="{E6A9AB6C-FB26-47AC-A141-8D51D93003B5}">
       <dgm:prSet/>
-      <dgm:spPr/>
-    </dgm:pt>
-    <dgm:pt modelId="{6E3DCE1E-CFD7-4D7A-8B23-E64825D8C4E9}" type="sibTrans" cxnId="{FBEE986B-EE1E-40C8-A516-6C1678AE0315}">
-      <dgm:prSet/>
-      <dgm:spPr/>
-    </dgm:pt>
-    <dgm:pt modelId="{95758399-E882-4C3A-9C4F-EEA92CC2751B}">
-      <dgm:prSet phldrT="[Text]" custT="1"/>
-      <dgm:spPr/>
-      <dgm:t>
-        <a:bodyPr/>
-        <a:lstStyle/>
-        <a:p>
-          <a:r>
-            <a:rPr lang="en-IN" sz="3000" dirty="0" smtClean="0">
-              <a:latin typeface="Calibri" pitchFamily="34" charset="0"/>
-              <a:cs typeface="Calibri" pitchFamily="34" charset="0"/>
-            </a:rPr>
-            <a:t>Commit from here to repository.</a:t>
-          </a:r>
-          <a:endParaRPr lang="en-IN" sz="3000" dirty="0">
-            <a:latin typeface="Calibri" pitchFamily="34" charset="0"/>
-            <a:cs typeface="Calibri" pitchFamily="34" charset="0"/>
-          </a:endParaRPr>
-        </a:p>
-      </dgm:t>
-    </dgm:pt>
-    <dgm:pt modelId="{83DA26AB-345C-4E07-BC20-2163474697B8}" type="parTrans" cxnId="{8BD489AF-41D8-4F53-892F-FB199FF13C31}">
-      <dgm:prSet/>
-      <dgm:spPr/>
-    </dgm:pt>
-    <dgm:pt modelId="{02468C97-2AF3-4EFB-A89A-872B1A8B7ADE}" type="sibTrans" cxnId="{8BD489AF-41D8-4F53-892F-FB199FF13C31}">
-      <dgm:prSet/>
-      <dgm:spPr/>
-    </dgm:pt>
-    <dgm:pt modelId="{FD8345E1-AD4C-4F15-9B13-2315452F8ECF}" type="pres">
-      <dgm:prSet presAssocID="{C1062A99-7A1F-4692-A3C5-23E3FCC6A08F}" presName="Name0" presStyleCnt="0">
-        <dgm:presLayoutVars>
-          <dgm:dir/>
-          <dgm:animLvl val="lvl"/>
-          <dgm:resizeHandles val="exact"/>
-        </dgm:presLayoutVars>
-      </dgm:prSet>
       <dgm:spPr/>
       <dgm:t>
         <a:bodyPr/>
@@ -2893,12 +2958,85 @@
         </a:p>
       </dgm:t>
     </dgm:pt>
-    <dgm:pt modelId="{30C007D1-2A6D-4C5D-81A6-A23B4A55369F}" type="pres">
-      <dgm:prSet presAssocID="{16FB836C-E997-4CB5-BAF6-4B2447A9880F}" presName="composite" presStyleCnt="0"/>
+    <dgm:pt modelId="{1AE6DA91-0381-4ED8-AC3B-298ED95E051A}" type="sibTrans" cxnId="{E6A9AB6C-FB26-47AC-A141-8D51D93003B5}">
+      <dgm:prSet/>
+      <dgm:spPr/>
+      <dgm:t>
+        <a:bodyPr/>
+        <a:lstStyle/>
+        <a:p>
+          <a:endParaRPr lang="en-IN"/>
+        </a:p>
+      </dgm:t>
+    </dgm:pt>
+    <dgm:pt modelId="{0E9BFE7A-5048-4F1C-AFCD-BC82C74723C5}">
+      <dgm:prSet phldrT="[Text]" custT="1"/>
+      <dgm:spPr>
+        <a:effectLst>
+          <a:outerShdw blurRad="63500" sx="102000" sy="102000" algn="ctr" rotWithShape="0">
+            <a:prstClr val="black">
+              <a:alpha val="40000"/>
+            </a:prstClr>
+          </a:outerShdw>
+          <a:reflection blurRad="6350" stA="50000" endA="300" endPos="55500" dist="50800" dir="5400000" sy="-100000" algn="bl" rotWithShape="0"/>
+        </a:effectLst>
+      </dgm:spPr>
+      <dgm:t>
+        <a:bodyPr/>
+        <a:lstStyle/>
+        <a:p>
+          <a:r>
+            <a:rPr lang="en-IN" sz="2800" dirty="0" smtClean="0">
+              <a:latin typeface="Calibri" pitchFamily="34" charset="0"/>
+              <a:cs typeface="Calibri" pitchFamily="34" charset="0"/>
+            </a:rPr>
+            <a:t>For git, it’s a temporary place.</a:t>
+          </a:r>
+          <a:endParaRPr lang="en-IN" sz="2800" dirty="0">
+            <a:latin typeface="Calibri" pitchFamily="34" charset="0"/>
+            <a:cs typeface="Calibri" pitchFamily="34" charset="0"/>
+          </a:endParaRPr>
+        </a:p>
+      </dgm:t>
+    </dgm:pt>
+    <dgm:pt modelId="{DF5E468D-80C1-4F5B-879B-7B97F8661A01}" type="parTrans" cxnId="{AD302806-A3F8-4489-9BB1-5C19AF5BFEC7}">
+      <dgm:prSet/>
+      <dgm:spPr/>
+      <dgm:t>
+        <a:bodyPr/>
+        <a:lstStyle/>
+        <a:p>
+          <a:endParaRPr lang="en-IN"/>
+        </a:p>
+      </dgm:t>
+    </dgm:pt>
+    <dgm:pt modelId="{D169730E-791D-482E-8CEA-159EDA5F4B48}" type="sibTrans" cxnId="{AD302806-A3F8-4489-9BB1-5C19AF5BFEC7}">
+      <dgm:prSet/>
+      <dgm:spPr/>
+      <dgm:t>
+        <a:bodyPr/>
+        <a:lstStyle/>
+        <a:p>
+          <a:endParaRPr lang="en-IN"/>
+        </a:p>
+      </dgm:t>
+    </dgm:pt>
+    <dgm:pt modelId="{29071FFA-DF7C-4B66-B049-CA424CB20AF7}" type="pres">
+      <dgm:prSet presAssocID="{B85D0B65-7CFB-4407-AFC6-180734460C33}" presName="Name0" presStyleCnt="0">
+        <dgm:presLayoutVars>
+          <dgm:dir/>
+          <dgm:animLvl val="lvl"/>
+          <dgm:resizeHandles val="exact"/>
+        </dgm:presLayoutVars>
+      </dgm:prSet>
       <dgm:spPr/>
     </dgm:pt>
-    <dgm:pt modelId="{92F8B453-619A-4874-8158-92A1B3749FDA}" type="pres">
-      <dgm:prSet presAssocID="{16FB836C-E997-4CB5-BAF6-4B2447A9880F}" presName="parTx" presStyleLbl="alignNode1" presStyleIdx="0" presStyleCnt="4">
+    <dgm:pt modelId="{C6CA49EC-B06C-4F2C-8911-55ECF5C05CE4}" type="pres">
+      <dgm:prSet presAssocID="{5DC98C94-217D-4C5A-B8DC-173C96C90B43}" presName="composite" presStyleCnt="0"/>
+      <dgm:spPr/>
+    </dgm:pt>
+    <dgm:pt modelId="{04C94C9E-9B32-4DBE-8F77-96E9CBB6147F}" type="pres">
+      <dgm:prSet presAssocID="{5DC98C94-217D-4C5A-B8DC-173C96C90B43}" presName="parTx" presStyleLbl="alignNode1" presStyleIdx="0" presStyleCnt="4" custScaleY="100000" custLinFactY="-274" custLinFactNeighborY="-100000">
         <dgm:presLayoutVars>
           <dgm:chMax val="0"/>
           <dgm:chPref val="0"/>
@@ -2914,8 +3052,8 @@
         </a:p>
       </dgm:t>
     </dgm:pt>
-    <dgm:pt modelId="{D9A2EBDC-1A4D-499C-800E-31F8394660AA}" type="pres">
-      <dgm:prSet presAssocID="{16FB836C-E997-4CB5-BAF6-4B2447A9880F}" presName="desTx" presStyleLbl="alignAccFollowNode1" presStyleIdx="0" presStyleCnt="4">
+    <dgm:pt modelId="{365A0330-4502-4D18-BD67-8E08D4FB8CD2}" type="pres">
+      <dgm:prSet presAssocID="{5DC98C94-217D-4C5A-B8DC-173C96C90B43}" presName="desTx" presStyleLbl="alignAccFollowNode1" presStyleIdx="0" presStyleCnt="4" custScaleY="204155" custLinFactNeighborY="-5992">
         <dgm:presLayoutVars>
           <dgm:bulletEnabled val="1"/>
         </dgm:presLayoutVars>
@@ -2929,16 +3067,16 @@
         </a:p>
       </dgm:t>
     </dgm:pt>
-    <dgm:pt modelId="{1D1DDDAE-919F-4D7E-B2F6-EC55E6FD7874}" type="pres">
-      <dgm:prSet presAssocID="{6AE45A4F-D4F8-4AAA-975F-6F5EFD2344D3}" presName="space" presStyleCnt="0"/>
+    <dgm:pt modelId="{1DD2CC7D-EAC5-4842-B3A4-5C16BA3375C8}" type="pres">
+      <dgm:prSet presAssocID="{4A7617E5-1EC2-4192-89E9-1C8BD0E2EF10}" presName="space" presStyleCnt="0"/>
       <dgm:spPr/>
     </dgm:pt>
-    <dgm:pt modelId="{05881237-3EA1-4B4C-AC12-92098F8AD9C1}" type="pres">
-      <dgm:prSet presAssocID="{949216F7-E741-4770-ACA5-4EB426B656A6}" presName="composite" presStyleCnt="0"/>
+    <dgm:pt modelId="{73112765-0E09-403C-AC09-F16735D9CBA5}" type="pres">
+      <dgm:prSet presAssocID="{18C3ADE8-7625-4CDD-9D9F-BB6B597E5391}" presName="composite" presStyleCnt="0"/>
       <dgm:spPr/>
     </dgm:pt>
-    <dgm:pt modelId="{1202D4B8-108D-457B-86F2-A4DD93F2AD24}" type="pres">
-      <dgm:prSet presAssocID="{949216F7-E741-4770-ACA5-4EB426B656A6}" presName="parTx" presStyleLbl="alignNode1" presStyleIdx="1" presStyleCnt="4">
+    <dgm:pt modelId="{96233F39-CC6E-4722-9913-BCB7E962B9FC}" type="pres">
+      <dgm:prSet presAssocID="{18C3ADE8-7625-4CDD-9D9F-BB6B597E5391}" presName="parTx" presStyleLbl="alignNode1" presStyleIdx="1" presStyleCnt="4" custScaleY="100000" custLinFactY="-274" custLinFactNeighborY="-100000">
         <dgm:presLayoutVars>
           <dgm:chMax val="0"/>
           <dgm:chPref val="0"/>
@@ -2954,8 +3092,8 @@
         </a:p>
       </dgm:t>
     </dgm:pt>
-    <dgm:pt modelId="{2C844ADB-81BB-443F-856E-3105C15E9F3A}" type="pres">
-      <dgm:prSet presAssocID="{949216F7-E741-4770-ACA5-4EB426B656A6}" presName="desTx" presStyleLbl="alignAccFollowNode1" presStyleIdx="1" presStyleCnt="4">
+    <dgm:pt modelId="{5FE1EC18-29F8-4DAE-946B-238BFB7749D2}" type="pres">
+      <dgm:prSet presAssocID="{18C3ADE8-7625-4CDD-9D9F-BB6B597E5391}" presName="desTx" presStyleLbl="alignAccFollowNode1" presStyleIdx="1" presStyleCnt="4" custScaleY="204155" custLinFactNeighborY="-5992">
         <dgm:presLayoutVars>
           <dgm:bulletEnabled val="1"/>
         </dgm:presLayoutVars>
@@ -2969,16 +3107,16 @@
         </a:p>
       </dgm:t>
     </dgm:pt>
-    <dgm:pt modelId="{772C9C99-D3BD-4477-8A83-842F7D29EAC4}" type="pres">
-      <dgm:prSet presAssocID="{19730EC9-39F5-46A6-BD7F-47B178B3C400}" presName="space" presStyleCnt="0"/>
+    <dgm:pt modelId="{46E403EC-5B7F-43B1-82CA-FC2ECC6CC5B3}" type="pres">
+      <dgm:prSet presAssocID="{2AFBDFE7-D62B-458B-BD8B-01B3F95DB7C0}" presName="space" presStyleCnt="0"/>
       <dgm:spPr/>
     </dgm:pt>
-    <dgm:pt modelId="{318A6349-EE63-4B41-AFCE-F5470BEDAF72}" type="pres">
-      <dgm:prSet presAssocID="{A6613F52-E7B5-4647-9A69-C2F6A838565E}" presName="composite" presStyleCnt="0"/>
+    <dgm:pt modelId="{FAE80DE6-02E2-4CFA-80A6-D259B1E19675}" type="pres">
+      <dgm:prSet presAssocID="{44ADF412-180A-4C69-8E96-C81966886D37}" presName="composite" presStyleCnt="0"/>
       <dgm:spPr/>
     </dgm:pt>
-    <dgm:pt modelId="{74BD7EF1-1D22-450B-B2E8-FECA675073DA}" type="pres">
-      <dgm:prSet presAssocID="{A6613F52-E7B5-4647-9A69-C2F6A838565E}" presName="parTx" presStyleLbl="alignNode1" presStyleIdx="2" presStyleCnt="4">
+    <dgm:pt modelId="{C8844620-14E7-485D-A398-2A4FA1BBED32}" type="pres">
+      <dgm:prSet presAssocID="{44ADF412-180A-4C69-8E96-C81966886D37}" presName="parTx" presStyleLbl="alignNode1" presStyleIdx="2" presStyleCnt="4" custScaleY="100000" custLinFactY="-274" custLinFactNeighborY="-100000">
         <dgm:presLayoutVars>
           <dgm:chMax val="0"/>
           <dgm:chPref val="0"/>
@@ -2994,8 +3132,8 @@
         </a:p>
       </dgm:t>
     </dgm:pt>
-    <dgm:pt modelId="{A0FA271A-6B8D-4520-8678-FDB4BEA0ABB1}" type="pres">
-      <dgm:prSet presAssocID="{A6613F52-E7B5-4647-9A69-C2F6A838565E}" presName="desTx" presStyleLbl="alignAccFollowNode1" presStyleIdx="2" presStyleCnt="4">
+    <dgm:pt modelId="{5CF5C36E-1045-4834-A934-2365B63BFCD5}" type="pres">
+      <dgm:prSet presAssocID="{44ADF412-180A-4C69-8E96-C81966886D37}" presName="desTx" presStyleLbl="alignAccFollowNode1" presStyleIdx="2" presStyleCnt="4" custScaleY="204155" custLinFactNeighborY="-5992">
         <dgm:presLayoutVars>
           <dgm:bulletEnabled val="1"/>
         </dgm:presLayoutVars>
@@ -3009,16 +3147,16 @@
         </a:p>
       </dgm:t>
     </dgm:pt>
-    <dgm:pt modelId="{692735C2-7BDD-4DA9-AF61-ADA2869EB48C}" type="pres">
-      <dgm:prSet presAssocID="{EC428717-6E19-467D-8FB3-21B6573D6048}" presName="space" presStyleCnt="0"/>
+    <dgm:pt modelId="{89D1E388-A013-4F94-BEDD-FA4F4207C0B6}" type="pres">
+      <dgm:prSet presAssocID="{E31E68AB-219C-4F99-BFB1-EE5E7FB9DBBF}" presName="space" presStyleCnt="0"/>
       <dgm:spPr/>
     </dgm:pt>
-    <dgm:pt modelId="{9A564C71-9DFC-423D-8CD4-7E9ACEE08320}" type="pres">
-      <dgm:prSet presAssocID="{32134BCA-5A23-4397-8278-0BD6EA4A8880}" presName="composite" presStyleCnt="0"/>
+    <dgm:pt modelId="{14B0114E-79FD-49C7-98EB-A609F11A9301}" type="pres">
+      <dgm:prSet presAssocID="{0B7D8B29-D799-4F37-A82B-FBBBBD913F9C}" presName="composite" presStyleCnt="0"/>
       <dgm:spPr/>
     </dgm:pt>
-    <dgm:pt modelId="{8139CC92-F9E5-4BA1-896F-27317C283538}" type="pres">
-      <dgm:prSet presAssocID="{32134BCA-5A23-4397-8278-0BD6EA4A8880}" presName="parTx" presStyleLbl="alignNode1" presStyleIdx="3" presStyleCnt="4">
+    <dgm:pt modelId="{EC7EEBCA-82DD-4074-AF8E-B88F8FF00601}" type="pres">
+      <dgm:prSet presAssocID="{0B7D8B29-D799-4F37-A82B-FBBBBD913F9C}" presName="parTx" presStyleLbl="alignNode1" presStyleIdx="3" presStyleCnt="4" custScaleY="100000" custLinFactY="-274" custLinFactNeighborY="-100000">
         <dgm:presLayoutVars>
           <dgm:chMax val="0"/>
           <dgm:chPref val="0"/>
@@ -3034,8 +3172,8 @@
         </a:p>
       </dgm:t>
     </dgm:pt>
-    <dgm:pt modelId="{B76C72B1-EF7D-47C5-92F1-6BAE41A96548}" type="pres">
-      <dgm:prSet presAssocID="{32134BCA-5A23-4397-8278-0BD6EA4A8880}" presName="desTx" presStyleLbl="alignAccFollowNode1" presStyleIdx="3" presStyleCnt="4">
+    <dgm:pt modelId="{A00895CD-AC6F-43BB-9EEE-916E57D24768}" type="pres">
+      <dgm:prSet presAssocID="{0B7D8B29-D799-4F37-A82B-FBBBBD913F9C}" presName="desTx" presStyleLbl="alignAccFollowNode1" presStyleIdx="3" presStyleCnt="4" custScaleY="204155" custLinFactNeighborY="-5992">
         <dgm:presLayoutVars>
           <dgm:bulletEnabled val="1"/>
         </dgm:presLayoutVars>
@@ -3051,48 +3189,48 @@
     </dgm:pt>
   </dgm:ptLst>
   <dgm:cxnLst>
-    <dgm:cxn modelId="{604B5A2E-1A85-4C2F-AB0A-766A399F7E69}" srcId="{C1062A99-7A1F-4692-A3C5-23E3FCC6A08F}" destId="{32134BCA-5A23-4397-8278-0BD6EA4A8880}" srcOrd="3" destOrd="0" parTransId="{FDA6D0BF-B599-4506-9936-954F7D8B2950}" sibTransId="{723C943C-66BE-4628-BD35-9B6740B2EAF6}"/>
-    <dgm:cxn modelId="{C69C7958-2860-473D-8022-343EC5832C42}" srcId="{32134BCA-5A23-4397-8278-0BD6EA4A8880}" destId="{869BF15B-F4E5-4E30-87BE-B64062AEC9D9}" srcOrd="1" destOrd="0" parTransId="{C5AABFAE-F208-41BB-BF8F-FD95EBDE9717}" sibTransId="{8B76E07B-43A5-46BA-A051-DE2524899024}"/>
-    <dgm:cxn modelId="{38A73B4A-7AA5-4510-8909-B7321D49C0EA}" srcId="{32134BCA-5A23-4397-8278-0BD6EA4A8880}" destId="{2B716818-35B7-48E2-AFB7-4F022E95D65C}" srcOrd="0" destOrd="0" parTransId="{18E5CEE6-5783-4374-A6DE-6B65AC5BD286}" sibTransId="{32CE0145-89A9-42D4-AF5E-67A0ACA62A6C}"/>
-    <dgm:cxn modelId="{9E22A3FF-A615-4364-9E3B-992880387BCE}" srcId="{C1062A99-7A1F-4692-A3C5-23E3FCC6A08F}" destId="{16FB836C-E997-4CB5-BAF6-4B2447A9880F}" srcOrd="0" destOrd="0" parTransId="{EF318BA7-0917-4358-A7BE-2AFAD2909CA9}" sibTransId="{6AE45A4F-D4F8-4AAA-975F-6F5EFD2344D3}"/>
-    <dgm:cxn modelId="{811E3728-563F-471E-8112-FAFEE54DC99A}" type="presOf" srcId="{2B716818-35B7-48E2-AFB7-4F022E95D65C}" destId="{B76C72B1-EF7D-47C5-92F1-6BAE41A96548}" srcOrd="0" destOrd="0" presId="urn:microsoft.com/office/officeart/2005/8/layout/hList1"/>
-    <dgm:cxn modelId="{231FFC19-F0CB-45C3-929E-0545F1DB7968}" type="presOf" srcId="{AB4A6835-F763-4C9D-B769-5B70E80EE1B6}" destId="{2C844ADB-81BB-443F-856E-3105C15E9F3A}" srcOrd="0" destOrd="1" presId="urn:microsoft.com/office/officeart/2005/8/layout/hList1"/>
-    <dgm:cxn modelId="{3238EF6D-0647-4E7C-9CEF-EE304A5B1FC8}" type="presOf" srcId="{95758399-E882-4C3A-9C4F-EEA92CC2751B}" destId="{A0FA271A-6B8D-4520-8678-FDB4BEA0ABB1}" srcOrd="0" destOrd="2" presId="urn:microsoft.com/office/officeart/2005/8/layout/hList1"/>
-    <dgm:cxn modelId="{D9C7F4F0-AC0E-4439-8C74-3334556730F7}" type="presOf" srcId="{C1062A99-7A1F-4692-A3C5-23E3FCC6A08F}" destId="{FD8345E1-AD4C-4F15-9B13-2315452F8ECF}" srcOrd="0" destOrd="0" presId="urn:microsoft.com/office/officeart/2005/8/layout/hList1"/>
-    <dgm:cxn modelId="{B876DA78-1E96-4616-8E97-FFC7A9311495}" srcId="{C1062A99-7A1F-4692-A3C5-23E3FCC6A08F}" destId="{949216F7-E741-4770-ACA5-4EB426B656A6}" srcOrd="1" destOrd="0" parTransId="{028AA5E7-3E56-422E-8DC0-6528BD1BDC3A}" sibTransId="{19730EC9-39F5-46A6-BD7F-47B178B3C400}"/>
-    <dgm:cxn modelId="{F4141556-8FF6-467C-A752-72D2DFD3545F}" type="presOf" srcId="{A6613F52-E7B5-4647-9A69-C2F6A838565E}" destId="{74BD7EF1-1D22-450B-B2E8-FECA675073DA}" srcOrd="0" destOrd="0" presId="urn:microsoft.com/office/officeart/2005/8/layout/hList1"/>
-    <dgm:cxn modelId="{11250972-644C-4740-80B6-72C2DC0F0196}" srcId="{949216F7-E741-4770-ACA5-4EB426B656A6}" destId="{23BF2F83-7612-43FC-92CF-E0DFF1BDF0C1}" srcOrd="2" destOrd="0" parTransId="{AEEB6CD5-46EC-41EC-BAE0-9915185D6D98}" sibTransId="{D46F1FD3-D279-4638-9671-C64E71E0A6C8}"/>
-    <dgm:cxn modelId="{4FDB4BE6-F585-409E-B95C-03AE21BC04C6}" srcId="{949216F7-E741-4770-ACA5-4EB426B656A6}" destId="{25C285D7-87B6-4E1D-9FED-0507867BDA2C}" srcOrd="0" destOrd="0" parTransId="{BA05E941-BF91-40DB-93EE-325C02E85571}" sibTransId="{8DB7CB97-3DF5-4455-9623-D130DD24FFFC}"/>
-    <dgm:cxn modelId="{10EC2D1C-8576-4E97-9472-A101CFC2F9C2}" srcId="{C1062A99-7A1F-4692-A3C5-23E3FCC6A08F}" destId="{A6613F52-E7B5-4647-9A69-C2F6A838565E}" srcOrd="2" destOrd="0" parTransId="{EB26D265-001F-4462-ABEC-8911E6D89FBA}" sibTransId="{EC428717-6E19-467D-8FB3-21B6573D6048}"/>
-    <dgm:cxn modelId="{8BD489AF-41D8-4F53-892F-FB199FF13C31}" srcId="{A6613F52-E7B5-4647-9A69-C2F6A838565E}" destId="{95758399-E882-4C3A-9C4F-EEA92CC2751B}" srcOrd="2" destOrd="0" parTransId="{83DA26AB-345C-4E07-BC20-2163474697B8}" sibTransId="{02468C97-2AF3-4EFB-A89A-872B1A8B7ADE}"/>
-    <dgm:cxn modelId="{12D61555-CAF0-49DA-A5FB-6CC1616FBB27}" srcId="{16FB836C-E997-4CB5-BAF6-4B2447A9880F}" destId="{E8E2B5D2-7506-4E07-BB2A-AD16722200C8}" srcOrd="0" destOrd="0" parTransId="{92A8B76C-41F9-4AC4-ADFC-1F8C5B3B160E}" sibTransId="{C0E4C9A3-A6A7-45C8-9E77-373DA9320CE3}"/>
-    <dgm:cxn modelId="{3CF0B2CD-BD07-4042-9775-8552D4070033}" type="presOf" srcId="{949216F7-E741-4770-ACA5-4EB426B656A6}" destId="{1202D4B8-108D-457B-86F2-A4DD93F2AD24}" srcOrd="0" destOrd="0" presId="urn:microsoft.com/office/officeart/2005/8/layout/hList1"/>
-    <dgm:cxn modelId="{EACE62C7-DA0C-4EDA-BE8A-4F4F6F37B056}" type="presOf" srcId="{25C285D7-87B6-4E1D-9FED-0507867BDA2C}" destId="{2C844ADB-81BB-443F-856E-3105C15E9F3A}" srcOrd="0" destOrd="0" presId="urn:microsoft.com/office/officeart/2005/8/layout/hList1"/>
-    <dgm:cxn modelId="{E1AF262E-18B8-4747-A055-804706D85AC3}" srcId="{949216F7-E741-4770-ACA5-4EB426B656A6}" destId="{AB4A6835-F763-4C9D-B769-5B70E80EE1B6}" srcOrd="1" destOrd="0" parTransId="{71C37D1F-E373-4552-B5C5-BBD1783AF194}" sibTransId="{663616AF-8D0B-43E0-A0B7-8A7595B5E5E8}"/>
-    <dgm:cxn modelId="{F1A146FD-8B39-465D-ABFB-D5D9C190CBE3}" srcId="{A6613F52-E7B5-4647-9A69-C2F6A838565E}" destId="{1FF29153-7A6D-4F64-82BB-789D4038EE65}" srcOrd="0" destOrd="0" parTransId="{8F50D7B2-09AB-47E1-867F-A1242807AB3C}" sibTransId="{8C730EED-3495-4230-9D21-B256D46E62F5}"/>
-    <dgm:cxn modelId="{63A643A8-028F-4DE2-9703-15194C8B499C}" type="presOf" srcId="{23BF2F83-7612-43FC-92CF-E0DFF1BDF0C1}" destId="{2C844ADB-81BB-443F-856E-3105C15E9F3A}" srcOrd="0" destOrd="2" presId="urn:microsoft.com/office/officeart/2005/8/layout/hList1"/>
-    <dgm:cxn modelId="{FF8BF4F6-EE90-4578-90E9-99B45EC0F510}" type="presOf" srcId="{16FB836C-E997-4CB5-BAF6-4B2447A9880F}" destId="{92F8B453-619A-4874-8158-92A1B3749FDA}" srcOrd="0" destOrd="0" presId="urn:microsoft.com/office/officeart/2005/8/layout/hList1"/>
-    <dgm:cxn modelId="{478B7D7F-7D03-409B-BF8B-33D5BD353A8F}" type="presOf" srcId="{869BF15B-F4E5-4E30-87BE-B64062AEC9D9}" destId="{B76C72B1-EF7D-47C5-92F1-6BAE41A96548}" srcOrd="0" destOrd="1" presId="urn:microsoft.com/office/officeart/2005/8/layout/hList1"/>
-    <dgm:cxn modelId="{1078D2BF-8879-4AB0-9198-A2CB87C0BEF7}" type="presOf" srcId="{32134BCA-5A23-4397-8278-0BD6EA4A8880}" destId="{8139CC92-F9E5-4BA1-896F-27317C283538}" srcOrd="0" destOrd="0" presId="urn:microsoft.com/office/officeart/2005/8/layout/hList1"/>
-    <dgm:cxn modelId="{FBEE986B-EE1E-40C8-A516-6C1678AE0315}" srcId="{A6613F52-E7B5-4647-9A69-C2F6A838565E}" destId="{A36BCF37-01CF-493F-B2AF-48AA8C60D699}" srcOrd="1" destOrd="0" parTransId="{9FBC8D97-F94E-4297-ACAA-CAB28A509609}" sibTransId="{6E3DCE1E-CFD7-4D7A-8B23-E64825D8C4E9}"/>
-    <dgm:cxn modelId="{9351230E-A026-47A4-9F21-E36F990B8B50}" type="presOf" srcId="{E8E2B5D2-7506-4E07-BB2A-AD16722200C8}" destId="{D9A2EBDC-1A4D-499C-800E-31F8394660AA}" srcOrd="0" destOrd="0" presId="urn:microsoft.com/office/officeart/2005/8/layout/hList1"/>
-    <dgm:cxn modelId="{01072FC7-D97D-42F4-85B5-8ABD1FF2D13F}" type="presOf" srcId="{1FF29153-7A6D-4F64-82BB-789D4038EE65}" destId="{A0FA271A-6B8D-4520-8678-FDB4BEA0ABB1}" srcOrd="0" destOrd="0" presId="urn:microsoft.com/office/officeart/2005/8/layout/hList1"/>
-    <dgm:cxn modelId="{23E78609-1F77-420E-A5F2-17D5B098CA02}" type="presOf" srcId="{A36BCF37-01CF-493F-B2AF-48AA8C60D699}" destId="{A0FA271A-6B8D-4520-8678-FDB4BEA0ABB1}" srcOrd="0" destOrd="1" presId="urn:microsoft.com/office/officeart/2005/8/layout/hList1"/>
-    <dgm:cxn modelId="{F736AF84-A99B-4A3A-895D-4892A2C2AA95}" type="presParOf" srcId="{FD8345E1-AD4C-4F15-9B13-2315452F8ECF}" destId="{30C007D1-2A6D-4C5D-81A6-A23B4A55369F}" srcOrd="0" destOrd="0" presId="urn:microsoft.com/office/officeart/2005/8/layout/hList1"/>
-    <dgm:cxn modelId="{3702BA4E-D5CE-4DD3-856D-A9D3B7DBFA40}" type="presParOf" srcId="{30C007D1-2A6D-4C5D-81A6-A23B4A55369F}" destId="{92F8B453-619A-4874-8158-92A1B3749FDA}" srcOrd="0" destOrd="0" presId="urn:microsoft.com/office/officeart/2005/8/layout/hList1"/>
-    <dgm:cxn modelId="{3367B77A-51BC-40E2-8AC4-281085F4B597}" type="presParOf" srcId="{30C007D1-2A6D-4C5D-81A6-A23B4A55369F}" destId="{D9A2EBDC-1A4D-499C-800E-31F8394660AA}" srcOrd="1" destOrd="0" presId="urn:microsoft.com/office/officeart/2005/8/layout/hList1"/>
-    <dgm:cxn modelId="{C35C7724-FD8D-4505-A444-4410CF2DE8B8}" type="presParOf" srcId="{FD8345E1-AD4C-4F15-9B13-2315452F8ECF}" destId="{1D1DDDAE-919F-4D7E-B2F6-EC55E6FD7874}" srcOrd="1" destOrd="0" presId="urn:microsoft.com/office/officeart/2005/8/layout/hList1"/>
-    <dgm:cxn modelId="{68CEC4CF-B312-4424-8302-F311200D7894}" type="presParOf" srcId="{FD8345E1-AD4C-4F15-9B13-2315452F8ECF}" destId="{05881237-3EA1-4B4C-AC12-92098F8AD9C1}" srcOrd="2" destOrd="0" presId="urn:microsoft.com/office/officeart/2005/8/layout/hList1"/>
-    <dgm:cxn modelId="{7A845D65-CC1E-4D69-A00F-4551358A3C99}" type="presParOf" srcId="{05881237-3EA1-4B4C-AC12-92098F8AD9C1}" destId="{1202D4B8-108D-457B-86F2-A4DD93F2AD24}" srcOrd="0" destOrd="0" presId="urn:microsoft.com/office/officeart/2005/8/layout/hList1"/>
-    <dgm:cxn modelId="{BA5E2EFC-8401-4C58-AAD0-8C3C3E176822}" type="presParOf" srcId="{05881237-3EA1-4B4C-AC12-92098F8AD9C1}" destId="{2C844ADB-81BB-443F-856E-3105C15E9F3A}" srcOrd="1" destOrd="0" presId="urn:microsoft.com/office/officeart/2005/8/layout/hList1"/>
-    <dgm:cxn modelId="{BAB969B8-CE63-4850-9BE2-421EE1278004}" type="presParOf" srcId="{FD8345E1-AD4C-4F15-9B13-2315452F8ECF}" destId="{772C9C99-D3BD-4477-8A83-842F7D29EAC4}" srcOrd="3" destOrd="0" presId="urn:microsoft.com/office/officeart/2005/8/layout/hList1"/>
-    <dgm:cxn modelId="{837AFC4E-A65D-475B-B6B1-5F922B34DD72}" type="presParOf" srcId="{FD8345E1-AD4C-4F15-9B13-2315452F8ECF}" destId="{318A6349-EE63-4B41-AFCE-F5470BEDAF72}" srcOrd="4" destOrd="0" presId="urn:microsoft.com/office/officeart/2005/8/layout/hList1"/>
-    <dgm:cxn modelId="{695DDEE0-C113-4E6B-8F99-CE09CD00F3DD}" type="presParOf" srcId="{318A6349-EE63-4B41-AFCE-F5470BEDAF72}" destId="{74BD7EF1-1D22-450B-B2E8-FECA675073DA}" srcOrd="0" destOrd="0" presId="urn:microsoft.com/office/officeart/2005/8/layout/hList1"/>
-    <dgm:cxn modelId="{9ACF89D2-B320-4086-97D6-5A85C93F106D}" type="presParOf" srcId="{318A6349-EE63-4B41-AFCE-F5470BEDAF72}" destId="{A0FA271A-6B8D-4520-8678-FDB4BEA0ABB1}" srcOrd="1" destOrd="0" presId="urn:microsoft.com/office/officeart/2005/8/layout/hList1"/>
-    <dgm:cxn modelId="{5824C4D2-633E-4D1A-9F9A-E0129265F90D}" type="presParOf" srcId="{FD8345E1-AD4C-4F15-9B13-2315452F8ECF}" destId="{692735C2-7BDD-4DA9-AF61-ADA2869EB48C}" srcOrd="5" destOrd="0" presId="urn:microsoft.com/office/officeart/2005/8/layout/hList1"/>
-    <dgm:cxn modelId="{8295303F-EF88-46CC-A196-86BA07FBE1E6}" type="presParOf" srcId="{FD8345E1-AD4C-4F15-9B13-2315452F8ECF}" destId="{9A564C71-9DFC-423D-8CD4-7E9ACEE08320}" srcOrd="6" destOrd="0" presId="urn:microsoft.com/office/officeart/2005/8/layout/hList1"/>
-    <dgm:cxn modelId="{0B4CCD0E-5F21-4A21-A79C-D4E94133AB6C}" type="presParOf" srcId="{9A564C71-9DFC-423D-8CD4-7E9ACEE08320}" destId="{8139CC92-F9E5-4BA1-896F-27317C283538}" srcOrd="0" destOrd="0" presId="urn:microsoft.com/office/officeart/2005/8/layout/hList1"/>
-    <dgm:cxn modelId="{48C007E5-34CD-442D-BE2B-ED30EAFAF2B5}" type="presParOf" srcId="{9A564C71-9DFC-423D-8CD4-7E9ACEE08320}" destId="{B76C72B1-EF7D-47C5-92F1-6BAE41A96548}" srcOrd="1" destOrd="0" presId="urn:microsoft.com/office/officeart/2005/8/layout/hList1"/>
+    <dgm:cxn modelId="{D9F40ED9-4E21-4B21-BBF8-74B0D232C1F0}" type="presOf" srcId="{44ADF412-180A-4C69-8E96-C81966886D37}" destId="{C8844620-14E7-485D-A398-2A4FA1BBED32}" srcOrd="0" destOrd="0" presId="urn:microsoft.com/office/officeart/2005/8/layout/hList1"/>
+    <dgm:cxn modelId="{E6A9AB6C-FB26-47AC-A141-8D51D93003B5}" srcId="{44ADF412-180A-4C69-8E96-C81966886D37}" destId="{9671971D-9DDB-45DD-80F7-4AD58D975AC1}" srcOrd="2" destOrd="0" parTransId="{56F3DD20-8ED9-45F8-B62A-8578E826A60E}" sibTransId="{1AE6DA91-0381-4ED8-AC3B-298ED95E051A}"/>
+    <dgm:cxn modelId="{DE6483A5-DFFD-4D2B-BE44-B6638FCDABF5}" type="presOf" srcId="{B0E001CC-32ED-4E28-AF18-7EE625B27763}" destId="{5CF5C36E-1045-4834-A934-2365B63BFCD5}" srcOrd="0" destOrd="1" presId="urn:microsoft.com/office/officeart/2005/8/layout/hList1"/>
+    <dgm:cxn modelId="{FC807ADC-8EB3-420E-98AB-97203E780457}" type="presOf" srcId="{B85D0B65-7CFB-4407-AFC6-180734460C33}" destId="{29071FFA-DF7C-4B66-B049-CA424CB20AF7}" srcOrd="0" destOrd="0" presId="urn:microsoft.com/office/officeart/2005/8/layout/hList1"/>
+    <dgm:cxn modelId="{C679F357-E378-48D3-88E8-9D9FAFE80208}" type="presOf" srcId="{0E9BFE7A-5048-4F1C-AFCD-BC82C74723C5}" destId="{5FE1EC18-29F8-4DAE-946B-238BFB7749D2}" srcOrd="0" destOrd="2" presId="urn:microsoft.com/office/officeart/2005/8/layout/hList1"/>
+    <dgm:cxn modelId="{C9512865-608D-40D6-8A9B-1D17E7787C87}" type="presOf" srcId="{18C3ADE8-7625-4CDD-9D9F-BB6B597E5391}" destId="{96233F39-CC6E-4722-9913-BCB7E962B9FC}" srcOrd="0" destOrd="0" presId="urn:microsoft.com/office/officeart/2005/8/layout/hList1"/>
+    <dgm:cxn modelId="{F8DFDE3E-408E-40A8-89CF-4476C720C3CC}" srcId="{0B7D8B29-D799-4F37-A82B-FBBBBD913F9C}" destId="{E3A33AC1-002A-4356-99CA-D5A122132B46}" srcOrd="1" destOrd="0" parTransId="{F52CA1E8-7055-4C11-8380-2A30C49F69D7}" sibTransId="{D9D77812-7228-4B88-A91D-8D107494FFD5}"/>
+    <dgm:cxn modelId="{284796C9-1137-46D6-AA83-03A879D9AFE1}" type="presOf" srcId="{0B7D8B29-D799-4F37-A82B-FBBBBD913F9C}" destId="{EC7EEBCA-82DD-4074-AF8E-B88F8FF00601}" srcOrd="0" destOrd="0" presId="urn:microsoft.com/office/officeart/2005/8/layout/hList1"/>
+    <dgm:cxn modelId="{987A44CC-3ECB-4835-8C35-B091C3DB38D1}" srcId="{44ADF412-180A-4C69-8E96-C81966886D37}" destId="{B0E001CC-32ED-4E28-AF18-7EE625B27763}" srcOrd="1" destOrd="0" parTransId="{201E8A82-CADB-4744-9768-406D4880DEE9}" sibTransId="{3775BFF9-AD33-435E-860E-678A360596D4}"/>
+    <dgm:cxn modelId="{D282C621-B909-456D-8010-3496E753AE38}" type="presOf" srcId="{5DC98C94-217D-4C5A-B8DC-173C96C90B43}" destId="{04C94C9E-9B32-4DBE-8F77-96E9CBB6147F}" srcOrd="0" destOrd="0" presId="urn:microsoft.com/office/officeart/2005/8/layout/hList1"/>
+    <dgm:cxn modelId="{D3BCA12B-2BC3-4563-8B32-9FB0A615AD2F}" type="presOf" srcId="{70F0ABEE-F0D5-4055-A337-E3BA7895D319}" destId="{A00895CD-AC6F-43BB-9EEE-916E57D24768}" srcOrd="0" destOrd="0" presId="urn:microsoft.com/office/officeart/2005/8/layout/hList1"/>
+    <dgm:cxn modelId="{2BEB47F1-7B52-47F7-A044-1B00744563E9}" srcId="{5DC98C94-217D-4C5A-B8DC-173C96C90B43}" destId="{AAAD6BC8-FC4A-4077-8D03-1785DEFE3DB7}" srcOrd="0" destOrd="0" parTransId="{8076B307-4E1D-4222-8939-2C5419E87F4D}" sibTransId="{68BC69FB-1A2C-45AA-9939-76CAC3EF409A}"/>
+    <dgm:cxn modelId="{081CAB10-F301-4F19-A77E-6FF5F9FCFD02}" srcId="{18C3ADE8-7625-4CDD-9D9F-BB6B597E5391}" destId="{4C1C045F-422B-49A4-9776-326996025D28}" srcOrd="0" destOrd="0" parTransId="{F7D3561E-3A31-4F15-9E78-13C60F59FEDC}" sibTransId="{C7EE3504-2F38-4421-BEEF-5E08611205D6}"/>
+    <dgm:cxn modelId="{CAEC559C-CC11-4CD5-9452-03B7C93E4BE6}" type="presOf" srcId="{4C1C045F-422B-49A4-9776-326996025D28}" destId="{5FE1EC18-29F8-4DAE-946B-238BFB7749D2}" srcOrd="0" destOrd="0" presId="urn:microsoft.com/office/officeart/2005/8/layout/hList1"/>
+    <dgm:cxn modelId="{AD302806-A3F8-4489-9BB1-5C19AF5BFEC7}" srcId="{18C3ADE8-7625-4CDD-9D9F-BB6B597E5391}" destId="{0E9BFE7A-5048-4F1C-AFCD-BC82C74723C5}" srcOrd="2" destOrd="0" parTransId="{DF5E468D-80C1-4F5B-879B-7B97F8661A01}" sibTransId="{D169730E-791D-482E-8CEA-159EDA5F4B48}"/>
+    <dgm:cxn modelId="{45F6341D-8765-4A9D-8DC9-82477EFC11DC}" type="presOf" srcId="{9671971D-9DDB-45DD-80F7-4AD58D975AC1}" destId="{5CF5C36E-1045-4834-A934-2365B63BFCD5}" srcOrd="0" destOrd="2" presId="urn:microsoft.com/office/officeart/2005/8/layout/hList1"/>
+    <dgm:cxn modelId="{83175790-2C03-4849-B789-76B30D597C86}" srcId="{B85D0B65-7CFB-4407-AFC6-180734460C33}" destId="{0B7D8B29-D799-4F37-A82B-FBBBBD913F9C}" srcOrd="3" destOrd="0" parTransId="{BA3941D6-70F8-41A7-BF14-43DA5ABC0C56}" sibTransId="{E39D5249-DC50-4CB4-8CEE-AB80BB824AF5}"/>
+    <dgm:cxn modelId="{EA1FDD63-922C-4982-95B6-5B0D1A9F9530}" type="presOf" srcId="{E580CD45-D617-43DA-9E2F-896290DF756C}" destId="{5FE1EC18-29F8-4DAE-946B-238BFB7749D2}" srcOrd="0" destOrd="1" presId="urn:microsoft.com/office/officeart/2005/8/layout/hList1"/>
+    <dgm:cxn modelId="{EDB8BC22-93C9-430E-8F14-37D0D9B35399}" srcId="{18C3ADE8-7625-4CDD-9D9F-BB6B597E5391}" destId="{E580CD45-D617-43DA-9E2F-896290DF756C}" srcOrd="1" destOrd="0" parTransId="{DEB08D15-7C38-4682-8CAC-323B619FF464}" sibTransId="{BFD3A209-F43F-4443-8DE2-E49D28F45565}"/>
+    <dgm:cxn modelId="{66787523-65FC-4906-A385-D60A76559A0F}" srcId="{B85D0B65-7CFB-4407-AFC6-180734460C33}" destId="{5DC98C94-217D-4C5A-B8DC-173C96C90B43}" srcOrd="0" destOrd="0" parTransId="{95AB6660-2946-4720-9FC2-1692B3814CEB}" sibTransId="{4A7617E5-1EC2-4192-89E9-1C8BD0E2EF10}"/>
+    <dgm:cxn modelId="{E53A4566-CE12-45D9-BB04-5F815EE080AA}" type="presOf" srcId="{E3A33AC1-002A-4356-99CA-D5A122132B46}" destId="{A00895CD-AC6F-43BB-9EEE-916E57D24768}" srcOrd="0" destOrd="1" presId="urn:microsoft.com/office/officeart/2005/8/layout/hList1"/>
+    <dgm:cxn modelId="{F6841B40-8C07-41EF-B9D3-C4795C90A53B}" srcId="{B85D0B65-7CFB-4407-AFC6-180734460C33}" destId="{44ADF412-180A-4C69-8E96-C81966886D37}" srcOrd="2" destOrd="0" parTransId="{AA8C41F2-183E-4A0C-8296-519B25C76845}" sibTransId="{E31E68AB-219C-4F99-BFB1-EE5E7FB9DBBF}"/>
+    <dgm:cxn modelId="{91AABE95-093D-49C8-A1A4-4F9C1B26C2D0}" srcId="{B85D0B65-7CFB-4407-AFC6-180734460C33}" destId="{18C3ADE8-7625-4CDD-9D9F-BB6B597E5391}" srcOrd="1" destOrd="0" parTransId="{5570BF10-E12A-4B1C-8DB6-24338F933614}" sibTransId="{2AFBDFE7-D62B-458B-BD8B-01B3F95DB7C0}"/>
+    <dgm:cxn modelId="{B43D63E5-7DF2-41EA-B84C-2E3EF490FCFB}" type="presOf" srcId="{AAAD6BC8-FC4A-4077-8D03-1785DEFE3DB7}" destId="{365A0330-4502-4D18-BD67-8E08D4FB8CD2}" srcOrd="0" destOrd="0" presId="urn:microsoft.com/office/officeart/2005/8/layout/hList1"/>
+    <dgm:cxn modelId="{F64F426E-61A6-445D-AB84-F200137F29F3}" srcId="{0B7D8B29-D799-4F37-A82B-FBBBBD913F9C}" destId="{70F0ABEE-F0D5-4055-A337-E3BA7895D319}" srcOrd="0" destOrd="0" parTransId="{E699296D-1CCA-4AD8-A3A6-992EF433E26C}" sibTransId="{003B7495-52C8-4037-A685-51332C2C9D0C}"/>
+    <dgm:cxn modelId="{4440108A-60B2-4EF9-A570-E605A55E4C7C}" type="presOf" srcId="{86F2D3B7-1FD2-4ED9-9F94-15C392B7E2D7}" destId="{5CF5C36E-1045-4834-A934-2365B63BFCD5}" srcOrd="0" destOrd="0" presId="urn:microsoft.com/office/officeart/2005/8/layout/hList1"/>
+    <dgm:cxn modelId="{17C6C13F-460A-4208-8491-D92AB2B8FA4D}" srcId="{44ADF412-180A-4C69-8E96-C81966886D37}" destId="{86F2D3B7-1FD2-4ED9-9F94-15C392B7E2D7}" srcOrd="0" destOrd="0" parTransId="{863E1D6A-70F6-43B3-98E6-13D1F1BF06E3}" sibTransId="{161113E0-FA02-4178-AB3E-D00D2E29F593}"/>
+    <dgm:cxn modelId="{BFC8CF7A-F828-415D-B3C8-4921BA08379E}" type="presParOf" srcId="{29071FFA-DF7C-4B66-B049-CA424CB20AF7}" destId="{C6CA49EC-B06C-4F2C-8911-55ECF5C05CE4}" srcOrd="0" destOrd="0" presId="urn:microsoft.com/office/officeart/2005/8/layout/hList1"/>
+    <dgm:cxn modelId="{10C42948-869C-4CBC-94DF-E560A0B68513}" type="presParOf" srcId="{C6CA49EC-B06C-4F2C-8911-55ECF5C05CE4}" destId="{04C94C9E-9B32-4DBE-8F77-96E9CBB6147F}" srcOrd="0" destOrd="0" presId="urn:microsoft.com/office/officeart/2005/8/layout/hList1"/>
+    <dgm:cxn modelId="{3BF4BEC2-1E73-477C-BEE3-6B2C24FE9167}" type="presParOf" srcId="{C6CA49EC-B06C-4F2C-8911-55ECF5C05CE4}" destId="{365A0330-4502-4D18-BD67-8E08D4FB8CD2}" srcOrd="1" destOrd="0" presId="urn:microsoft.com/office/officeart/2005/8/layout/hList1"/>
+    <dgm:cxn modelId="{8BB02958-846D-4D66-8393-56FB9216E7B0}" type="presParOf" srcId="{29071FFA-DF7C-4B66-B049-CA424CB20AF7}" destId="{1DD2CC7D-EAC5-4842-B3A4-5C16BA3375C8}" srcOrd="1" destOrd="0" presId="urn:microsoft.com/office/officeart/2005/8/layout/hList1"/>
+    <dgm:cxn modelId="{850DD11F-23FA-4472-850F-EB83BDBC99B5}" type="presParOf" srcId="{29071FFA-DF7C-4B66-B049-CA424CB20AF7}" destId="{73112765-0E09-403C-AC09-F16735D9CBA5}" srcOrd="2" destOrd="0" presId="urn:microsoft.com/office/officeart/2005/8/layout/hList1"/>
+    <dgm:cxn modelId="{2FB072B7-0F26-403B-ACB1-8615C77F3CA6}" type="presParOf" srcId="{73112765-0E09-403C-AC09-F16735D9CBA5}" destId="{96233F39-CC6E-4722-9913-BCB7E962B9FC}" srcOrd="0" destOrd="0" presId="urn:microsoft.com/office/officeart/2005/8/layout/hList1"/>
+    <dgm:cxn modelId="{EED76EE5-EA88-4E8D-BA3C-564E261BD79C}" type="presParOf" srcId="{73112765-0E09-403C-AC09-F16735D9CBA5}" destId="{5FE1EC18-29F8-4DAE-946B-238BFB7749D2}" srcOrd="1" destOrd="0" presId="urn:microsoft.com/office/officeart/2005/8/layout/hList1"/>
+    <dgm:cxn modelId="{EF448332-DFB8-40D4-8E77-3A67773F1A9D}" type="presParOf" srcId="{29071FFA-DF7C-4B66-B049-CA424CB20AF7}" destId="{46E403EC-5B7F-43B1-82CA-FC2ECC6CC5B3}" srcOrd="3" destOrd="0" presId="urn:microsoft.com/office/officeart/2005/8/layout/hList1"/>
+    <dgm:cxn modelId="{4C557AE9-E10F-487A-AAFA-CA055399C47B}" type="presParOf" srcId="{29071FFA-DF7C-4B66-B049-CA424CB20AF7}" destId="{FAE80DE6-02E2-4CFA-80A6-D259B1E19675}" srcOrd="4" destOrd="0" presId="urn:microsoft.com/office/officeart/2005/8/layout/hList1"/>
+    <dgm:cxn modelId="{EA053B33-2346-4ACB-95D8-693931D4A1FC}" type="presParOf" srcId="{FAE80DE6-02E2-4CFA-80A6-D259B1E19675}" destId="{C8844620-14E7-485D-A398-2A4FA1BBED32}" srcOrd="0" destOrd="0" presId="urn:microsoft.com/office/officeart/2005/8/layout/hList1"/>
+    <dgm:cxn modelId="{0294B01D-8393-4A73-8E0D-ECEB7074446D}" type="presParOf" srcId="{FAE80DE6-02E2-4CFA-80A6-D259B1E19675}" destId="{5CF5C36E-1045-4834-A934-2365B63BFCD5}" srcOrd="1" destOrd="0" presId="urn:microsoft.com/office/officeart/2005/8/layout/hList1"/>
+    <dgm:cxn modelId="{4D4F6982-B655-452C-B13C-37088C99D43B}" type="presParOf" srcId="{29071FFA-DF7C-4B66-B049-CA424CB20AF7}" destId="{89D1E388-A013-4F94-BEDD-FA4F4207C0B6}" srcOrd="5" destOrd="0" presId="urn:microsoft.com/office/officeart/2005/8/layout/hList1"/>
+    <dgm:cxn modelId="{6E23CDC8-FBF8-410C-8AD3-2A098BCD4B2C}" type="presParOf" srcId="{29071FFA-DF7C-4B66-B049-CA424CB20AF7}" destId="{14B0114E-79FD-49C7-98EB-A609F11A9301}" srcOrd="6" destOrd="0" presId="urn:microsoft.com/office/officeart/2005/8/layout/hList1"/>
+    <dgm:cxn modelId="{3ADD4F76-C0C5-4D9B-9ED0-3F8E518CCC6E}" type="presParOf" srcId="{14B0114E-79FD-49C7-98EB-A609F11A9301}" destId="{EC7EEBCA-82DD-4074-AF8E-B88F8FF00601}" srcOrd="0" destOrd="0" presId="urn:microsoft.com/office/officeart/2005/8/layout/hList1"/>
+    <dgm:cxn modelId="{FDF4B672-BB61-4555-8259-B43CDAB17789}" type="presParOf" srcId="{14B0114E-79FD-49C7-98EB-A609F11A9301}" destId="{A00895CD-AC6F-43BB-9EEE-916E57D24768}" srcOrd="1" destOrd="0" presId="urn:microsoft.com/office/officeart/2005/8/layout/hList1"/>
   </dgm:cxnLst>
   <dgm:bg/>
   <dgm:whole/>
@@ -3958,15 +4096,15 @@
       <dsp:cNvGrpSpPr/>
     </dsp:nvGrpSpPr>
     <dsp:grpSpPr/>
-    <dsp:sp modelId="{92F8B453-619A-4874-8158-92A1B3749FDA}">
+    <dsp:sp modelId="{04C94C9E-9B32-4DBE-8F77-96E9CBB6147F}">
       <dsp:nvSpPr>
         <dsp:cNvPr id="0" name=""/>
         <dsp:cNvSpPr/>
       </dsp:nvSpPr>
       <dsp:spPr>
         <a:xfrm>
-          <a:off x="7018" y="2683816"/>
-          <a:ext cx="4219985" cy="1687994"/>
+          <a:off x="6922" y="413972"/>
+          <a:ext cx="4162489" cy="1664995"/>
         </a:xfrm>
         <a:prstGeom prst="rect">
           <a:avLst/>
@@ -3979,31 +4117,35 @@
             <a:alphaOff val="0"/>
           </a:schemeClr>
         </a:solidFill>
-        <a:ln>
-          <a:noFill/>
+        <a:ln w="12700" cap="flat" cmpd="sng" algn="ctr">
+          <a:solidFill>
+            <a:schemeClr val="accent2">
+              <a:hueOff val="0"/>
+              <a:satOff val="0"/>
+              <a:lumOff val="0"/>
+              <a:alphaOff val="0"/>
+            </a:schemeClr>
+          </a:solidFill>
+          <a:prstDash val="solid"/>
+          <a:miter lim="800000"/>
         </a:ln>
-        <a:effectLst/>
-        <a:scene3d>
-          <a:camera prst="orthographicFront">
-            <a:rot lat="0" lon="0" rev="0"/>
-          </a:camera>
-          <a:lightRig rig="contrasting" dir="t">
-            <a:rot lat="0" lon="0" rev="1200000"/>
-          </a:lightRig>
-        </a:scene3d>
-        <a:sp3d contourW="19050" prstMaterial="metal">
-          <a:bevelT w="88900" h="203200"/>
-          <a:bevelB w="165100" h="254000"/>
-        </a:sp3d>
+        <a:effectLst>
+          <a:outerShdw blurRad="63500" sx="102000" sy="102000" algn="ctr" rotWithShape="0">
+            <a:prstClr val="black">
+              <a:alpha val="40000"/>
+            </a:prstClr>
+          </a:outerShdw>
+          <a:reflection blurRad="6350" stA="50000" endA="300" endPos="55500" dist="50800" dir="5400000" sy="-100000" algn="bl" rotWithShape="0"/>
+        </a:effectLst>
       </dsp:spPr>
       <dsp:style>
-        <a:lnRef idx="0">
+        <a:lnRef idx="2">
           <a:scrgbClr r="0" g="0" b="0"/>
         </a:lnRef>
         <a:fillRef idx="1">
           <a:scrgbClr r="0" g="0" b="0"/>
         </a:fillRef>
-        <a:effectRef idx="2">
+        <a:effectRef idx="0">
           <a:scrgbClr r="0" g="0" b="0"/>
         </a:effectRef>
         <a:fontRef idx="minor">
@@ -4011,12 +4153,12 @@
         </a:fontRef>
       </dsp:style>
       <dsp:txBody>
-        <a:bodyPr spcFirstLastPara="0" vert="horz" wrap="square" lIns="284480" tIns="162560" rIns="284480" bIns="162560" numCol="1" spcCol="1270" anchor="ctr" anchorCtr="0">
+        <a:bodyPr spcFirstLastPara="0" vert="horz" wrap="square" lIns="256032" tIns="146304" rIns="256032" bIns="146304" numCol="1" spcCol="1270" anchor="ctr" anchorCtr="0">
           <a:noAutofit/>
         </a:bodyPr>
         <a:lstStyle/>
         <a:p>
-          <a:pPr lvl="0" algn="ctr" defTabSz="1778000">
+          <a:pPr lvl="0" algn="ctr" defTabSz="1600200">
             <a:lnSpc>
               <a:spcPct val="90000"/>
             </a:lnSpc>
@@ -4028,32 +4170,32 @@
             </a:spcAft>
           </a:pPr>
           <a:r>
-            <a:rPr lang="en-IN" sz="4000" b="1" kern="1200" dirty="0" smtClean="0">
+            <a:rPr lang="en-IN" sz="3600" b="1" kern="1200" dirty="0" smtClean="0">
               <a:latin typeface="Calibri" pitchFamily="34" charset="0"/>
               <a:cs typeface="Calibri" pitchFamily="34" charset="0"/>
             </a:rPr>
             <a:t>Stash</a:t>
           </a:r>
-          <a:endParaRPr lang="en-IN" sz="4000" b="1" kern="1200" dirty="0">
+          <a:endParaRPr lang="en-IN" sz="3600" b="1" kern="1200" dirty="0">
             <a:latin typeface="Calibri" pitchFamily="34" charset="0"/>
             <a:cs typeface="Calibri" pitchFamily="34" charset="0"/>
           </a:endParaRPr>
         </a:p>
       </dsp:txBody>
       <dsp:txXfrm>
-        <a:off x="7018" y="2683816"/>
-        <a:ext cx="4219985" cy="1687994"/>
+        <a:off x="6922" y="413972"/>
+        <a:ext cx="4162489" cy="1664995"/>
       </dsp:txXfrm>
     </dsp:sp>
-    <dsp:sp modelId="{D9A2EBDC-1A4D-499C-800E-31F8394660AA}">
+    <dsp:sp modelId="{365A0330-4502-4D18-BD67-8E08D4FB8CD2}">
       <dsp:nvSpPr>
         <dsp:cNvPr id="0" name=""/>
         <dsp:cNvSpPr/>
       </dsp:nvSpPr>
       <dsp:spPr>
         <a:xfrm>
-          <a:off x="7018" y="4371810"/>
-          <a:ext cx="4219985" cy="2854800"/>
+          <a:off x="6922" y="2116262"/>
+          <a:ext cx="4162489" cy="5738552"/>
         </a:xfrm>
         <a:prstGeom prst="rect">
           <a:avLst/>
@@ -4068,25 +4210,31 @@
             <a:alphaOff val="0"/>
           </a:schemeClr>
         </a:solidFill>
-        <a:ln>
-          <a:noFill/>
+        <a:ln w="12700" cap="flat" cmpd="sng" algn="ctr">
+          <a:solidFill>
+            <a:schemeClr val="accent2">
+              <a:tint val="40000"/>
+              <a:alpha val="90000"/>
+              <a:hueOff val="0"/>
+              <a:satOff val="0"/>
+              <a:lumOff val="0"/>
+              <a:alphaOff val="0"/>
+            </a:schemeClr>
+          </a:solidFill>
+          <a:prstDash val="solid"/>
+          <a:miter lim="800000"/>
         </a:ln>
-        <a:effectLst/>
-        <a:scene3d>
-          <a:camera prst="orthographicFront">
-            <a:rot lat="0" lon="0" rev="0"/>
-          </a:camera>
-          <a:lightRig rig="contrasting" dir="t">
-            <a:rot lat="0" lon="0" rev="1200000"/>
-          </a:lightRig>
-        </a:scene3d>
-        <a:sp3d contourW="19050" prstMaterial="metal">
-          <a:bevelT w="88900" h="203200"/>
-          <a:bevelB w="165100" h="254000"/>
-        </a:sp3d>
+        <a:effectLst>
+          <a:outerShdw blurRad="63500" sx="102000" sy="102000" algn="ctr" rotWithShape="0">
+            <a:prstClr val="black">
+              <a:alpha val="40000"/>
+            </a:prstClr>
+          </a:outerShdw>
+          <a:reflection blurRad="6350" stA="50000" endA="300" endPos="55500" dist="50800" dir="5400000" sy="-100000" algn="bl" rotWithShape="0"/>
+        </a:effectLst>
       </dsp:spPr>
       <dsp:style>
-        <a:lnRef idx="0">
+        <a:lnRef idx="2">
           <a:scrgbClr r="0" g="0" b="0"/>
         </a:lnRef>
         <a:fillRef idx="1">
@@ -4098,12 +4246,12 @@
         <a:fontRef idx="minor"/>
       </dsp:style>
       <dsp:txBody>
-        <a:bodyPr spcFirstLastPara="0" vert="horz" wrap="square" lIns="160020" tIns="160020" rIns="213360" bIns="240030" numCol="1" spcCol="1270" anchor="t" anchorCtr="0">
+        <a:bodyPr spcFirstLastPara="0" vert="horz" wrap="square" lIns="149352" tIns="149352" rIns="199136" bIns="224028" numCol="1" spcCol="1270" anchor="t" anchorCtr="0">
           <a:noAutofit/>
         </a:bodyPr>
         <a:lstStyle/>
         <a:p>
-          <a:pPr marL="285750" lvl="1" indent="-285750" algn="l" defTabSz="1333500">
+          <a:pPr marL="285750" lvl="1" indent="-285750" algn="l" defTabSz="1244600">
             <a:lnSpc>
               <a:spcPct val="90000"/>
             </a:lnSpc>
@@ -4116,32 +4264,32 @@
             <a:buChar char="••"/>
           </a:pPr>
           <a:r>
-            <a:rPr lang="en-IN" sz="3000" kern="1200" dirty="0" smtClean="0">
+            <a:rPr lang="en-IN" sz="2800" kern="1200" dirty="0" smtClean="0">
               <a:latin typeface="Calibri" pitchFamily="34" charset="0"/>
               <a:cs typeface="Calibri" pitchFamily="34" charset="0"/>
             </a:rPr>
             <a:t>Stash</a:t>
           </a:r>
-          <a:endParaRPr lang="en-IN" sz="3000" kern="1200" dirty="0">
+          <a:endParaRPr lang="en-IN" sz="2800" kern="1200" dirty="0">
             <a:latin typeface="Calibri" pitchFamily="34" charset="0"/>
             <a:cs typeface="Calibri" pitchFamily="34" charset="0"/>
           </a:endParaRPr>
         </a:p>
       </dsp:txBody>
       <dsp:txXfrm>
-        <a:off x="7018" y="4371810"/>
-        <a:ext cx="4219985" cy="2854800"/>
+        <a:off x="6922" y="2116262"/>
+        <a:ext cx="4162489" cy="5738552"/>
       </dsp:txXfrm>
     </dsp:sp>
-    <dsp:sp modelId="{1202D4B8-108D-457B-86F2-A4DD93F2AD24}">
+    <dsp:sp modelId="{96233F39-CC6E-4722-9913-BCB7E962B9FC}">
       <dsp:nvSpPr>
         <dsp:cNvPr id="0" name=""/>
         <dsp:cNvSpPr/>
       </dsp:nvSpPr>
       <dsp:spPr>
         <a:xfrm>
-          <a:off x="4817801" y="2683816"/>
-          <a:ext cx="4219985" cy="1687994"/>
+          <a:off x="4752160" y="413972"/>
+          <a:ext cx="4162489" cy="1664995"/>
         </a:xfrm>
         <a:prstGeom prst="rect">
           <a:avLst/>
@@ -4154,31 +4302,35 @@
             <a:alphaOff val="0"/>
           </a:schemeClr>
         </a:solidFill>
-        <a:ln>
-          <a:noFill/>
+        <a:ln w="12700" cap="flat" cmpd="sng" algn="ctr">
+          <a:solidFill>
+            <a:schemeClr val="accent3">
+              <a:hueOff val="0"/>
+              <a:satOff val="0"/>
+              <a:lumOff val="0"/>
+              <a:alphaOff val="0"/>
+            </a:schemeClr>
+          </a:solidFill>
+          <a:prstDash val="solid"/>
+          <a:miter lim="800000"/>
         </a:ln>
-        <a:effectLst/>
-        <a:scene3d>
-          <a:camera prst="orthographicFront">
-            <a:rot lat="0" lon="0" rev="0"/>
-          </a:camera>
-          <a:lightRig rig="contrasting" dir="t">
-            <a:rot lat="0" lon="0" rev="1200000"/>
-          </a:lightRig>
-        </a:scene3d>
-        <a:sp3d contourW="19050" prstMaterial="metal">
-          <a:bevelT w="88900" h="203200"/>
-          <a:bevelB w="165100" h="254000"/>
-        </a:sp3d>
+        <a:effectLst>
+          <a:outerShdw blurRad="63500" sx="102000" sy="102000" algn="ctr" rotWithShape="0">
+            <a:prstClr val="black">
+              <a:alpha val="40000"/>
+            </a:prstClr>
+          </a:outerShdw>
+          <a:reflection blurRad="6350" stA="50000" endA="300" endPos="55500" dist="50800" dir="5400000" sy="-100000" algn="bl" rotWithShape="0"/>
+        </a:effectLst>
       </dsp:spPr>
       <dsp:style>
-        <a:lnRef idx="0">
+        <a:lnRef idx="2">
           <a:scrgbClr r="0" g="0" b="0"/>
         </a:lnRef>
         <a:fillRef idx="1">
           <a:scrgbClr r="0" g="0" b="0"/>
         </a:fillRef>
-        <a:effectRef idx="2">
+        <a:effectRef idx="0">
           <a:scrgbClr r="0" g="0" b="0"/>
         </a:effectRef>
         <a:fontRef idx="minor">
@@ -4186,12 +4338,12 @@
         </a:fontRef>
       </dsp:style>
       <dsp:txBody>
-        <a:bodyPr spcFirstLastPara="0" vert="horz" wrap="square" lIns="284480" tIns="162560" rIns="284480" bIns="162560" numCol="1" spcCol="1270" anchor="ctr" anchorCtr="0">
+        <a:bodyPr spcFirstLastPara="0" vert="horz" wrap="square" lIns="256032" tIns="146304" rIns="256032" bIns="146304" numCol="1" spcCol="1270" anchor="ctr" anchorCtr="0">
           <a:noAutofit/>
         </a:bodyPr>
         <a:lstStyle/>
         <a:p>
-          <a:pPr lvl="0" algn="ctr" defTabSz="1778000">
+          <a:pPr lvl="0" algn="ctr" defTabSz="1600200">
             <a:lnSpc>
               <a:spcPct val="90000"/>
             </a:lnSpc>
@@ -4203,32 +4355,32 @@
             </a:spcAft>
           </a:pPr>
           <a:r>
-            <a:rPr lang="en-IN" sz="4000" b="1" kern="1200" dirty="0" smtClean="0">
+            <a:rPr lang="en-IN" sz="3600" b="1" kern="1200" dirty="0" smtClean="0">
               <a:latin typeface="Calibri" pitchFamily="34" charset="0"/>
               <a:cs typeface="Calibri" pitchFamily="34" charset="0"/>
             </a:rPr>
             <a:t>Working Area</a:t>
           </a:r>
-          <a:endParaRPr lang="en-IN" sz="4000" b="1" kern="1200" dirty="0">
+          <a:endParaRPr lang="en-IN" sz="3600" b="1" kern="1200" dirty="0">
             <a:latin typeface="Calibri" pitchFamily="34" charset="0"/>
             <a:cs typeface="Calibri" pitchFamily="34" charset="0"/>
           </a:endParaRPr>
         </a:p>
       </dsp:txBody>
       <dsp:txXfrm>
-        <a:off x="4817801" y="2683816"/>
-        <a:ext cx="4219985" cy="1687994"/>
+        <a:off x="4752160" y="413972"/>
+        <a:ext cx="4162489" cy="1664995"/>
       </dsp:txXfrm>
     </dsp:sp>
-    <dsp:sp modelId="{2C844ADB-81BB-443F-856E-3105C15E9F3A}">
+    <dsp:sp modelId="{5FE1EC18-29F8-4DAE-946B-238BFB7749D2}">
       <dsp:nvSpPr>
         <dsp:cNvPr id="0" name=""/>
         <dsp:cNvSpPr/>
       </dsp:nvSpPr>
       <dsp:spPr>
         <a:xfrm>
-          <a:off x="4817801" y="4371810"/>
-          <a:ext cx="4219985" cy="2854800"/>
+          <a:off x="4752160" y="2116262"/>
+          <a:ext cx="4162489" cy="5738552"/>
         </a:xfrm>
         <a:prstGeom prst="rect">
           <a:avLst/>
@@ -4243,25 +4395,31 @@
             <a:alphaOff val="0"/>
           </a:schemeClr>
         </a:solidFill>
-        <a:ln>
-          <a:noFill/>
+        <a:ln w="12700" cap="flat" cmpd="sng" algn="ctr">
+          <a:solidFill>
+            <a:schemeClr val="accent3">
+              <a:tint val="40000"/>
+              <a:alpha val="90000"/>
+              <a:hueOff val="0"/>
+              <a:satOff val="0"/>
+              <a:lumOff val="0"/>
+              <a:alphaOff val="0"/>
+            </a:schemeClr>
+          </a:solidFill>
+          <a:prstDash val="solid"/>
+          <a:miter lim="800000"/>
         </a:ln>
-        <a:effectLst/>
-        <a:scene3d>
-          <a:camera prst="orthographicFront">
-            <a:rot lat="0" lon="0" rev="0"/>
-          </a:camera>
-          <a:lightRig rig="contrasting" dir="t">
-            <a:rot lat="0" lon="0" rev="1200000"/>
-          </a:lightRig>
-        </a:scene3d>
-        <a:sp3d contourW="19050" prstMaterial="metal">
-          <a:bevelT w="88900" h="203200"/>
-          <a:bevelB w="165100" h="254000"/>
-        </a:sp3d>
+        <a:effectLst>
+          <a:outerShdw blurRad="63500" sx="102000" sy="102000" algn="ctr" rotWithShape="0">
+            <a:prstClr val="black">
+              <a:alpha val="40000"/>
+            </a:prstClr>
+          </a:outerShdw>
+          <a:reflection blurRad="6350" stA="50000" endA="300" endPos="55500" dist="50800" dir="5400000" sy="-100000" algn="bl" rotWithShape="0"/>
+        </a:effectLst>
       </dsp:spPr>
       <dsp:style>
-        <a:lnRef idx="0">
+        <a:lnRef idx="2">
           <a:scrgbClr r="0" g="0" b="0"/>
         </a:lnRef>
         <a:fillRef idx="1">
@@ -4273,12 +4431,12 @@
         <a:fontRef idx="minor"/>
       </dsp:style>
       <dsp:txBody>
-        <a:bodyPr spcFirstLastPara="0" vert="horz" wrap="square" lIns="160020" tIns="160020" rIns="213360" bIns="240030" numCol="1" spcCol="1270" anchor="t" anchorCtr="0">
+        <a:bodyPr spcFirstLastPara="0" vert="horz" wrap="square" lIns="149352" tIns="149352" rIns="199136" bIns="224028" numCol="1" spcCol="1270" anchor="t" anchorCtr="0">
           <a:noAutofit/>
         </a:bodyPr>
         <a:lstStyle/>
         <a:p>
-          <a:pPr marL="285750" lvl="1" indent="-285750" algn="l" defTabSz="1333500">
+          <a:pPr marL="285750" lvl="1" indent="-285750" algn="l" defTabSz="1244600">
             <a:lnSpc>
               <a:spcPct val="90000"/>
             </a:lnSpc>
@@ -4291,19 +4449,19 @@
             <a:buChar char="••"/>
           </a:pPr>
           <a:r>
-            <a:rPr lang="en-IN" sz="3000" kern="1200" dirty="0" smtClean="0">
+            <a:rPr lang="en-IN" sz="2800" kern="1200" dirty="0" smtClean="0">
               <a:latin typeface="Calibri" pitchFamily="34" charset="0"/>
               <a:cs typeface="Calibri" pitchFamily="34" charset="0"/>
             </a:rPr>
-            <a:t>Project Directory.</a:t>
+            <a:t>Project directory.</a:t>
           </a:r>
-          <a:endParaRPr lang="en-IN" sz="3000" kern="1200" dirty="0">
+          <a:endParaRPr lang="en-IN" sz="2800" kern="1200" dirty="0">
             <a:latin typeface="Calibri" pitchFamily="34" charset="0"/>
             <a:cs typeface="Calibri" pitchFamily="34" charset="0"/>
           </a:endParaRPr>
         </a:p>
         <a:p>
-          <a:pPr marL="285750" lvl="1" indent="-285750" algn="l" defTabSz="1333500">
+          <a:pPr marL="285750" lvl="1" indent="-285750" algn="l" defTabSz="1244600">
             <a:lnSpc>
               <a:spcPct val="90000"/>
             </a:lnSpc>
@@ -4316,19 +4474,19 @@
             <a:buChar char="••"/>
           </a:pPr>
           <a:r>
-            <a:rPr lang="en-IN" sz="3000" kern="1200" dirty="0" smtClean="0">
+            <a:rPr lang="en-IN" sz="2800" kern="1200" dirty="0" smtClean="0">
               <a:latin typeface="Calibri" pitchFamily="34" charset="0"/>
               <a:cs typeface="Calibri" pitchFamily="34" charset="0"/>
             </a:rPr>
-            <a:t>Work, Edit, Test..</a:t>
+            <a:t>Work, edit, test.</a:t>
           </a:r>
-          <a:endParaRPr lang="en-IN" sz="3000" kern="1200" dirty="0">
+          <a:endParaRPr lang="en-IN" sz="2800" kern="1200" dirty="0">
             <a:latin typeface="Calibri" pitchFamily="34" charset="0"/>
             <a:cs typeface="Calibri" pitchFamily="34" charset="0"/>
           </a:endParaRPr>
         </a:p>
         <a:p>
-          <a:pPr marL="285750" lvl="1" indent="-285750" algn="l" defTabSz="1333500">
+          <a:pPr marL="285750" lvl="1" indent="-285750" algn="l" defTabSz="1244600">
             <a:lnSpc>
               <a:spcPct val="90000"/>
             </a:lnSpc>
@@ -4341,32 +4499,32 @@
             <a:buChar char="••"/>
           </a:pPr>
           <a:r>
-            <a:rPr lang="en-IN" sz="3000" kern="1200" dirty="0" smtClean="0">
+            <a:rPr lang="en-IN" sz="2800" kern="1200" dirty="0" smtClean="0">
               <a:latin typeface="Calibri" pitchFamily="34" charset="0"/>
               <a:cs typeface="Calibri" pitchFamily="34" charset="0"/>
             </a:rPr>
-            <a:t>For Git, it’s a temporary place.</a:t>
+            <a:t>For git, it’s a temporary place.</a:t>
           </a:r>
-          <a:endParaRPr lang="en-IN" sz="3000" kern="1200" dirty="0">
+          <a:endParaRPr lang="en-IN" sz="2800" kern="1200" dirty="0">
             <a:latin typeface="Calibri" pitchFamily="34" charset="0"/>
             <a:cs typeface="Calibri" pitchFamily="34" charset="0"/>
           </a:endParaRPr>
         </a:p>
       </dsp:txBody>
       <dsp:txXfrm>
-        <a:off x="4817801" y="4371810"/>
-        <a:ext cx="4219985" cy="2854800"/>
+        <a:off x="4752160" y="2116262"/>
+        <a:ext cx="4162489" cy="5738552"/>
       </dsp:txXfrm>
     </dsp:sp>
-    <dsp:sp modelId="{74BD7EF1-1D22-450B-B2E8-FECA675073DA}">
+    <dsp:sp modelId="{C8844620-14E7-485D-A398-2A4FA1BBED32}">
       <dsp:nvSpPr>
         <dsp:cNvPr id="0" name=""/>
         <dsp:cNvSpPr/>
       </dsp:nvSpPr>
       <dsp:spPr>
         <a:xfrm>
-          <a:off x="9628584" y="2683816"/>
-          <a:ext cx="4219985" cy="1687994"/>
+          <a:off x="9497398" y="413972"/>
+          <a:ext cx="4162489" cy="1664995"/>
         </a:xfrm>
         <a:prstGeom prst="rect">
           <a:avLst/>
@@ -4379,31 +4537,35 @@
             <a:alphaOff val="0"/>
           </a:schemeClr>
         </a:solidFill>
-        <a:ln>
-          <a:noFill/>
+        <a:ln w="12700" cap="flat" cmpd="sng" algn="ctr">
+          <a:solidFill>
+            <a:schemeClr val="accent4">
+              <a:hueOff val="0"/>
+              <a:satOff val="0"/>
+              <a:lumOff val="0"/>
+              <a:alphaOff val="0"/>
+            </a:schemeClr>
+          </a:solidFill>
+          <a:prstDash val="solid"/>
+          <a:miter lim="800000"/>
         </a:ln>
-        <a:effectLst/>
-        <a:scene3d>
-          <a:camera prst="orthographicFront">
-            <a:rot lat="0" lon="0" rev="0"/>
-          </a:camera>
-          <a:lightRig rig="contrasting" dir="t">
-            <a:rot lat="0" lon="0" rev="1200000"/>
-          </a:lightRig>
-        </a:scene3d>
-        <a:sp3d contourW="19050" prstMaterial="metal">
-          <a:bevelT w="88900" h="203200"/>
-          <a:bevelB w="165100" h="254000"/>
-        </a:sp3d>
+        <a:effectLst>
+          <a:outerShdw blurRad="63500" sx="102000" sy="102000" algn="ctr" rotWithShape="0">
+            <a:prstClr val="black">
+              <a:alpha val="40000"/>
+            </a:prstClr>
+          </a:outerShdw>
+          <a:reflection blurRad="6350" stA="50000" endA="300" endPos="55500" dist="50800" dir="5400000" sy="-100000" algn="bl" rotWithShape="0"/>
+        </a:effectLst>
       </dsp:spPr>
       <dsp:style>
-        <a:lnRef idx="0">
+        <a:lnRef idx="2">
           <a:scrgbClr r="0" g="0" b="0"/>
         </a:lnRef>
         <a:fillRef idx="1">
           <a:scrgbClr r="0" g="0" b="0"/>
         </a:fillRef>
-        <a:effectRef idx="2">
+        <a:effectRef idx="0">
           <a:scrgbClr r="0" g="0" b="0"/>
         </a:effectRef>
         <a:fontRef idx="minor">
@@ -4411,12 +4573,12 @@
         </a:fontRef>
       </dsp:style>
       <dsp:txBody>
-        <a:bodyPr spcFirstLastPara="0" vert="horz" wrap="square" lIns="284480" tIns="162560" rIns="284480" bIns="162560" numCol="1" spcCol="1270" anchor="ctr" anchorCtr="0">
+        <a:bodyPr spcFirstLastPara="0" vert="horz" wrap="square" lIns="256032" tIns="146304" rIns="256032" bIns="146304" numCol="1" spcCol="1270" anchor="ctr" anchorCtr="0">
           <a:noAutofit/>
         </a:bodyPr>
         <a:lstStyle/>
         <a:p>
-          <a:pPr lvl="0" algn="ctr" defTabSz="1778000">
+          <a:pPr lvl="0" algn="ctr" defTabSz="1600200">
             <a:lnSpc>
               <a:spcPct val="90000"/>
             </a:lnSpc>
@@ -4428,32 +4590,32 @@
             </a:spcAft>
           </a:pPr>
           <a:r>
-            <a:rPr lang="en-IN" sz="4000" b="1" kern="1200" dirty="0" smtClean="0">
+            <a:rPr lang="en-IN" sz="3600" b="1" kern="1200" dirty="0" smtClean="0">
               <a:latin typeface="Calibri" pitchFamily="34" charset="0"/>
               <a:cs typeface="Calibri" pitchFamily="34" charset="0"/>
             </a:rPr>
             <a:t>Index</a:t>
           </a:r>
-          <a:endParaRPr lang="en-IN" sz="4000" b="1" kern="1200" dirty="0">
+          <a:endParaRPr lang="en-IN" sz="3600" b="1" kern="1200" dirty="0">
             <a:latin typeface="Calibri" pitchFamily="34" charset="0"/>
             <a:cs typeface="Calibri" pitchFamily="34" charset="0"/>
           </a:endParaRPr>
         </a:p>
       </dsp:txBody>
       <dsp:txXfrm>
-        <a:off x="9628584" y="2683816"/>
-        <a:ext cx="4219985" cy="1687994"/>
+        <a:off x="9497398" y="413972"/>
+        <a:ext cx="4162489" cy="1664995"/>
       </dsp:txXfrm>
     </dsp:sp>
-    <dsp:sp modelId="{A0FA271A-6B8D-4520-8678-FDB4BEA0ABB1}">
+    <dsp:sp modelId="{5CF5C36E-1045-4834-A934-2365B63BFCD5}">
       <dsp:nvSpPr>
         <dsp:cNvPr id="0" name=""/>
         <dsp:cNvSpPr/>
       </dsp:nvSpPr>
       <dsp:spPr>
         <a:xfrm>
-          <a:off x="9628584" y="4371810"/>
-          <a:ext cx="4219985" cy="2854800"/>
+          <a:off x="9497398" y="2116262"/>
+          <a:ext cx="4162489" cy="5738552"/>
         </a:xfrm>
         <a:prstGeom prst="rect">
           <a:avLst/>
@@ -4468,25 +4630,31 @@
             <a:alphaOff val="0"/>
           </a:schemeClr>
         </a:solidFill>
-        <a:ln>
-          <a:noFill/>
+        <a:ln w="12700" cap="flat" cmpd="sng" algn="ctr">
+          <a:solidFill>
+            <a:schemeClr val="accent4">
+              <a:tint val="40000"/>
+              <a:alpha val="90000"/>
+              <a:hueOff val="0"/>
+              <a:satOff val="0"/>
+              <a:lumOff val="0"/>
+              <a:alphaOff val="0"/>
+            </a:schemeClr>
+          </a:solidFill>
+          <a:prstDash val="solid"/>
+          <a:miter lim="800000"/>
         </a:ln>
-        <a:effectLst/>
-        <a:scene3d>
-          <a:camera prst="orthographicFront">
-            <a:rot lat="0" lon="0" rev="0"/>
-          </a:camera>
-          <a:lightRig rig="contrasting" dir="t">
-            <a:rot lat="0" lon="0" rev="1200000"/>
-          </a:lightRig>
-        </a:scene3d>
-        <a:sp3d contourW="19050" prstMaterial="metal">
-          <a:bevelT w="88900" h="203200"/>
-          <a:bevelB w="165100" h="254000"/>
-        </a:sp3d>
+        <a:effectLst>
+          <a:outerShdw blurRad="63500" sx="102000" sy="102000" algn="ctr" rotWithShape="0">
+            <a:prstClr val="black">
+              <a:alpha val="40000"/>
+            </a:prstClr>
+          </a:outerShdw>
+          <a:reflection blurRad="6350" stA="50000" endA="300" endPos="55500" dist="50800" dir="5400000" sy="-100000" algn="bl" rotWithShape="0"/>
+        </a:effectLst>
       </dsp:spPr>
       <dsp:style>
-        <a:lnRef idx="0">
+        <a:lnRef idx="2">
           <a:scrgbClr r="0" g="0" b="0"/>
         </a:lnRef>
         <a:fillRef idx="1">
@@ -4498,12 +4666,12 @@
         <a:fontRef idx="minor"/>
       </dsp:style>
       <dsp:txBody>
-        <a:bodyPr spcFirstLastPara="0" vert="horz" wrap="square" lIns="160020" tIns="160020" rIns="213360" bIns="240030" numCol="1" spcCol="1270" anchor="t" anchorCtr="0">
+        <a:bodyPr spcFirstLastPara="0" vert="horz" wrap="square" lIns="149352" tIns="149352" rIns="199136" bIns="224028" numCol="1" spcCol="1270" anchor="t" anchorCtr="0">
           <a:noAutofit/>
         </a:bodyPr>
         <a:lstStyle/>
         <a:p>
-          <a:pPr marL="285750" lvl="1" indent="-285750" algn="l" defTabSz="1333500">
+          <a:pPr marL="285750" lvl="1" indent="-285750" algn="l" defTabSz="1244600">
             <a:lnSpc>
               <a:spcPct val="90000"/>
             </a:lnSpc>
@@ -4516,19 +4684,19 @@
             <a:buChar char="••"/>
           </a:pPr>
           <a:r>
-            <a:rPr lang="en-IN" sz="3000" kern="1200" dirty="0" smtClean="0">
+            <a:rPr lang="en-IN" sz="2800" kern="1200" dirty="0" smtClean="0">
               <a:latin typeface="Calibri" pitchFamily="34" charset="0"/>
               <a:cs typeface="Calibri" pitchFamily="34" charset="0"/>
             </a:rPr>
-            <a:t>Staging Area.</a:t>
+            <a:t>Staging area.</a:t>
           </a:r>
-          <a:endParaRPr lang="en-IN" sz="3000" kern="1200" dirty="0">
+          <a:endParaRPr lang="en-IN" sz="2800" kern="1200" dirty="0">
             <a:latin typeface="Calibri" pitchFamily="34" charset="0"/>
             <a:cs typeface="Calibri" pitchFamily="34" charset="0"/>
           </a:endParaRPr>
         </a:p>
         <a:p>
-          <a:pPr marL="285750" lvl="1" indent="-285750" algn="l" defTabSz="1333500">
+          <a:pPr marL="285750" lvl="1" indent="-285750" algn="l" defTabSz="1244600">
             <a:lnSpc>
               <a:spcPct val="90000"/>
             </a:lnSpc>
@@ -4541,19 +4709,19 @@
             <a:buChar char="••"/>
           </a:pPr>
           <a:r>
-            <a:rPr lang="en-IN" sz="3000" kern="1200" dirty="0" smtClean="0">
+            <a:rPr lang="en-IN" sz="2800" kern="1200" dirty="0" smtClean="0">
               <a:latin typeface="Calibri" pitchFamily="34" charset="0"/>
               <a:cs typeface="Calibri" pitchFamily="34" charset="0"/>
             </a:rPr>
             <a:t>Unique to git.</a:t>
           </a:r>
-          <a:endParaRPr lang="en-IN" sz="3000" kern="1200" dirty="0">
+          <a:endParaRPr lang="en-IN" sz="2800" kern="1200" dirty="0">
             <a:latin typeface="Calibri" pitchFamily="34" charset="0"/>
             <a:cs typeface="Calibri" pitchFamily="34" charset="0"/>
           </a:endParaRPr>
         </a:p>
         <a:p>
-          <a:pPr marL="285750" lvl="1" indent="-285750" algn="l" defTabSz="1333500">
+          <a:pPr marL="285750" lvl="1" indent="-285750" algn="l" defTabSz="1244600">
             <a:lnSpc>
               <a:spcPct val="90000"/>
             </a:lnSpc>
@@ -4566,32 +4734,32 @@
             <a:buChar char="••"/>
           </a:pPr>
           <a:r>
-            <a:rPr lang="en-IN" sz="3000" kern="1200" dirty="0" smtClean="0">
+            <a:rPr lang="en-IN" sz="2800" kern="1200" dirty="0" smtClean="0">
               <a:latin typeface="Calibri" pitchFamily="34" charset="0"/>
               <a:cs typeface="Calibri" pitchFamily="34" charset="0"/>
             </a:rPr>
-            <a:t>Commit from here to repository.</a:t>
+            <a:t>Commit from here to repository</a:t>
           </a:r>
-          <a:endParaRPr lang="en-IN" sz="3000" kern="1200" dirty="0">
+          <a:endParaRPr lang="en-IN" sz="2800" kern="1200" dirty="0">
             <a:latin typeface="Calibri" pitchFamily="34" charset="0"/>
             <a:cs typeface="Calibri" pitchFamily="34" charset="0"/>
           </a:endParaRPr>
         </a:p>
       </dsp:txBody>
       <dsp:txXfrm>
-        <a:off x="9628584" y="4371810"/>
-        <a:ext cx="4219985" cy="2854800"/>
+        <a:off x="9497398" y="2116262"/>
+        <a:ext cx="4162489" cy="5738552"/>
       </dsp:txXfrm>
     </dsp:sp>
-    <dsp:sp modelId="{8139CC92-F9E5-4BA1-896F-27317C283538}">
+    <dsp:sp modelId="{EC7EEBCA-82DD-4074-AF8E-B88F8FF00601}">
       <dsp:nvSpPr>
         <dsp:cNvPr id="0" name=""/>
         <dsp:cNvSpPr/>
       </dsp:nvSpPr>
       <dsp:spPr>
         <a:xfrm>
-          <a:off x="14439368" y="2683816"/>
-          <a:ext cx="4219985" cy="1687994"/>
+          <a:off x="14242636" y="413972"/>
+          <a:ext cx="4162489" cy="1664995"/>
         </a:xfrm>
         <a:prstGeom prst="rect">
           <a:avLst/>
@@ -4604,31 +4772,35 @@
             <a:alphaOff val="0"/>
           </a:schemeClr>
         </a:solidFill>
-        <a:ln>
-          <a:noFill/>
+        <a:ln w="12700" cap="flat" cmpd="sng" algn="ctr">
+          <a:solidFill>
+            <a:schemeClr val="accent5">
+              <a:hueOff val="0"/>
+              <a:satOff val="0"/>
+              <a:lumOff val="0"/>
+              <a:alphaOff val="0"/>
+            </a:schemeClr>
+          </a:solidFill>
+          <a:prstDash val="solid"/>
+          <a:miter lim="800000"/>
         </a:ln>
-        <a:effectLst/>
-        <a:scene3d>
-          <a:camera prst="orthographicFront">
-            <a:rot lat="0" lon="0" rev="0"/>
-          </a:camera>
-          <a:lightRig rig="contrasting" dir="t">
-            <a:rot lat="0" lon="0" rev="1200000"/>
-          </a:lightRig>
-        </a:scene3d>
-        <a:sp3d contourW="19050" prstMaterial="metal">
-          <a:bevelT w="88900" h="203200"/>
-          <a:bevelB w="165100" h="254000"/>
-        </a:sp3d>
+        <a:effectLst>
+          <a:outerShdw blurRad="63500" sx="102000" sy="102000" algn="ctr" rotWithShape="0">
+            <a:prstClr val="black">
+              <a:alpha val="40000"/>
+            </a:prstClr>
+          </a:outerShdw>
+          <a:reflection blurRad="6350" stA="50000" endA="300" endPos="55500" dist="50800" dir="5400000" sy="-100000" algn="bl" rotWithShape="0"/>
+        </a:effectLst>
       </dsp:spPr>
       <dsp:style>
-        <a:lnRef idx="0">
+        <a:lnRef idx="2">
           <a:scrgbClr r="0" g="0" b="0"/>
         </a:lnRef>
         <a:fillRef idx="1">
           <a:scrgbClr r="0" g="0" b="0"/>
         </a:fillRef>
-        <a:effectRef idx="2">
+        <a:effectRef idx="0">
           <a:scrgbClr r="0" g="0" b="0"/>
         </a:effectRef>
         <a:fontRef idx="minor">
@@ -4636,12 +4808,12 @@
         </a:fontRef>
       </dsp:style>
       <dsp:txBody>
-        <a:bodyPr spcFirstLastPara="0" vert="horz" wrap="square" lIns="284480" tIns="162560" rIns="284480" bIns="162560" numCol="1" spcCol="1270" anchor="ctr" anchorCtr="0">
+        <a:bodyPr spcFirstLastPara="0" vert="horz" wrap="square" lIns="256032" tIns="146304" rIns="256032" bIns="146304" numCol="1" spcCol="1270" anchor="ctr" anchorCtr="0">
           <a:noAutofit/>
         </a:bodyPr>
         <a:lstStyle/>
         <a:p>
-          <a:pPr lvl="0" algn="ctr" defTabSz="1778000">
+          <a:pPr lvl="0" algn="ctr" defTabSz="1600200">
             <a:lnSpc>
               <a:spcPct val="90000"/>
             </a:lnSpc>
@@ -4653,32 +4825,32 @@
             </a:spcAft>
           </a:pPr>
           <a:r>
-            <a:rPr lang="en-IN" sz="4000" b="1" kern="1200" dirty="0" smtClean="0">
+            <a:rPr lang="en-IN" sz="3600" b="1" kern="1200" dirty="0" smtClean="0">
               <a:latin typeface="Calibri" pitchFamily="34" charset="0"/>
               <a:cs typeface="Calibri" pitchFamily="34" charset="0"/>
             </a:rPr>
             <a:t>Repository</a:t>
           </a:r>
-          <a:endParaRPr lang="en-IN" sz="4000" b="1" kern="1200" dirty="0">
+          <a:endParaRPr lang="en-IN" sz="3600" b="1" kern="1200" dirty="0">
             <a:latin typeface="Calibri" pitchFamily="34" charset="0"/>
             <a:cs typeface="Calibri" pitchFamily="34" charset="0"/>
           </a:endParaRPr>
         </a:p>
       </dsp:txBody>
       <dsp:txXfrm>
-        <a:off x="14439368" y="2683816"/>
-        <a:ext cx="4219985" cy="1687994"/>
+        <a:off x="14242636" y="413972"/>
+        <a:ext cx="4162489" cy="1664995"/>
       </dsp:txXfrm>
     </dsp:sp>
-    <dsp:sp modelId="{B76C72B1-EF7D-47C5-92F1-6BAE41A96548}">
+    <dsp:sp modelId="{A00895CD-AC6F-43BB-9EEE-916E57D24768}">
       <dsp:nvSpPr>
         <dsp:cNvPr id="0" name=""/>
         <dsp:cNvSpPr/>
       </dsp:nvSpPr>
       <dsp:spPr>
         <a:xfrm>
-          <a:off x="14439368" y="4371810"/>
-          <a:ext cx="4219985" cy="2854800"/>
+          <a:off x="14242636" y="2116262"/>
+          <a:ext cx="4162489" cy="5738552"/>
         </a:xfrm>
         <a:prstGeom prst="rect">
           <a:avLst/>
@@ -4693,25 +4865,31 @@
             <a:alphaOff val="0"/>
           </a:schemeClr>
         </a:solidFill>
-        <a:ln>
-          <a:noFill/>
+        <a:ln w="12700" cap="flat" cmpd="sng" algn="ctr">
+          <a:solidFill>
+            <a:schemeClr val="accent5">
+              <a:tint val="40000"/>
+              <a:alpha val="90000"/>
+              <a:hueOff val="0"/>
+              <a:satOff val="0"/>
+              <a:lumOff val="0"/>
+              <a:alphaOff val="0"/>
+            </a:schemeClr>
+          </a:solidFill>
+          <a:prstDash val="solid"/>
+          <a:miter lim="800000"/>
         </a:ln>
-        <a:effectLst/>
-        <a:scene3d>
-          <a:camera prst="orthographicFront">
-            <a:rot lat="0" lon="0" rev="0"/>
-          </a:camera>
-          <a:lightRig rig="contrasting" dir="t">
-            <a:rot lat="0" lon="0" rev="1200000"/>
-          </a:lightRig>
-        </a:scene3d>
-        <a:sp3d contourW="19050" prstMaterial="metal">
-          <a:bevelT w="88900" h="203200"/>
-          <a:bevelB w="165100" h="254000"/>
-        </a:sp3d>
+        <a:effectLst>
+          <a:outerShdw blurRad="63500" sx="102000" sy="102000" algn="ctr" rotWithShape="0">
+            <a:prstClr val="black">
+              <a:alpha val="40000"/>
+            </a:prstClr>
+          </a:outerShdw>
+          <a:reflection blurRad="6350" stA="50000" endA="300" endPos="55500" dist="50800" dir="5400000" sy="-100000" algn="bl" rotWithShape="0"/>
+        </a:effectLst>
       </dsp:spPr>
       <dsp:style>
-        <a:lnRef idx="0">
+        <a:lnRef idx="2">
           <a:scrgbClr r="0" g="0" b="0"/>
         </a:lnRef>
         <a:fillRef idx="1">
@@ -4723,12 +4901,12 @@
         <a:fontRef idx="minor"/>
       </dsp:style>
       <dsp:txBody>
-        <a:bodyPr spcFirstLastPara="0" vert="horz" wrap="square" lIns="160020" tIns="160020" rIns="213360" bIns="240030" numCol="1" spcCol="1270" anchor="t" anchorCtr="0">
+        <a:bodyPr spcFirstLastPara="0" vert="horz" wrap="square" lIns="149352" tIns="149352" rIns="199136" bIns="224028" numCol="1" spcCol="1270" anchor="t" anchorCtr="0">
           <a:noAutofit/>
         </a:bodyPr>
         <a:lstStyle/>
         <a:p>
-          <a:pPr marL="285750" lvl="1" indent="-285750" algn="l" defTabSz="1333500">
+          <a:pPr marL="285750" lvl="1" indent="-285750" algn="l" defTabSz="1244600">
             <a:lnSpc>
               <a:spcPct val="90000"/>
             </a:lnSpc>
@@ -4741,19 +4919,19 @@
             <a:buChar char="••"/>
           </a:pPr>
           <a:r>
-            <a:rPr lang="en-IN" sz="3000" kern="1200" dirty="0" smtClean="0">
+            <a:rPr lang="en-IN" sz="2800" kern="1200" dirty="0" smtClean="0">
               <a:latin typeface="Calibri" pitchFamily="34" charset="0"/>
               <a:cs typeface="Calibri" pitchFamily="34" charset="0"/>
             </a:rPr>
-            <a:t>In .git folder.</a:t>
+            <a:t>.git directory.</a:t>
           </a:r>
-          <a:endParaRPr lang="en-IN" sz="3000" kern="1200" dirty="0">
+          <a:endParaRPr lang="en-IN" sz="2800" kern="1200" dirty="0">
             <a:latin typeface="Calibri" pitchFamily="34" charset="0"/>
             <a:cs typeface="Calibri" pitchFamily="34" charset="0"/>
           </a:endParaRPr>
         </a:p>
         <a:p>
-          <a:pPr marL="285750" lvl="1" indent="-285750" algn="l" defTabSz="1333500">
+          <a:pPr marL="285750" lvl="1" indent="-285750" algn="l" defTabSz="1244600">
             <a:lnSpc>
               <a:spcPct val="90000"/>
             </a:lnSpc>
@@ -4766,21 +4944,21 @@
             <a:buChar char="••"/>
           </a:pPr>
           <a:r>
-            <a:rPr lang="en-IN" sz="3000" kern="1200" dirty="0" smtClean="0">
+            <a:rPr lang="en-IN" sz="2800" kern="1200" dirty="0" smtClean="0">
               <a:latin typeface="Calibri" pitchFamily="34" charset="0"/>
               <a:cs typeface="Calibri" pitchFamily="34" charset="0"/>
             </a:rPr>
             <a:t>Git objects: Commits, trees, blobs and tags.</a:t>
           </a:r>
-          <a:endParaRPr lang="en-IN" sz="3000" kern="1200" dirty="0">
+          <a:endParaRPr lang="en-IN" sz="2800" kern="1200" dirty="0">
             <a:latin typeface="Calibri" pitchFamily="34" charset="0"/>
             <a:cs typeface="Calibri" pitchFamily="34" charset="0"/>
           </a:endParaRPr>
         </a:p>
       </dsp:txBody>
       <dsp:txXfrm>
-        <a:off x="14439368" y="4371810"/>
-        <a:ext cx="4219985" cy="2854800"/>
+        <a:off x="14242636" y="2116262"/>
+        <a:ext cx="4162489" cy="5738552"/>
       </dsp:txXfrm>
     </dsp:sp>
   </dsp:spTree>
@@ -7154,11 +7332,11 @@
 </file>
 
 <file path=ppt/diagrams/quickStyle2.xml><?xml version="1.0" encoding="utf-8"?>
-<dgm:styleDef xmlns:dgm="http://schemas.openxmlformats.org/drawingml/2006/diagram" xmlns:a="http://schemas.openxmlformats.org/drawingml/2006/main" uniqueId="urn:microsoft.com/office/officeart/2005/8/quickstyle/3d3">
+<dgm:styleDef xmlns:dgm="http://schemas.openxmlformats.org/drawingml/2006/diagram" xmlns:a="http://schemas.openxmlformats.org/drawingml/2006/main" uniqueId="urn:microsoft.com/office/officeart/2005/8/quickstyle/simple1">
   <dgm:title val=""/>
   <dgm:desc val=""/>
   <dgm:catLst>
-    <dgm:cat type="3D" pri="11300"/>
+    <dgm:cat type="simple" pri="10100"/>
   </dgm:catLst>
   <dgm:scene3d>
     <a:camera prst="orthographicFront"/>
@@ -7166,26 +7344,19 @@
   </dgm:scene3d>
   <dgm:styleLbl name="node0">
     <dgm:scene3d>
-      <a:camera prst="orthographicFront">
-        <a:rot lat="0" lon="0" rev="0"/>
-      </a:camera>
-      <a:lightRig rig="contrasting" dir="t">
-        <a:rot lat="0" lon="0" rev="1200000"/>
-      </a:lightRig>
+      <a:camera prst="orthographicFront"/>
+      <a:lightRig rig="threePt" dir="t"/>
     </dgm:scene3d>
-    <dgm:sp3d contourW="19050" prstMaterial="metal">
-      <a:bevelT w="88900" h="203200"/>
-      <a:bevelB w="165100" h="254000"/>
-    </dgm:sp3d>
+    <dgm:sp3d/>
     <dgm:txPr/>
     <dgm:style>
-      <a:lnRef idx="0">
+      <a:lnRef idx="2">
         <a:scrgbClr r="0" g="0" b="0"/>
       </a:lnRef>
       <a:fillRef idx="1">
         <a:scrgbClr r="0" g="0" b="0"/>
       </a:fillRef>
-      <a:effectRef idx="1">
+      <a:effectRef idx="0">
         <a:scrgbClr r="0" g="0" b="0"/>
       </a:effectRef>
       <a:fontRef idx="minor">
@@ -7195,26 +7366,19 @@
   </dgm:styleLbl>
   <dgm:styleLbl name="lnNode1">
     <dgm:scene3d>
-      <a:camera prst="orthographicFront">
-        <a:rot lat="0" lon="0" rev="0"/>
-      </a:camera>
-      <a:lightRig rig="contrasting" dir="t">
-        <a:rot lat="0" lon="0" rev="1200000"/>
-      </a:lightRig>
+      <a:camera prst="orthographicFront"/>
+      <a:lightRig rig="threePt" dir="t"/>
     </dgm:scene3d>
-    <dgm:sp3d contourW="19050" prstMaterial="metal">
-      <a:bevelT w="88900" h="203200"/>
-      <a:bevelB w="165100" h="254000"/>
-    </dgm:sp3d>
+    <dgm:sp3d/>
     <dgm:txPr/>
     <dgm:style>
-      <a:lnRef idx="0">
+      <a:lnRef idx="2">
         <a:scrgbClr r="0" g="0" b="0"/>
       </a:lnRef>
       <a:fillRef idx="1">
         <a:scrgbClr r="0" g="0" b="0"/>
       </a:fillRef>
-      <a:effectRef idx="1">
+      <a:effectRef idx="0">
         <a:scrgbClr r="0" g="0" b="0"/>
       </a:effectRef>
       <a:fontRef idx="minor">
@@ -7224,20 +7388,13 @@
   </dgm:styleLbl>
   <dgm:styleLbl name="vennNode1">
     <dgm:scene3d>
-      <a:camera prst="orthographicFront">
-        <a:rot lat="0" lon="0" rev="0"/>
-      </a:camera>
-      <a:lightRig rig="contrasting" dir="t">
-        <a:rot lat="0" lon="0" rev="1200000"/>
-      </a:lightRig>
+      <a:camera prst="orthographicFront"/>
+      <a:lightRig rig="threePt" dir="t"/>
     </dgm:scene3d>
-    <dgm:sp3d contourW="12700" prstMaterial="clear">
-      <a:bevelT w="177800" h="254000"/>
-      <a:bevelB w="152400"/>
-    </dgm:sp3d>
+    <dgm:sp3d/>
     <dgm:txPr/>
     <dgm:style>
-      <a:lnRef idx="0">
+      <a:lnRef idx="2">
         <a:scrgbClr r="0" g="0" b="0"/>
       </a:lnRef>
       <a:fillRef idx="1">
@@ -7253,26 +7410,19 @@
   </dgm:styleLbl>
   <dgm:styleLbl name="alignNode1">
     <dgm:scene3d>
-      <a:camera prst="orthographicFront">
-        <a:rot lat="0" lon="0" rev="0"/>
-      </a:camera>
-      <a:lightRig rig="contrasting" dir="t">
-        <a:rot lat="0" lon="0" rev="1200000"/>
-      </a:lightRig>
+      <a:camera prst="orthographicFront"/>
+      <a:lightRig rig="threePt" dir="t"/>
     </dgm:scene3d>
-    <dgm:sp3d contourW="19050" prstMaterial="metal">
-      <a:bevelT w="88900" h="203200"/>
-      <a:bevelB w="165100" h="254000"/>
-    </dgm:sp3d>
+    <dgm:sp3d/>
     <dgm:txPr/>
     <dgm:style>
-      <a:lnRef idx="0">
+      <a:lnRef idx="2">
         <a:scrgbClr r="0" g="0" b="0"/>
       </a:lnRef>
       <a:fillRef idx="1">
         <a:scrgbClr r="0" g="0" b="0"/>
       </a:fillRef>
-      <a:effectRef idx="2">
+      <a:effectRef idx="0">
         <a:scrgbClr r="0" g="0" b="0"/>
       </a:effectRef>
       <a:fontRef idx="minor">
@@ -7282,26 +7432,19 @@
   </dgm:styleLbl>
   <dgm:styleLbl name="node1">
     <dgm:scene3d>
-      <a:camera prst="orthographicFront">
-        <a:rot lat="0" lon="0" rev="0"/>
-      </a:camera>
-      <a:lightRig rig="contrasting" dir="t">
-        <a:rot lat="0" lon="0" rev="1200000"/>
-      </a:lightRig>
+      <a:camera prst="orthographicFront"/>
+      <a:lightRig rig="threePt" dir="t"/>
     </dgm:scene3d>
-    <dgm:sp3d contourW="19050" prstMaterial="metal">
-      <a:bevelT w="88900" h="203200"/>
-      <a:bevelB w="165100" h="254000"/>
-    </dgm:sp3d>
+    <dgm:sp3d/>
     <dgm:txPr/>
     <dgm:style>
-      <a:lnRef idx="0">
+      <a:lnRef idx="2">
         <a:scrgbClr r="0" g="0" b="0"/>
       </a:lnRef>
       <a:fillRef idx="1">
         <a:scrgbClr r="0" g="0" b="0"/>
       </a:fillRef>
-      <a:effectRef idx="2">
+      <a:effectRef idx="0">
         <a:scrgbClr r="0" g="0" b="0"/>
       </a:effectRef>
       <a:fontRef idx="minor">
@@ -7311,26 +7454,19 @@
   </dgm:styleLbl>
   <dgm:styleLbl name="node2">
     <dgm:scene3d>
-      <a:camera prst="orthographicFront">
-        <a:rot lat="0" lon="0" rev="0"/>
-      </a:camera>
-      <a:lightRig rig="contrasting" dir="t">
-        <a:rot lat="0" lon="0" rev="1200000"/>
-      </a:lightRig>
+      <a:camera prst="orthographicFront"/>
+      <a:lightRig rig="threePt" dir="t"/>
     </dgm:scene3d>
-    <dgm:sp3d contourW="19050" prstMaterial="metal">
-      <a:bevelT w="88900" h="203200"/>
-      <a:bevelB w="165100" h="254000"/>
-    </dgm:sp3d>
+    <dgm:sp3d/>
     <dgm:txPr/>
     <dgm:style>
-      <a:lnRef idx="0">
+      <a:lnRef idx="2">
         <a:scrgbClr r="0" g="0" b="0"/>
       </a:lnRef>
       <a:fillRef idx="1">
         <a:scrgbClr r="0" g="0" b="0"/>
       </a:fillRef>
-      <a:effectRef idx="1">
+      <a:effectRef idx="0">
         <a:scrgbClr r="0" g="0" b="0"/>
       </a:effectRef>
       <a:fontRef idx="minor">
@@ -7340,26 +7476,19 @@
   </dgm:styleLbl>
   <dgm:styleLbl name="node3">
     <dgm:scene3d>
-      <a:camera prst="orthographicFront">
-        <a:rot lat="0" lon="0" rev="0"/>
-      </a:camera>
-      <a:lightRig rig="contrasting" dir="t">
-        <a:rot lat="0" lon="0" rev="1200000"/>
-      </a:lightRig>
+      <a:camera prst="orthographicFront"/>
+      <a:lightRig rig="threePt" dir="t"/>
     </dgm:scene3d>
-    <dgm:sp3d contourW="19050" prstMaterial="metal">
-      <a:bevelT w="88900" h="203200"/>
-      <a:bevelB w="165100" h="254000"/>
-    </dgm:sp3d>
+    <dgm:sp3d/>
     <dgm:txPr/>
     <dgm:style>
-      <a:lnRef idx="0">
+      <a:lnRef idx="2">
         <a:scrgbClr r="0" g="0" b="0"/>
       </a:lnRef>
       <a:fillRef idx="1">
         <a:scrgbClr r="0" g="0" b="0"/>
       </a:fillRef>
-      <a:effectRef idx="1">
+      <a:effectRef idx="0">
         <a:scrgbClr r="0" g="0" b="0"/>
       </a:effectRef>
       <a:fontRef idx="minor">
@@ -7369,26 +7498,19 @@
   </dgm:styleLbl>
   <dgm:styleLbl name="node4">
     <dgm:scene3d>
-      <a:camera prst="orthographicFront">
-        <a:rot lat="0" lon="0" rev="0"/>
-      </a:camera>
-      <a:lightRig rig="contrasting" dir="t">
-        <a:rot lat="0" lon="0" rev="1200000"/>
-      </a:lightRig>
+      <a:camera prst="orthographicFront"/>
+      <a:lightRig rig="threePt" dir="t"/>
     </dgm:scene3d>
-    <dgm:sp3d contourW="19050" prstMaterial="metal">
-      <a:bevelT w="88900" h="203200"/>
-      <a:bevelB w="165100" h="254000"/>
-    </dgm:sp3d>
+    <dgm:sp3d/>
     <dgm:txPr/>
     <dgm:style>
-      <a:lnRef idx="0">
+      <a:lnRef idx="2">
         <a:scrgbClr r="0" g="0" b="0"/>
       </a:lnRef>
       <a:fillRef idx="1">
         <a:scrgbClr r="0" g="0" b="0"/>
       </a:fillRef>
-      <a:effectRef idx="1">
+      <a:effectRef idx="0">
         <a:scrgbClr r="0" g="0" b="0"/>
       </a:effectRef>
       <a:fontRef idx="minor">
@@ -7398,26 +7520,19 @@
   </dgm:styleLbl>
   <dgm:styleLbl name="fgImgPlace1">
     <dgm:scene3d>
-      <a:camera prst="orthographicFront">
-        <a:rot lat="0" lon="0" rev="0"/>
-      </a:camera>
-      <a:lightRig rig="contrasting" dir="t">
-        <a:rot lat="0" lon="0" rev="1200000"/>
-      </a:lightRig>
+      <a:camera prst="orthographicFront"/>
+      <a:lightRig rig="threePt" dir="t"/>
     </dgm:scene3d>
-    <dgm:sp3d z="300000" contourW="19050" prstMaterial="metal">
-      <a:bevelT w="88900" h="203200"/>
-      <a:bevelB w="165100" h="254000"/>
-    </dgm:sp3d>
+    <dgm:sp3d/>
     <dgm:txPr/>
     <dgm:style>
-      <a:lnRef idx="0">
+      <a:lnRef idx="2">
         <a:scrgbClr r="0" g="0" b="0"/>
       </a:lnRef>
       <a:fillRef idx="1">
         <a:scrgbClr r="0" g="0" b="0"/>
       </a:fillRef>
-      <a:effectRef idx="1">
+      <a:effectRef idx="0">
         <a:scrgbClr r="0" g="0" b="0"/>
       </a:effectRef>
       <a:fontRef idx="minor"/>
@@ -7425,26 +7540,19 @@
   </dgm:styleLbl>
   <dgm:styleLbl name="alignImgPlace1">
     <dgm:scene3d>
-      <a:camera prst="orthographicFront">
-        <a:rot lat="0" lon="0" rev="0"/>
-      </a:camera>
-      <a:lightRig rig="contrasting" dir="t">
-        <a:rot lat="0" lon="0" rev="1200000"/>
-      </a:lightRig>
+      <a:camera prst="orthographicFront"/>
+      <a:lightRig rig="threePt" dir="t"/>
     </dgm:scene3d>
-    <dgm:sp3d contourW="12700" prstMaterial="flat">
-      <a:bevelT w="177800" h="254000"/>
-      <a:bevelB w="152400"/>
-    </dgm:sp3d>
+    <dgm:sp3d/>
     <dgm:txPr/>
     <dgm:style>
-      <a:lnRef idx="0">
+      <a:lnRef idx="2">
         <a:scrgbClr r="0" g="0" b="0"/>
       </a:lnRef>
       <a:fillRef idx="1">
         <a:scrgbClr r="0" g="0" b="0"/>
       </a:fillRef>
-      <a:effectRef idx="1">
+      <a:effectRef idx="0">
         <a:scrgbClr r="0" g="0" b="0"/>
       </a:effectRef>
       <a:fontRef idx="minor"/>
@@ -7452,26 +7560,19 @@
   </dgm:styleLbl>
   <dgm:styleLbl name="bgImgPlace1">
     <dgm:scene3d>
-      <a:camera prst="orthographicFront">
-        <a:rot lat="0" lon="0" rev="0"/>
-      </a:camera>
-      <a:lightRig rig="contrasting" dir="t">
-        <a:rot lat="0" lon="0" rev="1200000"/>
-      </a:lightRig>
+      <a:camera prst="orthographicFront"/>
+      <a:lightRig rig="threePt" dir="t"/>
     </dgm:scene3d>
-    <dgm:sp3d z="-300000" contourW="19050" prstMaterial="metal">
-      <a:bevelT w="88900" h="203200"/>
-      <a:bevelB w="165100" h="254000"/>
-    </dgm:sp3d>
+    <dgm:sp3d/>
     <dgm:txPr/>
     <dgm:style>
-      <a:lnRef idx="0">
+      <a:lnRef idx="2">
         <a:scrgbClr r="0" g="0" b="0"/>
       </a:lnRef>
       <a:fillRef idx="1">
         <a:scrgbClr r="0" g="0" b="0"/>
       </a:fillRef>
-      <a:effectRef idx="1">
+      <a:effectRef idx="0">
         <a:scrgbClr r="0" g="0" b="0"/>
       </a:effectRef>
       <a:fontRef idx="minor"/>
@@ -7479,17 +7580,10 @@
   </dgm:styleLbl>
   <dgm:styleLbl name="sibTrans2D1">
     <dgm:scene3d>
-      <a:camera prst="orthographicFront">
-        <a:rot lat="0" lon="0" rev="0"/>
-      </a:camera>
-      <a:lightRig rig="contrasting" dir="t">
-        <a:rot lat="0" lon="0" rev="1200000"/>
-      </a:lightRig>
+      <a:camera prst="orthographicFront"/>
+      <a:lightRig rig="threePt" dir="t"/>
     </dgm:scene3d>
-    <dgm:sp3d z="-182000" contourW="19050" prstMaterial="metal">
-      <a:bevelT w="88900" h="203200"/>
-      <a:bevelB w="165100" h="254000"/>
-    </dgm:sp3d>
+    <dgm:sp3d/>
     <dgm:txPr/>
     <dgm:style>
       <a:lnRef idx="0">
@@ -7508,17 +7602,10 @@
   </dgm:styleLbl>
   <dgm:styleLbl name="fgSibTrans2D1">
     <dgm:scene3d>
-      <a:camera prst="orthographicFront">
-        <a:rot lat="0" lon="0" rev="0"/>
-      </a:camera>
-      <a:lightRig rig="contrasting" dir="t">
-        <a:rot lat="0" lon="0" rev="1200000"/>
-      </a:lightRig>
+      <a:camera prst="orthographicFront"/>
+      <a:lightRig rig="threePt" dir="t"/>
     </dgm:scene3d>
-    <dgm:sp3d z="300000" contourW="19050" prstMaterial="metal">
-      <a:bevelT w="88900" h="203200"/>
-      <a:bevelB w="165100" h="254000"/>
-    </dgm:sp3d>
+    <dgm:sp3d/>
     <dgm:txPr/>
     <dgm:style>
       <a:lnRef idx="0">
@@ -7530,22 +7617,17 @@
       <a:effectRef idx="0">
         <a:scrgbClr r="0" g="0" b="0"/>
       </a:effectRef>
-      <a:fontRef idx="minor"/>
+      <a:fontRef idx="minor">
+        <a:schemeClr val="lt1"/>
+      </a:fontRef>
     </dgm:style>
   </dgm:styleLbl>
   <dgm:styleLbl name="bgSibTrans2D1">
     <dgm:scene3d>
-      <a:camera prst="orthographicFront">
-        <a:rot lat="0" lon="0" rev="0"/>
-      </a:camera>
-      <a:lightRig rig="contrasting" dir="t">
-        <a:rot lat="0" lon="0" rev="1200000"/>
-      </a:lightRig>
+      <a:camera prst="orthographicFront"/>
+      <a:lightRig rig="threePt" dir="t"/>
     </dgm:scene3d>
-    <dgm:sp3d z="-300000" contourW="19050" prstMaterial="metal">
-      <a:bevelT w="88900" h="203200"/>
-      <a:bevelB w="165100" h="254000"/>
-    </dgm:sp3d>
+    <dgm:sp3d/>
     <dgm:txPr/>
     <dgm:style>
       <a:lnRef idx="0">
@@ -7557,19 +7639,17 @@
       <a:effectRef idx="0">
         <a:scrgbClr r="0" g="0" b="0"/>
       </a:effectRef>
-      <a:fontRef idx="minor"/>
+      <a:fontRef idx="minor">
+        <a:schemeClr val="lt1"/>
+      </a:fontRef>
     </dgm:style>
   </dgm:styleLbl>
   <dgm:styleLbl name="sibTrans1D1">
     <dgm:scene3d>
-      <a:camera prst="orthographicFront">
-        <a:rot lat="0" lon="0" rev="0"/>
-      </a:camera>
-      <a:lightRig rig="contrasting" dir="t">
-        <a:rot lat="0" lon="0" rev="1200000"/>
-      </a:lightRig>
+      <a:camera prst="orthographicFront"/>
+      <a:lightRig rig="threePt" dir="t"/>
     </dgm:scene3d>
-    <dgm:sp3d z="-110000"/>
+    <dgm:sp3d/>
     <dgm:txPr/>
     <dgm:style>
       <a:lnRef idx="1">
@@ -7586,14 +7666,10 @@
   </dgm:styleLbl>
   <dgm:styleLbl name="callout">
     <dgm:scene3d>
-      <a:camera prst="orthographicFront">
-        <a:rot lat="0" lon="0" rev="0"/>
-      </a:camera>
-      <a:lightRig rig="contrasting" dir="t">
-        <a:rot lat="0" lon="0" rev="1200000"/>
-      </a:lightRig>
+      <a:camera prst="orthographicFront"/>
+      <a:lightRig rig="threePt" dir="t"/>
     </dgm:scene3d>
-    <dgm:sp3d z="10000"/>
+    <dgm:sp3d/>
     <dgm:txPr/>
     <dgm:style>
       <a:lnRef idx="2">
@@ -7610,26 +7686,19 @@
   </dgm:styleLbl>
   <dgm:styleLbl name="asst0">
     <dgm:scene3d>
-      <a:camera prst="orthographicFront">
-        <a:rot lat="0" lon="0" rev="0"/>
-      </a:camera>
-      <a:lightRig rig="contrasting" dir="t">
-        <a:rot lat="0" lon="0" rev="1200000"/>
-      </a:lightRig>
+      <a:camera prst="orthographicFront"/>
+      <a:lightRig rig="threePt" dir="t"/>
     </dgm:scene3d>
-    <dgm:sp3d contourW="19050" prstMaterial="metal">
-      <a:bevelT w="88900" h="203200"/>
-      <a:bevelB w="165100" h="254000"/>
-    </dgm:sp3d>
+    <dgm:sp3d/>
     <dgm:txPr/>
     <dgm:style>
-      <a:lnRef idx="0">
+      <a:lnRef idx="2">
         <a:scrgbClr r="0" g="0" b="0"/>
       </a:lnRef>
       <a:fillRef idx="1">
         <a:scrgbClr r="0" g="0" b="0"/>
       </a:fillRef>
-      <a:effectRef idx="1">
+      <a:effectRef idx="0">
         <a:scrgbClr r="0" g="0" b="0"/>
       </a:effectRef>
       <a:fontRef idx="minor">
@@ -7639,26 +7708,19 @@
   </dgm:styleLbl>
   <dgm:styleLbl name="asst1">
     <dgm:scene3d>
-      <a:camera prst="orthographicFront">
-        <a:rot lat="0" lon="0" rev="0"/>
-      </a:camera>
-      <a:lightRig rig="contrasting" dir="t">
-        <a:rot lat="0" lon="0" rev="1200000"/>
-      </a:lightRig>
+      <a:camera prst="orthographicFront"/>
+      <a:lightRig rig="threePt" dir="t"/>
     </dgm:scene3d>
-    <dgm:sp3d contourW="19050" prstMaterial="metal">
-      <a:bevelT w="88900" h="203200"/>
-      <a:bevelB w="165100" h="254000"/>
-    </dgm:sp3d>
+    <dgm:sp3d/>
     <dgm:txPr/>
     <dgm:style>
-      <a:lnRef idx="0">
+      <a:lnRef idx="2">
         <a:scrgbClr r="0" g="0" b="0"/>
       </a:lnRef>
       <a:fillRef idx="1">
         <a:scrgbClr r="0" g="0" b="0"/>
       </a:fillRef>
-      <a:effectRef idx="1">
+      <a:effectRef idx="0">
         <a:scrgbClr r="0" g="0" b="0"/>
       </a:effectRef>
       <a:fontRef idx="minor">
@@ -7668,26 +7730,19 @@
   </dgm:styleLbl>
   <dgm:styleLbl name="asst2">
     <dgm:scene3d>
-      <a:camera prst="orthographicFront">
-        <a:rot lat="0" lon="0" rev="0"/>
-      </a:camera>
-      <a:lightRig rig="contrasting" dir="t">
-        <a:rot lat="0" lon="0" rev="1200000"/>
-      </a:lightRig>
+      <a:camera prst="orthographicFront"/>
+      <a:lightRig rig="threePt" dir="t"/>
     </dgm:scene3d>
-    <dgm:sp3d contourW="19050" prstMaterial="metal">
-      <a:bevelT w="88900" h="203200"/>
-      <a:bevelB w="165100" h="254000"/>
-    </dgm:sp3d>
+    <dgm:sp3d/>
     <dgm:txPr/>
     <dgm:style>
-      <a:lnRef idx="0">
+      <a:lnRef idx="2">
         <a:scrgbClr r="0" g="0" b="0"/>
       </a:lnRef>
       <a:fillRef idx="1">
         <a:scrgbClr r="0" g="0" b="0"/>
       </a:fillRef>
-      <a:effectRef idx="1">
+      <a:effectRef idx="0">
         <a:scrgbClr r="0" g="0" b="0"/>
       </a:effectRef>
       <a:fontRef idx="minor">
@@ -7697,26 +7752,19 @@
   </dgm:styleLbl>
   <dgm:styleLbl name="asst3">
     <dgm:scene3d>
-      <a:camera prst="orthographicFront">
-        <a:rot lat="0" lon="0" rev="0"/>
-      </a:camera>
-      <a:lightRig rig="contrasting" dir="t">
-        <a:rot lat="0" lon="0" rev="1200000"/>
-      </a:lightRig>
+      <a:camera prst="orthographicFront"/>
+      <a:lightRig rig="threePt" dir="t"/>
     </dgm:scene3d>
-    <dgm:sp3d contourW="19050" prstMaterial="metal">
-      <a:bevelT w="88900" h="203200"/>
-      <a:bevelB w="165100" h="254000"/>
-    </dgm:sp3d>
+    <dgm:sp3d/>
     <dgm:txPr/>
     <dgm:style>
-      <a:lnRef idx="0">
+      <a:lnRef idx="2">
         <a:scrgbClr r="0" g="0" b="0"/>
       </a:lnRef>
       <a:fillRef idx="1">
         <a:scrgbClr r="0" g="0" b="0"/>
       </a:fillRef>
-      <a:effectRef idx="1">
+      <a:effectRef idx="0">
         <a:scrgbClr r="0" g="0" b="0"/>
       </a:effectRef>
       <a:fontRef idx="minor">
@@ -7729,19 +7777,16 @@
       <a:camera prst="orthographicFront"/>
       <a:lightRig rig="threePt" dir="t"/>
     </dgm:scene3d>
-    <dgm:sp3d contourW="19050" prstMaterial="metal">
-      <a:bevelT w="88900" h="203200"/>
-      <a:bevelB w="165100" h="254000"/>
-    </dgm:sp3d>
+    <dgm:sp3d/>
     <dgm:txPr/>
     <dgm:style>
-      <a:lnRef idx="0">
+      <a:lnRef idx="2">
         <a:scrgbClr r="0" g="0" b="0"/>
       </a:lnRef>
       <a:fillRef idx="1">
         <a:scrgbClr r="0" g="0" b="0"/>
       </a:fillRef>
-      <a:effectRef idx="1">
+      <a:effectRef idx="0">
         <a:scrgbClr r="0" g="0" b="0"/>
       </a:effectRef>
       <a:fontRef idx="minor">
@@ -7751,20 +7796,13 @@
   </dgm:styleLbl>
   <dgm:styleLbl name="parChTrans2D1">
     <dgm:scene3d>
-      <a:camera prst="orthographicFront">
-        <a:rot lat="0" lon="0" rev="0"/>
-      </a:camera>
-      <a:lightRig rig="contrasting" dir="t">
-        <a:rot lat="0" lon="0" rev="1200000"/>
-      </a:lightRig>
+      <a:camera prst="orthographicFront"/>
+      <a:lightRig rig="threePt" dir="t"/>
     </dgm:scene3d>
-    <dgm:sp3d contourW="19050" prstMaterial="metal">
-      <a:bevelT w="88900" h="203200"/>
-      <a:bevelB w="165100" h="254000"/>
-    </dgm:sp3d>
+    <dgm:sp3d/>
     <dgm:txPr/>
     <dgm:style>
-      <a:lnRef idx="0">
+      <a:lnRef idx="2">
         <a:scrgbClr r="0" g="0" b="0"/>
       </a:lnRef>
       <a:fillRef idx="1">
@@ -7773,25 +7811,20 @@
       <a:effectRef idx="0">
         <a:scrgbClr r="0" g="0" b="0"/>
       </a:effectRef>
-      <a:fontRef idx="minor"/>
+      <a:fontRef idx="minor">
+        <a:schemeClr val="lt1"/>
+      </a:fontRef>
     </dgm:style>
   </dgm:styleLbl>
   <dgm:styleLbl name="parChTrans2D2">
     <dgm:scene3d>
-      <a:camera prst="orthographicFront">
-        <a:rot lat="0" lon="0" rev="0"/>
-      </a:camera>
-      <a:lightRig rig="contrasting" dir="t">
-        <a:rot lat="0" lon="0" rev="1200000"/>
-      </a:lightRig>
+      <a:camera prst="orthographicFront"/>
+      <a:lightRig rig="threePt" dir="t"/>
     </dgm:scene3d>
-    <dgm:sp3d contourW="19050" prstMaterial="metal">
-      <a:bevelT w="88900" h="203200"/>
-      <a:bevelB w="165100" h="254000"/>
-    </dgm:sp3d>
+    <dgm:sp3d/>
     <dgm:txPr/>
     <dgm:style>
-      <a:lnRef idx="0">
+      <a:lnRef idx="2">
         <a:scrgbClr r="0" g="0" b="0"/>
       </a:lnRef>
       <a:fillRef idx="1">
@@ -7800,25 +7833,20 @@
       <a:effectRef idx="0">
         <a:scrgbClr r="0" g="0" b="0"/>
       </a:effectRef>
-      <a:fontRef idx="minor"/>
+      <a:fontRef idx="minor">
+        <a:schemeClr val="lt1"/>
+      </a:fontRef>
     </dgm:style>
   </dgm:styleLbl>
   <dgm:styleLbl name="parChTrans2D3">
     <dgm:scene3d>
-      <a:camera prst="orthographicFront">
-        <a:rot lat="0" lon="0" rev="0"/>
-      </a:camera>
-      <a:lightRig rig="contrasting" dir="t">
-        <a:rot lat="0" lon="0" rev="1200000"/>
-      </a:lightRig>
+      <a:camera prst="orthographicFront"/>
+      <a:lightRig rig="threePt" dir="t"/>
     </dgm:scene3d>
-    <dgm:sp3d contourW="19050" prstMaterial="metal">
-      <a:bevelT w="88900" h="203200"/>
-      <a:bevelB w="165100" h="254000"/>
-    </dgm:sp3d>
+    <dgm:sp3d/>
     <dgm:txPr/>
     <dgm:style>
-      <a:lnRef idx="0">
+      <a:lnRef idx="2">
         <a:scrgbClr r="0" g="0" b="0"/>
       </a:lnRef>
       <a:fillRef idx="1">
@@ -7827,25 +7855,20 @@
       <a:effectRef idx="0">
         <a:scrgbClr r="0" g="0" b="0"/>
       </a:effectRef>
-      <a:fontRef idx="minor"/>
+      <a:fontRef idx="minor">
+        <a:schemeClr val="lt1"/>
+      </a:fontRef>
     </dgm:style>
   </dgm:styleLbl>
   <dgm:styleLbl name="parChTrans2D4">
     <dgm:scene3d>
-      <a:camera prst="orthographicFront">
-        <a:rot lat="0" lon="0" rev="0"/>
-      </a:camera>
-      <a:lightRig rig="contrasting" dir="t">
-        <a:rot lat="0" lon="0" rev="1200000"/>
-      </a:lightRig>
+      <a:camera prst="orthographicFront"/>
+      <a:lightRig rig="threePt" dir="t"/>
     </dgm:scene3d>
-    <dgm:sp3d contourW="19050" prstMaterial="metal">
-      <a:bevelT w="88900" h="203200"/>
-      <a:bevelB w="165100" h="254000"/>
-    </dgm:sp3d>
+    <dgm:sp3d/>
     <dgm:txPr/>
     <dgm:style>
-      <a:lnRef idx="0">
+      <a:lnRef idx="2">
         <a:scrgbClr r="0" g="0" b="0"/>
       </a:lnRef>
       <a:fillRef idx="1">
@@ -7854,19 +7877,17 @@
       <a:effectRef idx="0">
         <a:scrgbClr r="0" g="0" b="0"/>
       </a:effectRef>
-      <a:fontRef idx="minor"/>
+      <a:fontRef idx="minor">
+        <a:schemeClr val="lt1"/>
+      </a:fontRef>
     </dgm:style>
   </dgm:styleLbl>
   <dgm:styleLbl name="parChTrans1D1">
     <dgm:scene3d>
-      <a:camera prst="orthographicFront">
-        <a:rot lat="0" lon="0" rev="0"/>
-      </a:camera>
-      <a:lightRig rig="contrasting" dir="t">
-        <a:rot lat="0" lon="0" rev="1200000"/>
-      </a:lightRig>
+      <a:camera prst="orthographicFront"/>
+      <a:lightRig rig="threePt" dir="t"/>
     </dgm:scene3d>
-    <dgm:sp3d z="-110000"/>
+    <dgm:sp3d/>
     <dgm:txPr/>
     <dgm:style>
       <a:lnRef idx="2">
@@ -7883,14 +7904,10 @@
   </dgm:styleLbl>
   <dgm:styleLbl name="parChTrans1D2">
     <dgm:scene3d>
-      <a:camera prst="orthographicFront">
-        <a:rot lat="0" lon="0" rev="0"/>
-      </a:camera>
-      <a:lightRig rig="contrasting" dir="t">
-        <a:rot lat="0" lon="0" rev="1200000"/>
-      </a:lightRig>
+      <a:camera prst="orthographicFront"/>
+      <a:lightRig rig="threePt" dir="t"/>
     </dgm:scene3d>
-    <dgm:sp3d z="-110000"/>
+    <dgm:sp3d/>
     <dgm:txPr/>
     <dgm:style>
       <a:lnRef idx="2">
@@ -7907,14 +7924,10 @@
   </dgm:styleLbl>
   <dgm:styleLbl name="parChTrans1D3">
     <dgm:scene3d>
-      <a:camera prst="orthographicFront">
-        <a:rot lat="0" lon="0" rev="0"/>
-      </a:camera>
-      <a:lightRig rig="contrasting" dir="t">
-        <a:rot lat="0" lon="0" rev="1200000"/>
-      </a:lightRig>
+      <a:camera prst="orthographicFront"/>
+      <a:lightRig rig="threePt" dir="t"/>
     </dgm:scene3d>
-    <dgm:sp3d z="-110000"/>
+    <dgm:sp3d/>
     <dgm:txPr/>
     <dgm:style>
       <a:lnRef idx="2">
@@ -7931,14 +7944,10 @@
   </dgm:styleLbl>
   <dgm:styleLbl name="parChTrans1D4">
     <dgm:scene3d>
-      <a:camera prst="orthographicFront">
-        <a:rot lat="0" lon="0" rev="0"/>
-      </a:camera>
-      <a:lightRig rig="contrasting" dir="t">
-        <a:rot lat="0" lon="0" rev="1200000"/>
-      </a:lightRig>
+      <a:camera prst="orthographicFront"/>
+      <a:lightRig rig="threePt" dir="t"/>
     </dgm:scene3d>
-    <dgm:sp3d z="-110000"/>
+    <dgm:sp3d/>
     <dgm:txPr/>
     <dgm:style>
       <a:lnRef idx="2">
@@ -7955,17 +7964,310 @@
   </dgm:styleLbl>
   <dgm:styleLbl name="fgAcc1">
     <dgm:scene3d>
-      <a:camera prst="orthographicFront">
-        <a:rot lat="0" lon="0" rev="0"/>
-      </a:camera>
-      <a:lightRig rig="contrasting" dir="t">
-        <a:rot lat="0" lon="0" rev="1200000"/>
-      </a:lightRig>
+      <a:camera prst="orthographicFront"/>
+      <a:lightRig rig="threePt" dir="t"/>
     </dgm:scene3d>
-    <dgm:sp3d z="300000" contourW="19050" prstMaterial="metal">
-      <a:bevelT w="88900" h="203200"/>
-      <a:bevelB w="165100" h="254000"/>
-    </dgm:sp3d>
+    <dgm:sp3d/>
+    <dgm:txPr/>
+    <dgm:style>
+      <a:lnRef idx="2">
+        <a:scrgbClr r="0" g="0" b="0"/>
+      </a:lnRef>
+      <a:fillRef idx="1">
+        <a:scrgbClr r="0" g="0" b="0"/>
+      </a:fillRef>
+      <a:effectRef idx="0">
+        <a:scrgbClr r="0" g="0" b="0"/>
+      </a:effectRef>
+      <a:fontRef idx="minor"/>
+    </dgm:style>
+  </dgm:styleLbl>
+  <dgm:styleLbl name="conFgAcc1">
+    <dgm:scene3d>
+      <a:camera prst="orthographicFront"/>
+      <a:lightRig rig="threePt" dir="t"/>
+    </dgm:scene3d>
+    <dgm:sp3d/>
+    <dgm:txPr/>
+    <dgm:style>
+      <a:lnRef idx="2">
+        <a:scrgbClr r="0" g="0" b="0"/>
+      </a:lnRef>
+      <a:fillRef idx="1">
+        <a:scrgbClr r="0" g="0" b="0"/>
+      </a:fillRef>
+      <a:effectRef idx="0">
+        <a:scrgbClr r="0" g="0" b="0"/>
+      </a:effectRef>
+      <a:fontRef idx="minor"/>
+    </dgm:style>
+  </dgm:styleLbl>
+  <dgm:styleLbl name="alignAcc1">
+    <dgm:scene3d>
+      <a:camera prst="orthographicFront"/>
+      <a:lightRig rig="threePt" dir="t"/>
+    </dgm:scene3d>
+    <dgm:sp3d/>
+    <dgm:txPr/>
+    <dgm:style>
+      <a:lnRef idx="2">
+        <a:scrgbClr r="0" g="0" b="0"/>
+      </a:lnRef>
+      <a:fillRef idx="1">
+        <a:scrgbClr r="0" g="0" b="0"/>
+      </a:fillRef>
+      <a:effectRef idx="0">
+        <a:scrgbClr r="0" g="0" b="0"/>
+      </a:effectRef>
+      <a:fontRef idx="minor"/>
+    </dgm:style>
+  </dgm:styleLbl>
+  <dgm:styleLbl name="trAlignAcc1">
+    <dgm:scene3d>
+      <a:camera prst="orthographicFront"/>
+      <a:lightRig rig="threePt" dir="t"/>
+    </dgm:scene3d>
+    <dgm:sp3d/>
+    <dgm:txPr/>
+    <dgm:style>
+      <a:lnRef idx="1">
+        <a:scrgbClr r="0" g="0" b="0"/>
+      </a:lnRef>
+      <a:fillRef idx="1">
+        <a:scrgbClr r="0" g="0" b="0"/>
+      </a:fillRef>
+      <a:effectRef idx="0">
+        <a:scrgbClr r="0" g="0" b="0"/>
+      </a:effectRef>
+      <a:fontRef idx="minor"/>
+    </dgm:style>
+  </dgm:styleLbl>
+  <dgm:styleLbl name="bgAcc1">
+    <dgm:scene3d>
+      <a:camera prst="orthographicFront"/>
+      <a:lightRig rig="threePt" dir="t"/>
+    </dgm:scene3d>
+    <dgm:sp3d/>
+    <dgm:txPr/>
+    <dgm:style>
+      <a:lnRef idx="2">
+        <a:scrgbClr r="0" g="0" b="0"/>
+      </a:lnRef>
+      <a:fillRef idx="1">
+        <a:scrgbClr r="0" g="0" b="0"/>
+      </a:fillRef>
+      <a:effectRef idx="0">
+        <a:scrgbClr r="0" g="0" b="0"/>
+      </a:effectRef>
+      <a:fontRef idx="minor"/>
+    </dgm:style>
+  </dgm:styleLbl>
+  <dgm:styleLbl name="solidFgAcc1">
+    <dgm:scene3d>
+      <a:camera prst="orthographicFront"/>
+      <a:lightRig rig="threePt" dir="t"/>
+    </dgm:scene3d>
+    <dgm:sp3d/>
+    <dgm:txPr/>
+    <dgm:style>
+      <a:lnRef idx="2">
+        <a:scrgbClr r="0" g="0" b="0"/>
+      </a:lnRef>
+      <a:fillRef idx="1">
+        <a:scrgbClr r="0" g="0" b="0"/>
+      </a:fillRef>
+      <a:effectRef idx="0">
+        <a:scrgbClr r="0" g="0" b="0"/>
+      </a:effectRef>
+      <a:fontRef idx="minor"/>
+    </dgm:style>
+  </dgm:styleLbl>
+  <dgm:styleLbl name="solidAlignAcc1">
+    <dgm:scene3d>
+      <a:camera prst="orthographicFront"/>
+      <a:lightRig rig="threePt" dir="t"/>
+    </dgm:scene3d>
+    <dgm:sp3d/>
+    <dgm:txPr/>
+    <dgm:style>
+      <a:lnRef idx="2">
+        <a:scrgbClr r="0" g="0" b="0"/>
+      </a:lnRef>
+      <a:fillRef idx="1">
+        <a:scrgbClr r="0" g="0" b="0"/>
+      </a:fillRef>
+      <a:effectRef idx="0">
+        <a:scrgbClr r="0" g="0" b="0"/>
+      </a:effectRef>
+      <a:fontRef idx="minor"/>
+    </dgm:style>
+  </dgm:styleLbl>
+  <dgm:styleLbl name="solidBgAcc1">
+    <dgm:scene3d>
+      <a:camera prst="orthographicFront"/>
+      <a:lightRig rig="threePt" dir="t"/>
+    </dgm:scene3d>
+    <dgm:sp3d/>
+    <dgm:txPr/>
+    <dgm:style>
+      <a:lnRef idx="2">
+        <a:scrgbClr r="0" g="0" b="0"/>
+      </a:lnRef>
+      <a:fillRef idx="1">
+        <a:scrgbClr r="0" g="0" b="0"/>
+      </a:fillRef>
+      <a:effectRef idx="0">
+        <a:scrgbClr r="0" g="0" b="0"/>
+      </a:effectRef>
+      <a:fontRef idx="minor"/>
+    </dgm:style>
+  </dgm:styleLbl>
+  <dgm:styleLbl name="fgAccFollowNode1">
+    <dgm:scene3d>
+      <a:camera prst="orthographicFront"/>
+      <a:lightRig rig="threePt" dir="t"/>
+    </dgm:scene3d>
+    <dgm:sp3d/>
+    <dgm:txPr/>
+    <dgm:style>
+      <a:lnRef idx="2">
+        <a:scrgbClr r="0" g="0" b="0"/>
+      </a:lnRef>
+      <a:fillRef idx="1">
+        <a:scrgbClr r="0" g="0" b="0"/>
+      </a:fillRef>
+      <a:effectRef idx="0">
+        <a:scrgbClr r="0" g="0" b="0"/>
+      </a:effectRef>
+      <a:fontRef idx="minor"/>
+    </dgm:style>
+  </dgm:styleLbl>
+  <dgm:styleLbl name="alignAccFollowNode1">
+    <dgm:scene3d>
+      <a:camera prst="orthographicFront"/>
+      <a:lightRig rig="threePt" dir="t"/>
+    </dgm:scene3d>
+    <dgm:sp3d/>
+    <dgm:txPr/>
+    <dgm:style>
+      <a:lnRef idx="2">
+        <a:scrgbClr r="0" g="0" b="0"/>
+      </a:lnRef>
+      <a:fillRef idx="1">
+        <a:scrgbClr r="0" g="0" b="0"/>
+      </a:fillRef>
+      <a:effectRef idx="0">
+        <a:scrgbClr r="0" g="0" b="0"/>
+      </a:effectRef>
+      <a:fontRef idx="minor"/>
+    </dgm:style>
+  </dgm:styleLbl>
+  <dgm:styleLbl name="bgAccFollowNode1">
+    <dgm:scene3d>
+      <a:camera prst="orthographicFront"/>
+      <a:lightRig rig="threePt" dir="t"/>
+    </dgm:scene3d>
+    <dgm:sp3d/>
+    <dgm:txPr/>
+    <dgm:style>
+      <a:lnRef idx="2">
+        <a:scrgbClr r="0" g="0" b="0"/>
+      </a:lnRef>
+      <a:fillRef idx="1">
+        <a:scrgbClr r="0" g="0" b="0"/>
+      </a:fillRef>
+      <a:effectRef idx="0">
+        <a:scrgbClr r="0" g="0" b="0"/>
+      </a:effectRef>
+      <a:fontRef idx="minor"/>
+    </dgm:style>
+  </dgm:styleLbl>
+  <dgm:styleLbl name="fgAcc0">
+    <dgm:scene3d>
+      <a:camera prst="orthographicFront"/>
+      <a:lightRig rig="threePt" dir="t"/>
+    </dgm:scene3d>
+    <dgm:sp3d/>
+    <dgm:txPr/>
+    <dgm:style>
+      <a:lnRef idx="2">
+        <a:scrgbClr r="0" g="0" b="0"/>
+      </a:lnRef>
+      <a:fillRef idx="1">
+        <a:scrgbClr r="0" g="0" b="0"/>
+      </a:fillRef>
+      <a:effectRef idx="0">
+        <a:scrgbClr r="0" g="0" b="0"/>
+      </a:effectRef>
+      <a:fontRef idx="minor"/>
+    </dgm:style>
+  </dgm:styleLbl>
+  <dgm:styleLbl name="fgAcc2">
+    <dgm:scene3d>
+      <a:camera prst="orthographicFront"/>
+      <a:lightRig rig="threePt" dir="t"/>
+    </dgm:scene3d>
+    <dgm:sp3d/>
+    <dgm:txPr/>
+    <dgm:style>
+      <a:lnRef idx="2">
+        <a:scrgbClr r="0" g="0" b="0"/>
+      </a:lnRef>
+      <a:fillRef idx="1">
+        <a:scrgbClr r="0" g="0" b="0"/>
+      </a:fillRef>
+      <a:effectRef idx="0">
+        <a:scrgbClr r="0" g="0" b="0"/>
+      </a:effectRef>
+      <a:fontRef idx="minor"/>
+    </dgm:style>
+  </dgm:styleLbl>
+  <dgm:styleLbl name="fgAcc3">
+    <dgm:scene3d>
+      <a:camera prst="orthographicFront"/>
+      <a:lightRig rig="threePt" dir="t"/>
+    </dgm:scene3d>
+    <dgm:sp3d/>
+    <dgm:txPr/>
+    <dgm:style>
+      <a:lnRef idx="2">
+        <a:scrgbClr r="0" g="0" b="0"/>
+      </a:lnRef>
+      <a:fillRef idx="1">
+        <a:scrgbClr r="0" g="0" b="0"/>
+      </a:fillRef>
+      <a:effectRef idx="0">
+        <a:scrgbClr r="0" g="0" b="0"/>
+      </a:effectRef>
+      <a:fontRef idx="minor"/>
+    </dgm:style>
+  </dgm:styleLbl>
+  <dgm:styleLbl name="fgAcc4">
+    <dgm:scene3d>
+      <a:camera prst="orthographicFront"/>
+      <a:lightRig rig="threePt" dir="t"/>
+    </dgm:scene3d>
+    <dgm:sp3d/>
+    <dgm:txPr/>
+    <dgm:style>
+      <a:lnRef idx="2">
+        <a:scrgbClr r="0" g="0" b="0"/>
+      </a:lnRef>
+      <a:fillRef idx="1">
+        <a:scrgbClr r="0" g="0" b="0"/>
+      </a:fillRef>
+      <a:effectRef idx="0">
+        <a:scrgbClr r="0" g="0" b="0"/>
+      </a:effectRef>
+      <a:fontRef idx="minor"/>
+    </dgm:style>
+  </dgm:styleLbl>
+  <dgm:styleLbl name="bgShp">
+    <dgm:scene3d>
+      <a:camera prst="orthographicFront"/>
+      <a:lightRig rig="threePt" dir="t"/>
+    </dgm:scene3d>
+    <dgm:sp3d/>
     <dgm:txPr/>
     <dgm:style>
       <a:lnRef idx="0">
@@ -7980,421 +8282,12 @@
       <a:fontRef idx="minor"/>
     </dgm:style>
   </dgm:styleLbl>
-  <dgm:styleLbl name="conFgAcc1">
-    <dgm:scene3d>
-      <a:camera prst="orthographicFront">
-        <a:rot lat="0" lon="0" rev="0"/>
-      </a:camera>
-      <a:lightRig rig="contrasting" dir="t">
-        <a:rot lat="0" lon="0" rev="1200000"/>
-      </a:lightRig>
-    </dgm:scene3d>
-    <dgm:sp3d z="300000" contourW="19050" prstMaterial="metal">
-      <a:bevelT w="88900" h="203200"/>
-      <a:bevelB w="165100" h="254000"/>
-    </dgm:sp3d>
-    <dgm:txPr/>
-    <dgm:style>
-      <a:lnRef idx="0">
-        <a:scrgbClr r="0" g="0" b="0"/>
-      </a:lnRef>
-      <a:fillRef idx="1">
-        <a:scrgbClr r="0" g="0" b="0"/>
-      </a:fillRef>
-      <a:effectRef idx="0">
-        <a:scrgbClr r="0" g="0" b="0"/>
-      </a:effectRef>
-      <a:fontRef idx="minor"/>
-    </dgm:style>
-  </dgm:styleLbl>
-  <dgm:styleLbl name="alignAcc1">
-    <dgm:scene3d>
-      <a:camera prst="orthographicFront">
-        <a:rot lat="0" lon="0" rev="0"/>
-      </a:camera>
-      <a:lightRig rig="contrasting" dir="t">
-        <a:rot lat="0" lon="0" rev="1200000"/>
-      </a:lightRig>
-    </dgm:scene3d>
-    <dgm:sp3d contourW="19050" prstMaterial="metal">
-      <a:bevelT w="88900" h="203200"/>
-      <a:bevelB w="165100" h="254000"/>
-    </dgm:sp3d>
-    <dgm:txPr/>
-    <dgm:style>
-      <a:lnRef idx="0">
-        <a:scrgbClr r="0" g="0" b="0"/>
-      </a:lnRef>
-      <a:fillRef idx="1">
-        <a:scrgbClr r="0" g="0" b="0"/>
-      </a:fillRef>
-      <a:effectRef idx="0">
-        <a:scrgbClr r="0" g="0" b="0"/>
-      </a:effectRef>
-      <a:fontRef idx="minor"/>
-    </dgm:style>
-  </dgm:styleLbl>
-  <dgm:styleLbl name="trAlignAcc1">
-    <dgm:scene3d>
-      <a:camera prst="orthographicFront">
-        <a:rot lat="0" lon="0" rev="0"/>
-      </a:camera>
-      <a:lightRig rig="contrasting" dir="t">
-        <a:rot lat="0" lon="0" rev="1200000"/>
-      </a:lightRig>
-    </dgm:scene3d>
-    <dgm:sp3d contourW="19050" prstMaterial="metal">
-      <a:bevelT w="88900" h="203200"/>
-      <a:bevelB w="165100" h="254000"/>
-    </dgm:sp3d>
-    <dgm:txPr/>
-    <dgm:style>
-      <a:lnRef idx="0">
-        <a:scrgbClr r="0" g="0" b="0"/>
-      </a:lnRef>
-      <a:fillRef idx="1">
-        <a:scrgbClr r="0" g="0" b="0"/>
-      </a:fillRef>
-      <a:effectRef idx="1">
-        <a:scrgbClr r="0" g="0" b="0"/>
-      </a:effectRef>
-      <a:fontRef idx="minor"/>
-    </dgm:style>
-  </dgm:styleLbl>
-  <dgm:styleLbl name="bgAcc1">
-    <dgm:scene3d>
-      <a:camera prst="orthographicFront">
-        <a:rot lat="0" lon="0" rev="0"/>
-      </a:camera>
-      <a:lightRig rig="contrasting" dir="t">
-        <a:rot lat="0" lon="0" rev="1200000"/>
-      </a:lightRig>
-    </dgm:scene3d>
-    <dgm:sp3d z="-300000" contourW="19050" prstMaterial="metal">
-      <a:bevelT w="88900" h="203200"/>
-      <a:bevelB w="165100" h="254000"/>
-    </dgm:sp3d>
-    <dgm:txPr/>
-    <dgm:style>
-      <a:lnRef idx="0">
-        <a:scrgbClr r="0" g="0" b="0"/>
-      </a:lnRef>
-      <a:fillRef idx="1">
-        <a:scrgbClr r="0" g="0" b="0"/>
-      </a:fillRef>
-      <a:effectRef idx="0">
-        <a:scrgbClr r="0" g="0" b="0"/>
-      </a:effectRef>
-      <a:fontRef idx="minor"/>
-    </dgm:style>
-  </dgm:styleLbl>
-  <dgm:styleLbl name="solidFgAcc1">
-    <dgm:scene3d>
-      <a:camera prst="orthographicFront">
-        <a:rot lat="0" lon="0" rev="0"/>
-      </a:camera>
-      <a:lightRig rig="contrasting" dir="t">
-        <a:rot lat="0" lon="0" rev="1200000"/>
-      </a:lightRig>
-    </dgm:scene3d>
-    <dgm:sp3d z="300000" contourW="12700" prstMaterial="flat">
-      <a:bevelT w="177800" h="254000"/>
-      <a:bevelB w="152400"/>
-    </dgm:sp3d>
-    <dgm:txPr/>
-    <dgm:style>
-      <a:lnRef idx="0">
-        <a:scrgbClr r="0" g="0" b="0"/>
-      </a:lnRef>
-      <a:fillRef idx="1">
-        <a:scrgbClr r="0" g="0" b="0"/>
-      </a:fillRef>
-      <a:effectRef idx="0">
-        <a:scrgbClr r="0" g="0" b="0"/>
-      </a:effectRef>
-      <a:fontRef idx="minor"/>
-    </dgm:style>
-  </dgm:styleLbl>
-  <dgm:styleLbl name="solidAlignAcc1">
-    <dgm:scene3d>
-      <a:camera prst="orthographicFront">
-        <a:rot lat="0" lon="0" rev="0"/>
-      </a:camera>
-      <a:lightRig rig="contrasting" dir="t">
-        <a:rot lat="0" lon="0" rev="1200000"/>
-      </a:lightRig>
-    </dgm:scene3d>
-    <dgm:sp3d contourW="19050" prstMaterial="metal">
-      <a:bevelT w="88900" h="203200"/>
-      <a:bevelB w="165100" h="254000"/>
-    </dgm:sp3d>
-    <dgm:txPr/>
-    <dgm:style>
-      <a:lnRef idx="0">
-        <a:scrgbClr r="0" g="0" b="0"/>
-      </a:lnRef>
-      <a:fillRef idx="1">
-        <a:scrgbClr r="0" g="0" b="0"/>
-      </a:fillRef>
-      <a:effectRef idx="0">
-        <a:scrgbClr r="0" g="0" b="0"/>
-      </a:effectRef>
-      <a:fontRef idx="minor"/>
-    </dgm:style>
-  </dgm:styleLbl>
-  <dgm:styleLbl name="solidBgAcc1">
-    <dgm:scene3d>
-      <a:camera prst="orthographicFront">
-        <a:rot lat="0" lon="0" rev="0"/>
-      </a:camera>
-      <a:lightRig rig="contrasting" dir="t">
-        <a:rot lat="0" lon="0" rev="1200000"/>
-      </a:lightRig>
-    </dgm:scene3d>
-    <dgm:sp3d z="-300000" contourW="19050" prstMaterial="metal">
-      <a:bevelT w="88900" h="203200"/>
-      <a:bevelB w="165100" h="254000"/>
-    </dgm:sp3d>
-    <dgm:txPr/>
-    <dgm:style>
-      <a:lnRef idx="0">
-        <a:scrgbClr r="0" g="0" b="0"/>
-      </a:lnRef>
-      <a:fillRef idx="1">
-        <a:scrgbClr r="0" g="0" b="0"/>
-      </a:fillRef>
-      <a:effectRef idx="0">
-        <a:scrgbClr r="0" g="0" b="0"/>
-      </a:effectRef>
-      <a:fontRef idx="minor"/>
-    </dgm:style>
-  </dgm:styleLbl>
-  <dgm:styleLbl name="fgAccFollowNode1">
-    <dgm:scene3d>
-      <a:camera prst="orthographicFront">
-        <a:rot lat="0" lon="0" rev="0"/>
-      </a:camera>
-      <a:lightRig rig="contrasting" dir="t">
-        <a:rot lat="0" lon="0" rev="1200000"/>
-      </a:lightRig>
-    </dgm:scene3d>
-    <dgm:sp3d z="300000" contourW="19050" prstMaterial="metal">
-      <a:bevelT w="88900" h="203200"/>
-      <a:bevelB w="165100" h="254000"/>
-    </dgm:sp3d>
-    <dgm:txPr/>
-    <dgm:style>
-      <a:lnRef idx="0">
-        <a:scrgbClr r="0" g="0" b="0"/>
-      </a:lnRef>
-      <a:fillRef idx="1">
-        <a:scrgbClr r="0" g="0" b="0"/>
-      </a:fillRef>
-      <a:effectRef idx="0">
-        <a:scrgbClr r="0" g="0" b="0"/>
-      </a:effectRef>
-      <a:fontRef idx="minor"/>
-    </dgm:style>
-  </dgm:styleLbl>
-  <dgm:styleLbl name="alignAccFollowNode1">
-    <dgm:scene3d>
-      <a:camera prst="orthographicFront">
-        <a:rot lat="0" lon="0" rev="0"/>
-      </a:camera>
-      <a:lightRig rig="contrasting" dir="t">
-        <a:rot lat="0" lon="0" rev="1200000"/>
-      </a:lightRig>
-    </dgm:scene3d>
-    <dgm:sp3d contourW="19050" prstMaterial="metal">
-      <a:bevelT w="88900" h="203200"/>
-      <a:bevelB w="165100" h="254000"/>
-    </dgm:sp3d>
-    <dgm:txPr/>
-    <dgm:style>
-      <a:lnRef idx="0">
-        <a:scrgbClr r="0" g="0" b="0"/>
-      </a:lnRef>
-      <a:fillRef idx="1">
-        <a:scrgbClr r="0" g="0" b="0"/>
-      </a:fillRef>
-      <a:effectRef idx="0">
-        <a:scrgbClr r="0" g="0" b="0"/>
-      </a:effectRef>
-      <a:fontRef idx="minor"/>
-    </dgm:style>
-  </dgm:styleLbl>
-  <dgm:styleLbl name="bgAccFollowNode1">
-    <dgm:scene3d>
-      <a:camera prst="orthographicFront">
-        <a:rot lat="0" lon="0" rev="0"/>
-      </a:camera>
-      <a:lightRig rig="contrasting" dir="t">
-        <a:rot lat="0" lon="0" rev="1200000"/>
-      </a:lightRig>
-    </dgm:scene3d>
-    <dgm:sp3d z="-300000" contourW="19050" prstMaterial="metal">
-      <a:bevelT w="88900" h="203200"/>
-      <a:bevelB w="165100" h="254000"/>
-    </dgm:sp3d>
-    <dgm:txPr/>
-    <dgm:style>
-      <a:lnRef idx="0">
-        <a:scrgbClr r="0" g="0" b="0"/>
-      </a:lnRef>
-      <a:fillRef idx="1">
-        <a:scrgbClr r="0" g="0" b="0"/>
-      </a:fillRef>
-      <a:effectRef idx="0">
-        <a:scrgbClr r="0" g="0" b="0"/>
-      </a:effectRef>
-      <a:fontRef idx="minor"/>
-    </dgm:style>
-  </dgm:styleLbl>
-  <dgm:styleLbl name="fgAcc0">
-    <dgm:scene3d>
-      <a:camera prst="orthographicFront">
-        <a:rot lat="0" lon="0" rev="0"/>
-      </a:camera>
-      <a:lightRig rig="contrasting" dir="t">
-        <a:rot lat="0" lon="0" rev="1200000"/>
-      </a:lightRig>
-    </dgm:scene3d>
-    <dgm:sp3d z="300000" contourW="19050" prstMaterial="metal">
-      <a:bevelT w="88900" h="203200"/>
-      <a:bevelB w="165100" h="254000"/>
-    </dgm:sp3d>
-    <dgm:txPr/>
-    <dgm:style>
-      <a:lnRef idx="0">
-        <a:scrgbClr r="0" g="0" b="0"/>
-      </a:lnRef>
-      <a:fillRef idx="1">
-        <a:scrgbClr r="0" g="0" b="0"/>
-      </a:fillRef>
-      <a:effectRef idx="0">
-        <a:scrgbClr r="0" g="0" b="0"/>
-      </a:effectRef>
-      <a:fontRef idx="minor"/>
-    </dgm:style>
-  </dgm:styleLbl>
-  <dgm:styleLbl name="fgAcc2">
-    <dgm:scene3d>
-      <a:camera prst="orthographicFront">
-        <a:rot lat="0" lon="0" rev="0"/>
-      </a:camera>
-      <a:lightRig rig="contrasting" dir="t">
-        <a:rot lat="0" lon="0" rev="1200000"/>
-      </a:lightRig>
-    </dgm:scene3d>
-    <dgm:sp3d z="300000" contourW="19050" prstMaterial="metal">
-      <a:bevelT w="88900" h="203200"/>
-      <a:bevelB w="165100" h="254000"/>
-    </dgm:sp3d>
-    <dgm:txPr/>
-    <dgm:style>
-      <a:lnRef idx="0">
-        <a:scrgbClr r="0" g="0" b="0"/>
-      </a:lnRef>
-      <a:fillRef idx="1">
-        <a:scrgbClr r="0" g="0" b="0"/>
-      </a:fillRef>
-      <a:effectRef idx="0">
-        <a:scrgbClr r="0" g="0" b="0"/>
-      </a:effectRef>
-      <a:fontRef idx="minor"/>
-    </dgm:style>
-  </dgm:styleLbl>
-  <dgm:styleLbl name="fgAcc3">
-    <dgm:scene3d>
-      <a:camera prst="orthographicFront">
-        <a:rot lat="0" lon="0" rev="0"/>
-      </a:camera>
-      <a:lightRig rig="contrasting" dir="t">
-        <a:rot lat="0" lon="0" rev="1200000"/>
-      </a:lightRig>
-    </dgm:scene3d>
-    <dgm:sp3d z="300000" contourW="19050" prstMaterial="metal">
-      <a:bevelT w="88900" h="203200"/>
-      <a:bevelB w="165100" h="254000"/>
-    </dgm:sp3d>
-    <dgm:txPr/>
-    <dgm:style>
-      <a:lnRef idx="0">
-        <a:scrgbClr r="0" g="0" b="0"/>
-      </a:lnRef>
-      <a:fillRef idx="1">
-        <a:scrgbClr r="0" g="0" b="0"/>
-      </a:fillRef>
-      <a:effectRef idx="0">
-        <a:scrgbClr r="0" g="0" b="0"/>
-      </a:effectRef>
-      <a:fontRef idx="minor"/>
-    </dgm:style>
-  </dgm:styleLbl>
-  <dgm:styleLbl name="fgAcc4">
-    <dgm:scene3d>
-      <a:camera prst="orthographicFront">
-        <a:rot lat="0" lon="0" rev="0"/>
-      </a:camera>
-      <a:lightRig rig="contrasting" dir="t">
-        <a:rot lat="0" lon="0" rev="1200000"/>
-      </a:lightRig>
-    </dgm:scene3d>
-    <dgm:sp3d z="300000" contourW="19050" prstMaterial="metal">
-      <a:bevelT w="88900" h="203200"/>
-      <a:bevelB w="165100" h="254000"/>
-    </dgm:sp3d>
-    <dgm:txPr/>
-    <dgm:style>
-      <a:lnRef idx="0">
-        <a:scrgbClr r="0" g="0" b="0"/>
-      </a:lnRef>
-      <a:fillRef idx="1">
-        <a:scrgbClr r="0" g="0" b="0"/>
-      </a:fillRef>
-      <a:effectRef idx="0">
-        <a:scrgbClr r="0" g="0" b="0"/>
-      </a:effectRef>
-      <a:fontRef idx="minor"/>
-    </dgm:style>
-  </dgm:styleLbl>
-  <dgm:styleLbl name="bgShp">
-    <dgm:scene3d>
-      <a:camera prst="orthographicFront">
-        <a:rot lat="0" lon="0" rev="0"/>
-      </a:camera>
-      <a:lightRig rig="contrasting" dir="t">
-        <a:rot lat="0" lon="0" rev="1200000"/>
-      </a:lightRig>
-    </dgm:scene3d>
-    <dgm:sp3d z="-300000" prstMaterial="plastic"/>
-    <dgm:txPr/>
-    <dgm:style>
-      <a:lnRef idx="1">
-        <a:scrgbClr r="0" g="0" b="0"/>
-      </a:lnRef>
-      <a:fillRef idx="1">
-        <a:scrgbClr r="0" g="0" b="0"/>
-      </a:fillRef>
-      <a:effectRef idx="0">
-        <a:scrgbClr r="0" g="0" b="0"/>
-      </a:effectRef>
-      <a:fontRef idx="minor"/>
-    </dgm:style>
-  </dgm:styleLbl>
   <dgm:styleLbl name="dkBgShp">
     <dgm:scene3d>
-      <a:camera prst="orthographicFront">
-        <a:rot lat="0" lon="0" rev="0"/>
-      </a:camera>
-      <a:lightRig rig="contrasting" dir="t">
-        <a:rot lat="0" lon="0" rev="1200000"/>
-      </a:lightRig>
+      <a:camera prst="orthographicFront"/>
+      <a:lightRig rig="threePt" dir="t"/>
     </dgm:scene3d>
-    <dgm:sp3d contourW="12700" prstMaterial="flat">
-      <a:bevelT w="100800" h="154000"/>
-      <a:bevelB w="152400"/>
-    </dgm:sp3d>
+    <dgm:sp3d/>
     <dgm:txPr/>
     <dgm:style>
       <a:lnRef idx="0">
@@ -8411,17 +8304,13 @@
   </dgm:styleLbl>
   <dgm:styleLbl name="trBgShp">
     <dgm:scene3d>
-      <a:camera prst="orthographicFront">
-        <a:rot lat="0" lon="0" rev="0"/>
-      </a:camera>
-      <a:lightRig rig="contrasting" dir="t">
-        <a:rot lat="0" lon="0" rev="1200000"/>
-      </a:lightRig>
+      <a:camera prst="orthographicFront"/>
+      <a:lightRig rig="threePt" dir="t"/>
     </dgm:scene3d>
-    <dgm:sp3d z="-152400" prstMaterial="matte"/>
+    <dgm:sp3d/>
     <dgm:txPr/>
     <dgm:style>
-      <a:lnRef idx="1">
+      <a:lnRef idx="0">
         <a:scrgbClr r="0" g="0" b="0"/>
       </a:lnRef>
       <a:fillRef idx="1">
@@ -8435,20 +8324,13 @@
   </dgm:styleLbl>
   <dgm:styleLbl name="fgShp">
     <dgm:scene3d>
-      <a:camera prst="orthographicFront">
-        <a:rot lat="0" lon="0" rev="0"/>
-      </a:camera>
-      <a:lightRig rig="contrasting" dir="t">
-        <a:rot lat="0" lon="0" rev="1200000"/>
-      </a:lightRig>
+      <a:camera prst="orthographicFront"/>
+      <a:lightRig rig="threePt" dir="t"/>
     </dgm:scene3d>
-    <dgm:sp3d z="300000" contourW="19050" prstMaterial="metal">
-      <a:bevelT w="88900" h="203200"/>
-      <a:bevelB w="165100" h="254000"/>
-    </dgm:sp3d>
+    <dgm:sp3d/>
     <dgm:txPr/>
     <dgm:style>
-      <a:lnRef idx="0">
+      <a:lnRef idx="2">
         <a:scrgbClr r="0" g="0" b="0"/>
       </a:lnRef>
       <a:fillRef idx="1">
@@ -8468,7 +8350,7 @@
     <dgm:sp3d/>
     <dgm:txPr/>
     <dgm:style>
-      <a:lnRef idx="1">
+      <a:lnRef idx="0">
         <a:scrgbClr r="0" g="0" b="0"/>
       </a:lnRef>
       <a:fillRef idx="0">
@@ -29202,8 +29084,8 @@
         </p:nvSpPr>
         <p:spPr>
           <a:xfrm>
-            <a:off x="1900989" y="4603532"/>
-            <a:ext cx="4260141" cy="3785652"/>
+            <a:off x="1900988" y="3376311"/>
+            <a:ext cx="4260141" cy="8402300"/>
           </a:xfrm>
           <a:prstGeom prst="rect">
             <a:avLst/>
@@ -29267,8 +29149,117 @@
                 <a:latin typeface="Calibri" pitchFamily="34" charset="0"/>
                 <a:cs typeface="Calibri" pitchFamily="34" charset="0"/>
               </a:rPr>
-              <a:t>git count-objects</a:t>
+              <a:t>git </a:t>
             </a:r>
+            <a:r>
+              <a:rPr lang="en-IN" sz="4000" dirty="0" smtClean="0">
+                <a:latin typeface="Calibri" pitchFamily="34" charset="0"/>
+                <a:cs typeface="Calibri" pitchFamily="34" charset="0"/>
+              </a:rPr>
+              <a:t>count-objects</a:t>
+            </a:r>
+          </a:p>
+          <a:p>
+            <a:pPr marL="571500" indent="-571500">
+              <a:lnSpc>
+                <a:spcPct val="150000"/>
+              </a:lnSpc>
+              <a:buFont typeface="Arial" pitchFamily="34" charset="0"/>
+              <a:buChar char="•"/>
+            </a:pPr>
+            <a:r>
+              <a:rPr lang="en-IN" sz="4000" dirty="0">
+                <a:latin typeface="Calibri" pitchFamily="34" charset="0"/>
+                <a:cs typeface="Calibri" pitchFamily="34" charset="0"/>
+              </a:rPr>
+              <a:t>git </a:t>
+            </a:r>
+            <a:r>
+              <a:rPr lang="en-IN" sz="4000" dirty="0" smtClean="0">
+                <a:latin typeface="Calibri" pitchFamily="34" charset="0"/>
+                <a:cs typeface="Calibri" pitchFamily="34" charset="0"/>
+              </a:rPr>
+              <a:t>update-index</a:t>
+            </a:r>
+          </a:p>
+          <a:p>
+            <a:pPr marL="571500" indent="-571500">
+              <a:lnSpc>
+                <a:spcPct val="150000"/>
+              </a:lnSpc>
+              <a:buFont typeface="Arial" pitchFamily="34" charset="0"/>
+              <a:buChar char="•"/>
+            </a:pPr>
+            <a:r>
+              <a:rPr lang="en-IN" sz="4000" dirty="0">
+                <a:latin typeface="Calibri" pitchFamily="34" charset="0"/>
+                <a:cs typeface="Calibri" pitchFamily="34" charset="0"/>
+              </a:rPr>
+              <a:t>git </a:t>
+            </a:r>
+            <a:r>
+              <a:rPr lang="en-IN" sz="4000" dirty="0" smtClean="0">
+                <a:latin typeface="Calibri" pitchFamily="34" charset="0"/>
+                <a:cs typeface="Calibri" pitchFamily="34" charset="0"/>
+              </a:rPr>
+              <a:t>update-ref</a:t>
+            </a:r>
+          </a:p>
+          <a:p>
+            <a:pPr marL="571500" indent="-571500">
+              <a:lnSpc>
+                <a:spcPct val="150000"/>
+              </a:lnSpc>
+              <a:buFont typeface="Arial" pitchFamily="34" charset="0"/>
+              <a:buChar char="•"/>
+            </a:pPr>
+            <a:r>
+              <a:rPr lang="en-IN" sz="4000" dirty="0">
+                <a:latin typeface="Calibri" pitchFamily="34" charset="0"/>
+                <a:cs typeface="Calibri" pitchFamily="34" charset="0"/>
+              </a:rPr>
+              <a:t>git symbolic-ref</a:t>
+            </a:r>
+            <a:endParaRPr lang="en-IN" sz="4000" dirty="0" smtClean="0">
+              <a:latin typeface="Calibri" pitchFamily="34" charset="0"/>
+              <a:cs typeface="Calibri" pitchFamily="34" charset="0"/>
+            </a:endParaRPr>
+          </a:p>
+          <a:p>
+            <a:pPr marL="571500" indent="-571500">
+              <a:lnSpc>
+                <a:spcPct val="150000"/>
+              </a:lnSpc>
+              <a:buFont typeface="Arial" pitchFamily="34" charset="0"/>
+              <a:buChar char="•"/>
+            </a:pPr>
+            <a:r>
+              <a:rPr lang="en-IN" sz="4000" dirty="0">
+                <a:latin typeface="Calibri" pitchFamily="34" charset="0"/>
+                <a:cs typeface="Calibri" pitchFamily="34" charset="0"/>
+              </a:rPr>
+              <a:t>git read-tree</a:t>
+            </a:r>
+          </a:p>
+          <a:p>
+            <a:pPr marL="571500" indent="-571500">
+              <a:lnSpc>
+                <a:spcPct val="150000"/>
+              </a:lnSpc>
+              <a:buFont typeface="Arial" pitchFamily="34" charset="0"/>
+              <a:buChar char="•"/>
+            </a:pPr>
+            <a:r>
+              <a:rPr lang="en-IN" sz="4000" dirty="0" smtClean="0">
+                <a:latin typeface="Calibri" pitchFamily="34" charset="0"/>
+                <a:cs typeface="Calibri" pitchFamily="34" charset="0"/>
+              </a:rPr>
+              <a:t>git write-tree</a:t>
+            </a:r>
+            <a:endParaRPr lang="en-IN" sz="4000" dirty="0" smtClean="0">
+              <a:latin typeface="Calibri" pitchFamily="34" charset="0"/>
+              <a:cs typeface="Calibri" pitchFamily="34" charset="0"/>
+            </a:endParaRPr>
           </a:p>
           <a:p>
             <a:pPr marL="571500" indent="-571500">
@@ -29382,19 +29373,19 @@
       </p:sp>
       <p:graphicFrame>
         <p:nvGraphicFramePr>
-          <p:cNvPr id="3" name="Diagram 2"/>
+          <p:cNvPr id="8" name="Diagram 7"/>
           <p:cNvGraphicFramePr/>
           <p:nvPr>
             <p:extLst>
               <p:ext uri="{D42A27DB-BD31-4B8C-83A1-F6EECF244321}">
-                <p14:modId xmlns:p14="http://schemas.microsoft.com/office/powerpoint/2010/main" val="707571073"/>
+                <p14:modId xmlns:p14="http://schemas.microsoft.com/office/powerpoint/2010/main" val="3549357899"/>
               </p:ext>
             </p:extLst>
           </p:nvPr>
         </p:nvGraphicFramePr>
         <p:xfrm>
-          <a:off x="2873365" y="2969479"/>
-          <a:ext cx="18666372" cy="9910427"/>
+          <a:off x="3000527" y="3055775"/>
+          <a:ext cx="18412048" cy="10106773"/>
         </p:xfrm>
         <a:graphic>
           <a:graphicData uri="http://schemas.openxmlformats.org/drawingml/2006/diagram">
@@ -29447,354 +29438,7 @@
                                           </p:stCondLst>
                                         </p:cTn>
                                         <p:tgtEl>
-                                          <p:spTgt spid="3">
-                                            <p:graphicEl>
-                                              <a:dgm id="{92F8B453-619A-4874-8158-92A1B3749FDA}"/>
-                                            </p:graphicEl>
-                                          </p:spTgt>
-                                        </p:tgtEl>
-                                        <p:attrNameLst>
-                                          <p:attrName>style.visibility</p:attrName>
-                                        </p:attrNameLst>
-                                      </p:cBhvr>
-                                      <p:to>
-                                        <p:strVal val="visible"/>
-                                      </p:to>
-                                    </p:set>
-                                  </p:childTnLst>
-                                </p:cTn>
-                              </p:par>
-                            </p:childTnLst>
-                          </p:cTn>
-                        </p:par>
-                      </p:childTnLst>
-                    </p:cTn>
-                  </p:par>
-                  <p:par>
-                    <p:cTn id="7" fill="hold">
-                      <p:stCondLst>
-                        <p:cond delay="indefinite"/>
-                      </p:stCondLst>
-                      <p:childTnLst>
-                        <p:par>
-                          <p:cTn id="8" fill="hold">
-                            <p:stCondLst>
-                              <p:cond delay="0"/>
-                            </p:stCondLst>
-                            <p:childTnLst>
-                              <p:par>
-                                <p:cTn id="9" presetID="1" presetClass="entr" presetSubtype="0" fill="hold" grpId="0" nodeType="clickEffect">
-                                  <p:stCondLst>
-                                    <p:cond delay="0"/>
-                                  </p:stCondLst>
-                                  <p:childTnLst>
-                                    <p:set>
-                                      <p:cBhvr>
-                                        <p:cTn id="10" dur="1" fill="hold">
-                                          <p:stCondLst>
-                                            <p:cond delay="0"/>
-                                          </p:stCondLst>
-                                        </p:cTn>
-                                        <p:tgtEl>
-                                          <p:spTgt spid="3">
-                                            <p:graphicEl>
-                                              <a:dgm id="{D9A2EBDC-1A4D-499C-800E-31F8394660AA}"/>
-                                            </p:graphicEl>
-                                          </p:spTgt>
-                                        </p:tgtEl>
-                                        <p:attrNameLst>
-                                          <p:attrName>style.visibility</p:attrName>
-                                        </p:attrNameLst>
-                                      </p:cBhvr>
-                                      <p:to>
-                                        <p:strVal val="visible"/>
-                                      </p:to>
-                                    </p:set>
-                                  </p:childTnLst>
-                                </p:cTn>
-                              </p:par>
-                            </p:childTnLst>
-                          </p:cTn>
-                        </p:par>
-                      </p:childTnLst>
-                    </p:cTn>
-                  </p:par>
-                  <p:par>
-                    <p:cTn id="11" fill="hold">
-                      <p:stCondLst>
-                        <p:cond delay="indefinite"/>
-                      </p:stCondLst>
-                      <p:childTnLst>
-                        <p:par>
-                          <p:cTn id="12" fill="hold">
-                            <p:stCondLst>
-                              <p:cond delay="0"/>
-                            </p:stCondLst>
-                            <p:childTnLst>
-                              <p:par>
-                                <p:cTn id="13" presetID="1" presetClass="entr" presetSubtype="0" fill="hold" grpId="0" nodeType="clickEffect">
-                                  <p:stCondLst>
-                                    <p:cond delay="0"/>
-                                  </p:stCondLst>
-                                  <p:childTnLst>
-                                    <p:set>
-                                      <p:cBhvr>
-                                        <p:cTn id="14" dur="1" fill="hold">
-                                          <p:stCondLst>
-                                            <p:cond delay="0"/>
-                                          </p:stCondLst>
-                                        </p:cTn>
-                                        <p:tgtEl>
-                                          <p:spTgt spid="3">
-                                            <p:graphicEl>
-                                              <a:dgm id="{1202D4B8-108D-457B-86F2-A4DD93F2AD24}"/>
-                                            </p:graphicEl>
-                                          </p:spTgt>
-                                        </p:tgtEl>
-                                        <p:attrNameLst>
-                                          <p:attrName>style.visibility</p:attrName>
-                                        </p:attrNameLst>
-                                      </p:cBhvr>
-                                      <p:to>
-                                        <p:strVal val="visible"/>
-                                      </p:to>
-                                    </p:set>
-                                  </p:childTnLst>
-                                </p:cTn>
-                              </p:par>
-                            </p:childTnLst>
-                          </p:cTn>
-                        </p:par>
-                      </p:childTnLst>
-                    </p:cTn>
-                  </p:par>
-                  <p:par>
-                    <p:cTn id="15" fill="hold">
-                      <p:stCondLst>
-                        <p:cond delay="indefinite"/>
-                      </p:stCondLst>
-                      <p:childTnLst>
-                        <p:par>
-                          <p:cTn id="16" fill="hold">
-                            <p:stCondLst>
-                              <p:cond delay="0"/>
-                            </p:stCondLst>
-                            <p:childTnLst>
-                              <p:par>
-                                <p:cTn id="17" presetID="1" presetClass="entr" presetSubtype="0" fill="hold" grpId="0" nodeType="clickEffect">
-                                  <p:stCondLst>
-                                    <p:cond delay="0"/>
-                                  </p:stCondLst>
-                                  <p:childTnLst>
-                                    <p:set>
-                                      <p:cBhvr>
-                                        <p:cTn id="18" dur="1" fill="hold">
-                                          <p:stCondLst>
-                                            <p:cond delay="0"/>
-                                          </p:stCondLst>
-                                        </p:cTn>
-                                        <p:tgtEl>
-                                          <p:spTgt spid="3">
-                                            <p:graphicEl>
-                                              <a:dgm id="{2C844ADB-81BB-443F-856E-3105C15E9F3A}"/>
-                                            </p:graphicEl>
-                                          </p:spTgt>
-                                        </p:tgtEl>
-                                        <p:attrNameLst>
-                                          <p:attrName>style.visibility</p:attrName>
-                                        </p:attrNameLst>
-                                      </p:cBhvr>
-                                      <p:to>
-                                        <p:strVal val="visible"/>
-                                      </p:to>
-                                    </p:set>
-                                  </p:childTnLst>
-                                </p:cTn>
-                              </p:par>
-                            </p:childTnLst>
-                          </p:cTn>
-                        </p:par>
-                      </p:childTnLst>
-                    </p:cTn>
-                  </p:par>
-                  <p:par>
-                    <p:cTn id="19" fill="hold">
-                      <p:stCondLst>
-                        <p:cond delay="indefinite"/>
-                      </p:stCondLst>
-                      <p:childTnLst>
-                        <p:par>
-                          <p:cTn id="20" fill="hold">
-                            <p:stCondLst>
-                              <p:cond delay="0"/>
-                            </p:stCondLst>
-                            <p:childTnLst>
-                              <p:par>
-                                <p:cTn id="21" presetID="1" presetClass="entr" presetSubtype="0" fill="hold" grpId="0" nodeType="clickEffect">
-                                  <p:stCondLst>
-                                    <p:cond delay="0"/>
-                                  </p:stCondLst>
-                                  <p:childTnLst>
-                                    <p:set>
-                                      <p:cBhvr>
-                                        <p:cTn id="22" dur="1" fill="hold">
-                                          <p:stCondLst>
-                                            <p:cond delay="0"/>
-                                          </p:stCondLst>
-                                        </p:cTn>
-                                        <p:tgtEl>
-                                          <p:spTgt spid="3">
-                                            <p:graphicEl>
-                                              <a:dgm id="{74BD7EF1-1D22-450B-B2E8-FECA675073DA}"/>
-                                            </p:graphicEl>
-                                          </p:spTgt>
-                                        </p:tgtEl>
-                                        <p:attrNameLst>
-                                          <p:attrName>style.visibility</p:attrName>
-                                        </p:attrNameLst>
-                                      </p:cBhvr>
-                                      <p:to>
-                                        <p:strVal val="visible"/>
-                                      </p:to>
-                                    </p:set>
-                                  </p:childTnLst>
-                                </p:cTn>
-                              </p:par>
-                            </p:childTnLst>
-                          </p:cTn>
-                        </p:par>
-                      </p:childTnLst>
-                    </p:cTn>
-                  </p:par>
-                  <p:par>
-                    <p:cTn id="23" fill="hold">
-                      <p:stCondLst>
-                        <p:cond delay="indefinite"/>
-                      </p:stCondLst>
-                      <p:childTnLst>
-                        <p:par>
-                          <p:cTn id="24" fill="hold">
-                            <p:stCondLst>
-                              <p:cond delay="0"/>
-                            </p:stCondLst>
-                            <p:childTnLst>
-                              <p:par>
-                                <p:cTn id="25" presetID="1" presetClass="entr" presetSubtype="0" fill="hold" grpId="0" nodeType="clickEffect">
-                                  <p:stCondLst>
-                                    <p:cond delay="0"/>
-                                  </p:stCondLst>
-                                  <p:childTnLst>
-                                    <p:set>
-                                      <p:cBhvr>
-                                        <p:cTn id="26" dur="1" fill="hold">
-                                          <p:stCondLst>
-                                            <p:cond delay="0"/>
-                                          </p:stCondLst>
-                                        </p:cTn>
-                                        <p:tgtEl>
-                                          <p:spTgt spid="3">
-                                            <p:graphicEl>
-                                              <a:dgm id="{A0FA271A-6B8D-4520-8678-FDB4BEA0ABB1}"/>
-                                            </p:graphicEl>
-                                          </p:spTgt>
-                                        </p:tgtEl>
-                                        <p:attrNameLst>
-                                          <p:attrName>style.visibility</p:attrName>
-                                        </p:attrNameLst>
-                                      </p:cBhvr>
-                                      <p:to>
-                                        <p:strVal val="visible"/>
-                                      </p:to>
-                                    </p:set>
-                                  </p:childTnLst>
-                                </p:cTn>
-                              </p:par>
-                            </p:childTnLst>
-                          </p:cTn>
-                        </p:par>
-                      </p:childTnLst>
-                    </p:cTn>
-                  </p:par>
-                  <p:par>
-                    <p:cTn id="27" fill="hold">
-                      <p:stCondLst>
-                        <p:cond delay="indefinite"/>
-                      </p:stCondLst>
-                      <p:childTnLst>
-                        <p:par>
-                          <p:cTn id="28" fill="hold">
-                            <p:stCondLst>
-                              <p:cond delay="0"/>
-                            </p:stCondLst>
-                            <p:childTnLst>
-                              <p:par>
-                                <p:cTn id="29" presetID="1" presetClass="entr" presetSubtype="0" fill="hold" grpId="0" nodeType="clickEffect">
-                                  <p:stCondLst>
-                                    <p:cond delay="0"/>
-                                  </p:stCondLst>
-                                  <p:childTnLst>
-                                    <p:set>
-                                      <p:cBhvr>
-                                        <p:cTn id="30" dur="1" fill="hold">
-                                          <p:stCondLst>
-                                            <p:cond delay="0"/>
-                                          </p:stCondLst>
-                                        </p:cTn>
-                                        <p:tgtEl>
-                                          <p:spTgt spid="3">
-                                            <p:graphicEl>
-                                              <a:dgm id="{8139CC92-F9E5-4BA1-896F-27317C283538}"/>
-                                            </p:graphicEl>
-                                          </p:spTgt>
-                                        </p:tgtEl>
-                                        <p:attrNameLst>
-                                          <p:attrName>style.visibility</p:attrName>
-                                        </p:attrNameLst>
-                                      </p:cBhvr>
-                                      <p:to>
-                                        <p:strVal val="visible"/>
-                                      </p:to>
-                                    </p:set>
-                                  </p:childTnLst>
-                                </p:cTn>
-                              </p:par>
-                            </p:childTnLst>
-                          </p:cTn>
-                        </p:par>
-                      </p:childTnLst>
-                    </p:cTn>
-                  </p:par>
-                  <p:par>
-                    <p:cTn id="31" fill="hold">
-                      <p:stCondLst>
-                        <p:cond delay="indefinite"/>
-                      </p:stCondLst>
-                      <p:childTnLst>
-                        <p:par>
-                          <p:cTn id="32" fill="hold">
-                            <p:stCondLst>
-                              <p:cond delay="0"/>
-                            </p:stCondLst>
-                            <p:childTnLst>
-                              <p:par>
-                                <p:cTn id="33" presetID="1" presetClass="entr" presetSubtype="0" fill="hold" grpId="0" nodeType="clickEffect">
-                                  <p:stCondLst>
-                                    <p:cond delay="0"/>
-                                  </p:stCondLst>
-                                  <p:childTnLst>
-                                    <p:set>
-                                      <p:cBhvr>
-                                        <p:cTn id="34" dur="1" fill="hold">
-                                          <p:stCondLst>
-                                            <p:cond delay="0"/>
-                                          </p:stCondLst>
-                                        </p:cTn>
-                                        <p:tgtEl>
-                                          <p:spTgt spid="3">
-                                            <p:graphicEl>
-                                              <a:dgm id="{B76C72B1-EF7D-47C5-92F1-6BAE41A96548}"/>
-                                            </p:graphicEl>
-                                          </p:spTgt>
+                                          <p:spTgt spid="8"/>
                                         </p:tgtEl>
                                         <p:attrNameLst>
                                           <p:attrName>style.visibility</p:attrName>
@@ -29835,10 +29479,8 @@
       </p:par>
     </p:tnLst>
     <p:bldLst>
-      <p:bldGraphic spid="3" grpId="0">
-        <p:bldSub>
-          <a:bldDgm bld="one"/>
-        </p:bldSub>
+      <p:bldGraphic spid="8" grpId="0">
+        <p:bldAsOne/>
       </p:bldGraphic>
     </p:bldLst>
   </p:timing>
@@ -29921,7 +29563,7 @@
         <p:spPr>
           <a:xfrm>
             <a:off x="4351281" y="5707118"/>
-            <a:ext cx="1671145" cy="1765738"/>
+            <a:ext cx="1765340" cy="1765738"/>
           </a:xfrm>
           <a:prstGeom prst="ellipse">
             <a:avLst/>
@@ -29986,7 +29628,7 @@
         <p:spPr>
           <a:xfrm>
             <a:off x="4351282" y="8791904"/>
-            <a:ext cx="1671145" cy="1765738"/>
+            <a:ext cx="1765340" cy="1765738"/>
           </a:xfrm>
           <a:prstGeom prst="ellipse">
             <a:avLst/>
@@ -30061,7 +29703,7 @@
         <p:spPr>
           <a:xfrm>
             <a:off x="8813972" y="5707118"/>
-            <a:ext cx="1671145" cy="1765738"/>
+            <a:ext cx="1765340" cy="1765738"/>
           </a:xfrm>
           <a:prstGeom prst="ellipse">
             <a:avLst/>
@@ -30132,7 +29774,7 @@
         <p:spPr>
           <a:xfrm>
             <a:off x="8813972" y="8791904"/>
-            <a:ext cx="1671145" cy="1765738"/>
+            <a:ext cx="1765340" cy="1765738"/>
           </a:xfrm>
           <a:prstGeom prst="ellipse">
             <a:avLst/>
@@ -30203,7 +29845,7 @@
         <p:spPr>
           <a:xfrm>
             <a:off x="13393010" y="11025854"/>
-            <a:ext cx="1671145" cy="1765738"/>
+            <a:ext cx="1765340" cy="1765738"/>
           </a:xfrm>
           <a:prstGeom prst="ellipse">
             <a:avLst/>
@@ -30260,7 +29902,7 @@
         <p:spPr>
           <a:xfrm>
             <a:off x="13357433" y="5707118"/>
-            <a:ext cx="1671145" cy="1765738"/>
+            <a:ext cx="1765340" cy="1765738"/>
           </a:xfrm>
           <a:prstGeom prst="ellipse">
             <a:avLst/>
@@ -30331,7 +29973,7 @@
         <p:spPr>
           <a:xfrm>
             <a:off x="17822071" y="5707118"/>
-            <a:ext cx="1671145" cy="1765738"/>
+            <a:ext cx="1765340" cy="1765738"/>
           </a:xfrm>
           <a:prstGeom prst="ellipse">
             <a:avLst/>
@@ -30388,7 +30030,7 @@
         <p:spPr>
           <a:xfrm>
             <a:off x="13373201" y="2622638"/>
-            <a:ext cx="1671145" cy="1765738"/>
+            <a:ext cx="1765340" cy="1765738"/>
           </a:xfrm>
           <a:prstGeom prst="ellipse">
             <a:avLst/>
@@ -30447,8 +30089,8 @@
         </p:nvCxnSpPr>
         <p:spPr>
           <a:xfrm>
-            <a:off x="6022426" y="6589987"/>
-            <a:ext cx="2791546" cy="0"/>
+            <a:off x="6116621" y="6589987"/>
+            <a:ext cx="2697351" cy="0"/>
           </a:xfrm>
           <a:prstGeom prst="straightConnector1">
             <a:avLst/>
@@ -30461,6 +30103,13 @@
             </a:solidFill>
             <a:tailEnd type="triangle" w="lg" len="lg"/>
           </a:ln>
+          <a:effectLst>
+            <a:outerShdw blurRad="63500" sx="102000" sy="102000" algn="ctr" rotWithShape="0">
+              <a:prstClr val="black">
+                <a:alpha val="40000"/>
+              </a:prstClr>
+            </a:outerShdw>
+          </a:effectLst>
         </p:spPr>
         <p:style>
           <a:lnRef idx="1">
@@ -30480,13 +30129,15 @@
       <p:cxnSp>
         <p:nvCxnSpPr>
           <p:cNvPr id="18" name="Straight Arrow Connector 17"/>
-          <p:cNvCxnSpPr/>
+          <p:cNvCxnSpPr>
+            <a:stCxn id="10" idx="6"/>
+          </p:cNvCxnSpPr>
           <p:nvPr/>
         </p:nvCxnSpPr>
         <p:spPr>
-          <a:xfrm>
-            <a:off x="10550124" y="6589987"/>
-            <a:ext cx="2791546" cy="0"/>
+          <a:xfrm flipV="1">
+            <a:off x="10579312" y="6584733"/>
+            <a:ext cx="2778121" cy="5254"/>
           </a:xfrm>
           <a:prstGeom prst="straightConnector1">
             <a:avLst/>
@@ -30499,6 +30150,13 @@
             </a:solidFill>
             <a:tailEnd type="triangle" w="lg" len="lg"/>
           </a:ln>
+          <a:effectLst>
+            <a:outerShdw blurRad="63500" sx="102000" sy="102000" algn="ctr" rotWithShape="0">
+              <a:prstClr val="black">
+                <a:alpha val="40000"/>
+              </a:prstClr>
+            </a:outerShdw>
+          </a:effectLst>
         </p:spPr>
         <p:style>
           <a:lnRef idx="1">
@@ -30518,13 +30176,16 @@
       <p:cxnSp>
         <p:nvCxnSpPr>
           <p:cNvPr id="19" name="Straight Arrow Connector 18"/>
-          <p:cNvCxnSpPr/>
+          <p:cNvCxnSpPr>
+            <a:stCxn id="14" idx="6"/>
+            <a:endCxn id="15" idx="2"/>
+          </p:cNvCxnSpPr>
           <p:nvPr/>
         </p:nvCxnSpPr>
         <p:spPr>
           <a:xfrm>
-            <a:off x="15028578" y="6584733"/>
-            <a:ext cx="2791546" cy="0"/>
+            <a:off x="15122773" y="6589987"/>
+            <a:ext cx="2699298" cy="0"/>
           </a:xfrm>
           <a:prstGeom prst="straightConnector1">
             <a:avLst/>
@@ -30537,6 +30198,13 @@
             </a:solidFill>
             <a:tailEnd type="triangle" w="lg" len="lg"/>
           </a:ln>
+          <a:effectLst>
+            <a:outerShdw blurRad="63500" sx="102000" sy="102000" algn="ctr" rotWithShape="0">
+              <a:prstClr val="black">
+                <a:alpha val="40000"/>
+              </a:prstClr>
+            </a:outerShdw>
+          </a:effectLst>
         </p:spPr>
         <p:style>
           <a:lnRef idx="1">
@@ -30556,13 +30224,15 @@
       <p:cxnSp>
         <p:nvCxnSpPr>
           <p:cNvPr id="20" name="Straight Arrow Connector 19"/>
-          <p:cNvCxnSpPr/>
+          <p:cNvCxnSpPr>
+            <a:stCxn id="9" idx="6"/>
+          </p:cNvCxnSpPr>
           <p:nvPr/>
         </p:nvCxnSpPr>
         <p:spPr>
           <a:xfrm>
-            <a:off x="6022427" y="9674773"/>
-            <a:ext cx="2791546" cy="0"/>
+            <a:off x="6116622" y="9674773"/>
+            <a:ext cx="2697350" cy="0"/>
           </a:xfrm>
           <a:prstGeom prst="straightConnector1">
             <a:avLst/>
@@ -30575,6 +30245,13 @@
             </a:solidFill>
             <a:tailEnd type="triangle" w="lg" len="lg"/>
           </a:ln>
+          <a:effectLst>
+            <a:outerShdw blurRad="63500" sx="102000" sy="102000" algn="ctr" rotWithShape="0">
+              <a:prstClr val="black">
+                <a:alpha val="40000"/>
+              </a:prstClr>
+            </a:outerShdw>
+          </a:effectLst>
         </p:spPr>
         <p:style>
           <a:lnRef idx="1">
@@ -30602,8 +30279,8 @@
         </p:nvCxnSpPr>
         <p:spPr>
           <a:xfrm>
-            <a:off x="10240383" y="10299056"/>
-            <a:ext cx="3152627" cy="1609667"/>
+            <a:off x="10320784" y="10299056"/>
+            <a:ext cx="3072226" cy="1609667"/>
           </a:xfrm>
           <a:prstGeom prst="straightConnector1">
             <a:avLst/>
@@ -30616,6 +30293,13 @@
             </a:solidFill>
             <a:tailEnd type="triangle" w="lg" len="lg"/>
           </a:ln>
+          <a:effectLst>
+            <a:outerShdw blurRad="63500" sx="102000" sy="102000" algn="ctr" rotWithShape="0">
+              <a:prstClr val="black">
+                <a:alpha val="40000"/>
+              </a:prstClr>
+            </a:outerShdw>
+          </a:effectLst>
         </p:spPr>
         <p:style>
           <a:lnRef idx="1">
@@ -30642,8 +30326,8 @@
         </p:nvCxnSpPr>
         <p:spPr>
           <a:xfrm flipV="1">
-            <a:off x="10240383" y="3505507"/>
-            <a:ext cx="3152627" cy="2460197"/>
+            <a:off x="10320784" y="3505508"/>
+            <a:ext cx="3072226" cy="2460196"/>
           </a:xfrm>
           <a:prstGeom prst="straightConnector1">
             <a:avLst/>
@@ -30656,6 +30340,13 @@
             </a:solidFill>
             <a:tailEnd type="triangle" w="lg" len="lg"/>
           </a:ln>
+          <a:effectLst>
+            <a:outerShdw blurRad="63500" sx="102000" sy="102000" algn="ctr" rotWithShape="0">
+              <a:prstClr val="black">
+                <a:alpha val="40000"/>
+              </a:prstClr>
+            </a:outerShdw>
+          </a:effectLst>
         </p:spPr>
         <p:style>
           <a:lnRef idx="1">
@@ -30683,8 +30374,8 @@
         </p:nvCxnSpPr>
         <p:spPr>
           <a:xfrm flipV="1">
-            <a:off x="10240383" y="7214270"/>
-            <a:ext cx="3361784" cy="1836220"/>
+            <a:off x="10320784" y="7214270"/>
+            <a:ext cx="3295177" cy="1836220"/>
           </a:xfrm>
           <a:prstGeom prst="straightConnector1">
             <a:avLst/>
@@ -30697,6 +30388,13 @@
             </a:solidFill>
             <a:tailEnd type="triangle" w="lg" len="lg"/>
           </a:ln>
+          <a:effectLst>
+            <a:outerShdw blurRad="63500" sx="102000" sy="102000" algn="ctr" rotWithShape="0">
+              <a:prstClr val="black">
+                <a:alpha val="40000"/>
+              </a:prstClr>
+            </a:outerShdw>
+          </a:effectLst>
         </p:spPr>
         <p:style>
           <a:lnRef idx="1">
@@ -30724,7 +30422,7 @@
         </p:nvCxnSpPr>
         <p:spPr>
           <a:xfrm>
-            <a:off x="14193006" y="7472856"/>
+            <a:off x="14240103" y="7472856"/>
             <a:ext cx="35577" cy="3552998"/>
           </a:xfrm>
           <a:prstGeom prst="straightConnector1">
@@ -30738,6 +30436,13 @@
             </a:solidFill>
             <a:tailEnd type="triangle" w="lg" len="lg"/>
           </a:ln>
+          <a:effectLst>
+            <a:outerShdw blurRad="63500" sx="102000" sy="102000" algn="ctr" rotWithShape="0">
+              <a:prstClr val="black">
+                <a:alpha val="40000"/>
+              </a:prstClr>
+            </a:outerShdw>
+          </a:effectLst>
         </p:spPr>
         <p:style>
           <a:lnRef idx="1">
@@ -30776,6 +30481,13 @@
             </a:solidFill>
             <a:tailEnd type="triangle" w="lg" len="lg"/>
           </a:ln>
+          <a:effectLst>
+            <a:outerShdw blurRad="63500" sx="102000" sy="102000" algn="ctr" rotWithShape="0">
+              <a:prstClr val="black">
+                <a:alpha val="40000"/>
+              </a:prstClr>
+            </a:outerShdw>
+          </a:effectLst>
         </p:spPr>
         <p:style>
           <a:lnRef idx="1">
@@ -33661,7 +33373,7 @@
   <a:extraClrSchemeLst/>
   <a:extLst>
     <a:ext uri="{05A4C25C-085E-4340-85A3-A5531E510DB2}">
-      <thm15:themeFamily xmlns:thm15="http://schemas.microsoft.com/office/thememl/2012/main" xmlns="" name="Office Theme" id="{62F939B6-93AF-4DB8-9C6B-D6C7DFDC589F}" vid="{4A3C46E8-61CC-4603-A589-7422A47A8E4A}"/>
+      <thm15:themeFamily xmlns="" xmlns:thm15="http://schemas.microsoft.com/office/thememl/2012/main" name="Office Theme" id="{62F939B6-93AF-4DB8-9C6B-D6C7DFDC589F}" vid="{4A3C46E8-61CC-4603-A589-7422A47A8E4A}"/>
     </a:ext>
   </a:extLst>
 </a:theme>

--- a/Presentation/Git.pptx
+++ b/Presentation/Git.pptx
@@ -118,7 +118,7 @@
   </p:defaultTextStyle>
   <p:extLst>
     <p:ext uri="{EFAFB233-063F-42B5-8137-9DF3F51BA10A}">
-      <p15:sldGuideLst xmlns="" xmlns:p15="http://schemas.microsoft.com/office/powerpoint/2012/main">
+      <p15:sldGuideLst xmlns:p15="http://schemas.microsoft.com/office/powerpoint/2012/main" xmlns="">
         <p15:guide id="1" orient="horz" pos="8136" userDrawn="1">
           <p15:clr>
             <a:srgbClr val="A4A3A4"/>
@@ -157,7 +157,7 @@
       </p15:sldGuideLst>
     </p:ext>
     <p:ext uri="{2D200454-40CA-4A62-9FC3-DE9A4176ACB9}">
-      <p15:notesGuideLst xmlns="" xmlns:p15="http://schemas.microsoft.com/office/powerpoint/2012/main"/>
+      <p15:notesGuideLst xmlns:p15="http://schemas.microsoft.com/office/powerpoint/2012/main" xmlns=""/>
     </p:ext>
   </p:extLst>
 </p:presentation>
@@ -3030,6 +3030,13 @@
         </dgm:presLayoutVars>
       </dgm:prSet>
       <dgm:spPr/>
+      <dgm:t>
+        <a:bodyPr/>
+        <a:lstStyle/>
+        <a:p>
+          <a:endParaRPr lang="en-IN"/>
+        </a:p>
+      </dgm:t>
     </dgm:pt>
     <dgm:pt modelId="{C6CA49EC-B06C-4F2C-8911-55ECF5C05CE4}" type="pres">
       <dgm:prSet presAssocID="{5DC98C94-217D-4C5A-B8DC-173C96C90B43}" presName="composite" presStyleCnt="0"/>
@@ -3189,33 +3196,33 @@
     </dgm:pt>
   </dgm:ptLst>
   <dgm:cxnLst>
+    <dgm:cxn modelId="{CAEC559C-CC11-4CD5-9452-03B7C93E4BE6}" type="presOf" srcId="{4C1C045F-422B-49A4-9776-326996025D28}" destId="{5FE1EC18-29F8-4DAE-946B-238BFB7749D2}" srcOrd="0" destOrd="0" presId="urn:microsoft.com/office/officeart/2005/8/layout/hList1"/>
+    <dgm:cxn modelId="{83175790-2C03-4849-B789-76B30D597C86}" srcId="{B85D0B65-7CFB-4407-AFC6-180734460C33}" destId="{0B7D8B29-D799-4F37-A82B-FBBBBD913F9C}" srcOrd="3" destOrd="0" parTransId="{BA3941D6-70F8-41A7-BF14-43DA5ABC0C56}" sibTransId="{E39D5249-DC50-4CB4-8CEE-AB80BB824AF5}"/>
+    <dgm:cxn modelId="{F64F426E-61A6-445D-AB84-F200137F29F3}" srcId="{0B7D8B29-D799-4F37-A82B-FBBBBD913F9C}" destId="{70F0ABEE-F0D5-4055-A337-E3BA7895D319}" srcOrd="0" destOrd="0" parTransId="{E699296D-1CCA-4AD8-A3A6-992EF433E26C}" sibTransId="{003B7495-52C8-4037-A685-51332C2C9D0C}"/>
+    <dgm:cxn modelId="{EDB8BC22-93C9-430E-8F14-37D0D9B35399}" srcId="{18C3ADE8-7625-4CDD-9D9F-BB6B597E5391}" destId="{E580CD45-D617-43DA-9E2F-896290DF756C}" srcOrd="1" destOrd="0" parTransId="{DEB08D15-7C38-4682-8CAC-323B619FF464}" sibTransId="{BFD3A209-F43F-4443-8DE2-E49D28F45565}"/>
+    <dgm:cxn modelId="{C679F357-E378-48D3-88E8-9D9FAFE80208}" type="presOf" srcId="{0E9BFE7A-5048-4F1C-AFCD-BC82C74723C5}" destId="{5FE1EC18-29F8-4DAE-946B-238BFB7749D2}" srcOrd="0" destOrd="2" presId="urn:microsoft.com/office/officeart/2005/8/layout/hList1"/>
+    <dgm:cxn modelId="{2BEB47F1-7B52-47F7-A044-1B00744563E9}" srcId="{5DC98C94-217D-4C5A-B8DC-173C96C90B43}" destId="{AAAD6BC8-FC4A-4077-8D03-1785DEFE3DB7}" srcOrd="0" destOrd="0" parTransId="{8076B307-4E1D-4222-8939-2C5419E87F4D}" sibTransId="{68BC69FB-1A2C-45AA-9939-76CAC3EF409A}"/>
+    <dgm:cxn modelId="{45F6341D-8765-4A9D-8DC9-82477EFC11DC}" type="presOf" srcId="{9671971D-9DDB-45DD-80F7-4AD58D975AC1}" destId="{5CF5C36E-1045-4834-A934-2365B63BFCD5}" srcOrd="0" destOrd="2" presId="urn:microsoft.com/office/officeart/2005/8/layout/hList1"/>
+    <dgm:cxn modelId="{EA1FDD63-922C-4982-95B6-5B0D1A9F9530}" type="presOf" srcId="{E580CD45-D617-43DA-9E2F-896290DF756C}" destId="{5FE1EC18-29F8-4DAE-946B-238BFB7749D2}" srcOrd="0" destOrd="1" presId="urn:microsoft.com/office/officeart/2005/8/layout/hList1"/>
+    <dgm:cxn modelId="{FC807ADC-8EB3-420E-98AB-97203E780457}" type="presOf" srcId="{B85D0B65-7CFB-4407-AFC6-180734460C33}" destId="{29071FFA-DF7C-4B66-B049-CA424CB20AF7}" srcOrd="0" destOrd="0" presId="urn:microsoft.com/office/officeart/2005/8/layout/hList1"/>
+    <dgm:cxn modelId="{91AABE95-093D-49C8-A1A4-4F9C1B26C2D0}" srcId="{B85D0B65-7CFB-4407-AFC6-180734460C33}" destId="{18C3ADE8-7625-4CDD-9D9F-BB6B597E5391}" srcOrd="1" destOrd="0" parTransId="{5570BF10-E12A-4B1C-8DB6-24338F933614}" sibTransId="{2AFBDFE7-D62B-458B-BD8B-01B3F95DB7C0}"/>
+    <dgm:cxn modelId="{E6A9AB6C-FB26-47AC-A141-8D51D93003B5}" srcId="{44ADF412-180A-4C69-8E96-C81966886D37}" destId="{9671971D-9DDB-45DD-80F7-4AD58D975AC1}" srcOrd="2" destOrd="0" parTransId="{56F3DD20-8ED9-45F8-B62A-8578E826A60E}" sibTransId="{1AE6DA91-0381-4ED8-AC3B-298ED95E051A}"/>
+    <dgm:cxn modelId="{081CAB10-F301-4F19-A77E-6FF5F9FCFD02}" srcId="{18C3ADE8-7625-4CDD-9D9F-BB6B597E5391}" destId="{4C1C045F-422B-49A4-9776-326996025D28}" srcOrd="0" destOrd="0" parTransId="{F7D3561E-3A31-4F15-9E78-13C60F59FEDC}" sibTransId="{C7EE3504-2F38-4421-BEEF-5E08611205D6}"/>
+    <dgm:cxn modelId="{AD302806-A3F8-4489-9BB1-5C19AF5BFEC7}" srcId="{18C3ADE8-7625-4CDD-9D9F-BB6B597E5391}" destId="{0E9BFE7A-5048-4F1C-AFCD-BC82C74723C5}" srcOrd="2" destOrd="0" parTransId="{DF5E468D-80C1-4F5B-879B-7B97F8661A01}" sibTransId="{D169730E-791D-482E-8CEA-159EDA5F4B48}"/>
+    <dgm:cxn modelId="{66787523-65FC-4906-A385-D60A76559A0F}" srcId="{B85D0B65-7CFB-4407-AFC6-180734460C33}" destId="{5DC98C94-217D-4C5A-B8DC-173C96C90B43}" srcOrd="0" destOrd="0" parTransId="{95AB6660-2946-4720-9FC2-1692B3814CEB}" sibTransId="{4A7617E5-1EC2-4192-89E9-1C8BD0E2EF10}"/>
+    <dgm:cxn modelId="{D282C621-B909-456D-8010-3496E753AE38}" type="presOf" srcId="{5DC98C94-217D-4C5A-B8DC-173C96C90B43}" destId="{04C94C9E-9B32-4DBE-8F77-96E9CBB6147F}" srcOrd="0" destOrd="0" presId="urn:microsoft.com/office/officeart/2005/8/layout/hList1"/>
+    <dgm:cxn modelId="{C9512865-608D-40D6-8A9B-1D17E7787C87}" type="presOf" srcId="{18C3ADE8-7625-4CDD-9D9F-BB6B597E5391}" destId="{96233F39-CC6E-4722-9913-BCB7E962B9FC}" srcOrd="0" destOrd="0" presId="urn:microsoft.com/office/officeart/2005/8/layout/hList1"/>
+    <dgm:cxn modelId="{17C6C13F-460A-4208-8491-D92AB2B8FA4D}" srcId="{44ADF412-180A-4C69-8E96-C81966886D37}" destId="{86F2D3B7-1FD2-4ED9-9F94-15C392B7E2D7}" srcOrd="0" destOrd="0" parTransId="{863E1D6A-70F6-43B3-98E6-13D1F1BF06E3}" sibTransId="{161113E0-FA02-4178-AB3E-D00D2E29F593}"/>
+    <dgm:cxn modelId="{987A44CC-3ECB-4835-8C35-B091C3DB38D1}" srcId="{44ADF412-180A-4C69-8E96-C81966886D37}" destId="{B0E001CC-32ED-4E28-AF18-7EE625B27763}" srcOrd="1" destOrd="0" parTransId="{201E8A82-CADB-4744-9768-406D4880DEE9}" sibTransId="{3775BFF9-AD33-435E-860E-678A360596D4}"/>
     <dgm:cxn modelId="{D9F40ED9-4E21-4B21-BBF8-74B0D232C1F0}" type="presOf" srcId="{44ADF412-180A-4C69-8E96-C81966886D37}" destId="{C8844620-14E7-485D-A398-2A4FA1BBED32}" srcOrd="0" destOrd="0" presId="urn:microsoft.com/office/officeart/2005/8/layout/hList1"/>
-    <dgm:cxn modelId="{E6A9AB6C-FB26-47AC-A141-8D51D93003B5}" srcId="{44ADF412-180A-4C69-8E96-C81966886D37}" destId="{9671971D-9DDB-45DD-80F7-4AD58D975AC1}" srcOrd="2" destOrd="0" parTransId="{56F3DD20-8ED9-45F8-B62A-8578E826A60E}" sibTransId="{1AE6DA91-0381-4ED8-AC3B-298ED95E051A}"/>
+    <dgm:cxn modelId="{F8DFDE3E-408E-40A8-89CF-4476C720C3CC}" srcId="{0B7D8B29-D799-4F37-A82B-FBBBBD913F9C}" destId="{E3A33AC1-002A-4356-99CA-D5A122132B46}" srcOrd="1" destOrd="0" parTransId="{F52CA1E8-7055-4C11-8380-2A30C49F69D7}" sibTransId="{D9D77812-7228-4B88-A91D-8D107494FFD5}"/>
+    <dgm:cxn modelId="{D3BCA12B-2BC3-4563-8B32-9FB0A615AD2F}" type="presOf" srcId="{70F0ABEE-F0D5-4055-A337-E3BA7895D319}" destId="{A00895CD-AC6F-43BB-9EEE-916E57D24768}" srcOrd="0" destOrd="0" presId="urn:microsoft.com/office/officeart/2005/8/layout/hList1"/>
+    <dgm:cxn modelId="{F6841B40-8C07-41EF-B9D3-C4795C90A53B}" srcId="{B85D0B65-7CFB-4407-AFC6-180734460C33}" destId="{44ADF412-180A-4C69-8E96-C81966886D37}" srcOrd="2" destOrd="0" parTransId="{AA8C41F2-183E-4A0C-8296-519B25C76845}" sibTransId="{E31E68AB-219C-4F99-BFB1-EE5E7FB9DBBF}"/>
     <dgm:cxn modelId="{DE6483A5-DFFD-4D2B-BE44-B6638FCDABF5}" type="presOf" srcId="{B0E001CC-32ED-4E28-AF18-7EE625B27763}" destId="{5CF5C36E-1045-4834-A934-2365B63BFCD5}" srcOrd="0" destOrd="1" presId="urn:microsoft.com/office/officeart/2005/8/layout/hList1"/>
-    <dgm:cxn modelId="{FC807ADC-8EB3-420E-98AB-97203E780457}" type="presOf" srcId="{B85D0B65-7CFB-4407-AFC6-180734460C33}" destId="{29071FFA-DF7C-4B66-B049-CA424CB20AF7}" srcOrd="0" destOrd="0" presId="urn:microsoft.com/office/officeart/2005/8/layout/hList1"/>
-    <dgm:cxn modelId="{C679F357-E378-48D3-88E8-9D9FAFE80208}" type="presOf" srcId="{0E9BFE7A-5048-4F1C-AFCD-BC82C74723C5}" destId="{5FE1EC18-29F8-4DAE-946B-238BFB7749D2}" srcOrd="0" destOrd="2" presId="urn:microsoft.com/office/officeart/2005/8/layout/hList1"/>
-    <dgm:cxn modelId="{C9512865-608D-40D6-8A9B-1D17E7787C87}" type="presOf" srcId="{18C3ADE8-7625-4CDD-9D9F-BB6B597E5391}" destId="{96233F39-CC6E-4722-9913-BCB7E962B9FC}" srcOrd="0" destOrd="0" presId="urn:microsoft.com/office/officeart/2005/8/layout/hList1"/>
-    <dgm:cxn modelId="{F8DFDE3E-408E-40A8-89CF-4476C720C3CC}" srcId="{0B7D8B29-D799-4F37-A82B-FBBBBD913F9C}" destId="{E3A33AC1-002A-4356-99CA-D5A122132B46}" srcOrd="1" destOrd="0" parTransId="{F52CA1E8-7055-4C11-8380-2A30C49F69D7}" sibTransId="{D9D77812-7228-4B88-A91D-8D107494FFD5}"/>
+    <dgm:cxn modelId="{4440108A-60B2-4EF9-A570-E605A55E4C7C}" type="presOf" srcId="{86F2D3B7-1FD2-4ED9-9F94-15C392B7E2D7}" destId="{5CF5C36E-1045-4834-A934-2365B63BFCD5}" srcOrd="0" destOrd="0" presId="urn:microsoft.com/office/officeart/2005/8/layout/hList1"/>
     <dgm:cxn modelId="{284796C9-1137-46D6-AA83-03A879D9AFE1}" type="presOf" srcId="{0B7D8B29-D799-4F37-A82B-FBBBBD913F9C}" destId="{EC7EEBCA-82DD-4074-AF8E-B88F8FF00601}" srcOrd="0" destOrd="0" presId="urn:microsoft.com/office/officeart/2005/8/layout/hList1"/>
-    <dgm:cxn modelId="{987A44CC-3ECB-4835-8C35-B091C3DB38D1}" srcId="{44ADF412-180A-4C69-8E96-C81966886D37}" destId="{B0E001CC-32ED-4E28-AF18-7EE625B27763}" srcOrd="1" destOrd="0" parTransId="{201E8A82-CADB-4744-9768-406D4880DEE9}" sibTransId="{3775BFF9-AD33-435E-860E-678A360596D4}"/>
-    <dgm:cxn modelId="{D282C621-B909-456D-8010-3496E753AE38}" type="presOf" srcId="{5DC98C94-217D-4C5A-B8DC-173C96C90B43}" destId="{04C94C9E-9B32-4DBE-8F77-96E9CBB6147F}" srcOrd="0" destOrd="0" presId="urn:microsoft.com/office/officeart/2005/8/layout/hList1"/>
-    <dgm:cxn modelId="{D3BCA12B-2BC3-4563-8B32-9FB0A615AD2F}" type="presOf" srcId="{70F0ABEE-F0D5-4055-A337-E3BA7895D319}" destId="{A00895CD-AC6F-43BB-9EEE-916E57D24768}" srcOrd="0" destOrd="0" presId="urn:microsoft.com/office/officeart/2005/8/layout/hList1"/>
-    <dgm:cxn modelId="{2BEB47F1-7B52-47F7-A044-1B00744563E9}" srcId="{5DC98C94-217D-4C5A-B8DC-173C96C90B43}" destId="{AAAD6BC8-FC4A-4077-8D03-1785DEFE3DB7}" srcOrd="0" destOrd="0" parTransId="{8076B307-4E1D-4222-8939-2C5419E87F4D}" sibTransId="{68BC69FB-1A2C-45AA-9939-76CAC3EF409A}"/>
-    <dgm:cxn modelId="{081CAB10-F301-4F19-A77E-6FF5F9FCFD02}" srcId="{18C3ADE8-7625-4CDD-9D9F-BB6B597E5391}" destId="{4C1C045F-422B-49A4-9776-326996025D28}" srcOrd="0" destOrd="0" parTransId="{F7D3561E-3A31-4F15-9E78-13C60F59FEDC}" sibTransId="{C7EE3504-2F38-4421-BEEF-5E08611205D6}"/>
-    <dgm:cxn modelId="{CAEC559C-CC11-4CD5-9452-03B7C93E4BE6}" type="presOf" srcId="{4C1C045F-422B-49A4-9776-326996025D28}" destId="{5FE1EC18-29F8-4DAE-946B-238BFB7749D2}" srcOrd="0" destOrd="0" presId="urn:microsoft.com/office/officeart/2005/8/layout/hList1"/>
-    <dgm:cxn modelId="{AD302806-A3F8-4489-9BB1-5C19AF5BFEC7}" srcId="{18C3ADE8-7625-4CDD-9D9F-BB6B597E5391}" destId="{0E9BFE7A-5048-4F1C-AFCD-BC82C74723C5}" srcOrd="2" destOrd="0" parTransId="{DF5E468D-80C1-4F5B-879B-7B97F8661A01}" sibTransId="{D169730E-791D-482E-8CEA-159EDA5F4B48}"/>
-    <dgm:cxn modelId="{45F6341D-8765-4A9D-8DC9-82477EFC11DC}" type="presOf" srcId="{9671971D-9DDB-45DD-80F7-4AD58D975AC1}" destId="{5CF5C36E-1045-4834-A934-2365B63BFCD5}" srcOrd="0" destOrd="2" presId="urn:microsoft.com/office/officeart/2005/8/layout/hList1"/>
-    <dgm:cxn modelId="{83175790-2C03-4849-B789-76B30D597C86}" srcId="{B85D0B65-7CFB-4407-AFC6-180734460C33}" destId="{0B7D8B29-D799-4F37-A82B-FBBBBD913F9C}" srcOrd="3" destOrd="0" parTransId="{BA3941D6-70F8-41A7-BF14-43DA5ABC0C56}" sibTransId="{E39D5249-DC50-4CB4-8CEE-AB80BB824AF5}"/>
-    <dgm:cxn modelId="{EA1FDD63-922C-4982-95B6-5B0D1A9F9530}" type="presOf" srcId="{E580CD45-D617-43DA-9E2F-896290DF756C}" destId="{5FE1EC18-29F8-4DAE-946B-238BFB7749D2}" srcOrd="0" destOrd="1" presId="urn:microsoft.com/office/officeart/2005/8/layout/hList1"/>
-    <dgm:cxn modelId="{EDB8BC22-93C9-430E-8F14-37D0D9B35399}" srcId="{18C3ADE8-7625-4CDD-9D9F-BB6B597E5391}" destId="{E580CD45-D617-43DA-9E2F-896290DF756C}" srcOrd="1" destOrd="0" parTransId="{DEB08D15-7C38-4682-8CAC-323B619FF464}" sibTransId="{BFD3A209-F43F-4443-8DE2-E49D28F45565}"/>
-    <dgm:cxn modelId="{66787523-65FC-4906-A385-D60A76559A0F}" srcId="{B85D0B65-7CFB-4407-AFC6-180734460C33}" destId="{5DC98C94-217D-4C5A-B8DC-173C96C90B43}" srcOrd="0" destOrd="0" parTransId="{95AB6660-2946-4720-9FC2-1692B3814CEB}" sibTransId="{4A7617E5-1EC2-4192-89E9-1C8BD0E2EF10}"/>
+    <dgm:cxn modelId="{B43D63E5-7DF2-41EA-B84C-2E3EF490FCFB}" type="presOf" srcId="{AAAD6BC8-FC4A-4077-8D03-1785DEFE3DB7}" destId="{365A0330-4502-4D18-BD67-8E08D4FB8CD2}" srcOrd="0" destOrd="0" presId="urn:microsoft.com/office/officeart/2005/8/layout/hList1"/>
     <dgm:cxn modelId="{E53A4566-CE12-45D9-BB04-5F815EE080AA}" type="presOf" srcId="{E3A33AC1-002A-4356-99CA-D5A122132B46}" destId="{A00895CD-AC6F-43BB-9EEE-916E57D24768}" srcOrd="0" destOrd="1" presId="urn:microsoft.com/office/officeart/2005/8/layout/hList1"/>
-    <dgm:cxn modelId="{F6841B40-8C07-41EF-B9D3-C4795C90A53B}" srcId="{B85D0B65-7CFB-4407-AFC6-180734460C33}" destId="{44ADF412-180A-4C69-8E96-C81966886D37}" srcOrd="2" destOrd="0" parTransId="{AA8C41F2-183E-4A0C-8296-519B25C76845}" sibTransId="{E31E68AB-219C-4F99-BFB1-EE5E7FB9DBBF}"/>
-    <dgm:cxn modelId="{91AABE95-093D-49C8-A1A4-4F9C1B26C2D0}" srcId="{B85D0B65-7CFB-4407-AFC6-180734460C33}" destId="{18C3ADE8-7625-4CDD-9D9F-BB6B597E5391}" srcOrd="1" destOrd="0" parTransId="{5570BF10-E12A-4B1C-8DB6-24338F933614}" sibTransId="{2AFBDFE7-D62B-458B-BD8B-01B3F95DB7C0}"/>
-    <dgm:cxn modelId="{B43D63E5-7DF2-41EA-B84C-2E3EF490FCFB}" type="presOf" srcId="{AAAD6BC8-FC4A-4077-8D03-1785DEFE3DB7}" destId="{365A0330-4502-4D18-BD67-8E08D4FB8CD2}" srcOrd="0" destOrd="0" presId="urn:microsoft.com/office/officeart/2005/8/layout/hList1"/>
-    <dgm:cxn modelId="{F64F426E-61A6-445D-AB84-F200137F29F3}" srcId="{0B7D8B29-D799-4F37-A82B-FBBBBD913F9C}" destId="{70F0ABEE-F0D5-4055-A337-E3BA7895D319}" srcOrd="0" destOrd="0" parTransId="{E699296D-1CCA-4AD8-A3A6-992EF433E26C}" sibTransId="{003B7495-52C8-4037-A685-51332C2C9D0C}"/>
-    <dgm:cxn modelId="{4440108A-60B2-4EF9-A570-E605A55E4C7C}" type="presOf" srcId="{86F2D3B7-1FD2-4ED9-9F94-15C392B7E2D7}" destId="{5CF5C36E-1045-4834-A934-2365B63BFCD5}" srcOrd="0" destOrd="0" presId="urn:microsoft.com/office/officeart/2005/8/layout/hList1"/>
-    <dgm:cxn modelId="{17C6C13F-460A-4208-8491-D92AB2B8FA4D}" srcId="{44ADF412-180A-4C69-8E96-C81966886D37}" destId="{86F2D3B7-1FD2-4ED9-9F94-15C392B7E2D7}" srcOrd="0" destOrd="0" parTransId="{863E1D6A-70F6-43B3-98E6-13D1F1BF06E3}" sibTransId="{161113E0-FA02-4178-AB3E-D00D2E29F593}"/>
     <dgm:cxn modelId="{BFC8CF7A-F828-415D-B3C8-4921BA08379E}" type="presParOf" srcId="{29071FFA-DF7C-4B66-B049-CA424CB20AF7}" destId="{C6CA49EC-B06C-4F2C-8911-55ECF5C05CE4}" srcOrd="0" destOrd="0" presId="urn:microsoft.com/office/officeart/2005/8/layout/hList1"/>
     <dgm:cxn modelId="{10C42948-869C-4CBC-94DF-E560A0B68513}" type="presParOf" srcId="{C6CA49EC-B06C-4F2C-8911-55ECF5C05CE4}" destId="{04C94C9E-9B32-4DBE-8F77-96E9CBB6147F}" srcOrd="0" destOrd="0" presId="urn:microsoft.com/office/officeart/2005/8/layout/hList1"/>
     <dgm:cxn modelId="{3BF4BEC2-1E73-477C-BEE3-6B2C24FE9167}" type="presParOf" srcId="{C6CA49EC-B06C-4F2C-8911-55ECF5C05CE4}" destId="{365A0330-4502-4D18-BD67-8E08D4FB8CD2}" srcOrd="1" destOrd="0" presId="urn:microsoft.com/office/officeart/2005/8/layout/hList1"/>
@@ -8452,7 +8459,7 @@
             <a:fld id="{EFC10EE1-B198-C942-8235-326C972CBB30}" type="datetimeFigureOut">
               <a:rPr lang="en-US" smtClean="0"/>
               <a:pPr/>
-              <a:t>3/24/2019</a:t>
+              <a:t>3/25/2019</a:t>
             </a:fld>
             <a:endParaRPr lang="en-US" dirty="0"/>
           </a:p>
@@ -8997,7 +9004,7 @@
     </p:spTree>
     <p:extLst>
       <p:ext uri="{BB962C8B-B14F-4D97-AF65-F5344CB8AC3E}">
-        <p14:creationId xmlns:p14="http://schemas.microsoft.com/office/powerpoint/2010/main" val="1403839940"/>
+        <p14:creationId xmlns:p14="http://schemas.microsoft.com/office/powerpoint/2010/main" val="2081145847"/>
       </p:ext>
     </p:extLst>
   </p:cSld>
@@ -23405,14 +23412,14 @@
       </p:grpSpPr>
       <p:sp>
         <p:nvSpPr>
-          <p:cNvPr id="11" name="TextBox 10"/>
+          <p:cNvPr id="312" name="TextBox 311"/>
           <p:cNvSpPr txBox="1"/>
           <p:nvPr/>
         </p:nvSpPr>
         <p:spPr>
           <a:xfrm>
-            <a:off x="8810621" y="868312"/>
-            <a:ext cx="6791860" cy="1754326"/>
+            <a:off x="6625522" y="5678106"/>
+            <a:ext cx="11171263" cy="2246769"/>
           </a:xfrm>
           <a:prstGeom prst="rect">
             <a:avLst/>
@@ -23427,1094 +23434,17 @@
           <a:p>
             <a:pPr algn="ctr"/>
             <a:r>
-              <a:rPr lang="en-US" sz="8000" b="1" spc="600" dirty="0" smtClean="0">
-                <a:latin typeface="Calibri" pitchFamily="34" charset="0"/>
-                <a:ea typeface="Nunito Light" charset="0"/>
-                <a:cs typeface="Calibri" pitchFamily="34" charset="0"/>
+              <a:rPr lang="en-US" sz="14000" b="1" spc="300" dirty="0" smtClean="0">
+                <a:latin typeface="Nunito" charset="0"/>
+                <a:ea typeface="Nunito" charset="0"/>
+                <a:cs typeface="Nunito" charset="0"/>
               </a:rPr>
-              <a:t>Git Workflow</a:t>
+              <a:t>THANK YOU</a:t>
             </a:r>
-          </a:p>
-          <a:p>
-            <a:pPr algn="r"/>
-            <a:r>
-              <a:rPr lang="en-US" sz="2800" b="1" spc="600" dirty="0" smtClean="0">
-                <a:latin typeface="Calibri" pitchFamily="34" charset="0"/>
-                <a:ea typeface="Nunito Light" charset="0"/>
-                <a:cs typeface="Calibri" pitchFamily="34" charset="0"/>
-              </a:rPr>
-              <a:t>Remote to Local</a:t>
-            </a:r>
-            <a:endParaRPr lang="en-US" sz="2800" b="1" spc="600" dirty="0">
-              <a:latin typeface="Calibri" pitchFamily="34" charset="0"/>
-              <a:ea typeface="Nunito Light" charset="0"/>
-              <a:cs typeface="Calibri" pitchFamily="34" charset="0"/>
-            </a:endParaRPr>
-          </a:p>
-        </p:txBody>
-      </p:sp>
-      <p:sp>
-        <p:nvSpPr>
-          <p:cNvPr id="5" name="TextBox 4"/>
-          <p:cNvSpPr txBox="1"/>
-          <p:nvPr/>
-        </p:nvSpPr>
-        <p:spPr>
-          <a:xfrm rot="16200000">
-            <a:off x="3128621" y="8576372"/>
-            <a:ext cx="1577355" cy="707886"/>
-          </a:xfrm>
-          <a:prstGeom prst="rect">
-            <a:avLst/>
-          </a:prstGeom>
-          <a:noFill/>
-        </p:spPr>
-        <p:txBody>
-          <a:bodyPr wrap="none" rtlCol="0">
-            <a:spAutoFit/>
-          </a:bodyPr>
-          <a:lstStyle/>
-          <a:p>
-            <a:r>
-              <a:rPr lang="en-IN" sz="4000" b="1" dirty="0" smtClean="0">
-                <a:solidFill>
-                  <a:srgbClr val="FF3300"/>
-                </a:solidFill>
-                <a:latin typeface="Calibri" pitchFamily="34" charset="0"/>
-                <a:cs typeface="Calibri" pitchFamily="34" charset="0"/>
-              </a:rPr>
-              <a:t>Revert</a:t>
-            </a:r>
-            <a:endParaRPr lang="en-IN" sz="4000" b="1" dirty="0">
-              <a:solidFill>
-                <a:srgbClr val="FF3300"/>
-              </a:solidFill>
-              <a:latin typeface="Calibri" pitchFamily="34" charset="0"/>
-              <a:cs typeface="Calibri" pitchFamily="34" charset="0"/>
-            </a:endParaRPr>
-          </a:p>
-        </p:txBody>
-      </p:sp>
-      <p:sp>
-        <p:nvSpPr>
-          <p:cNvPr id="7" name="TextBox 6"/>
-          <p:cNvSpPr txBox="1"/>
-          <p:nvPr/>
-        </p:nvSpPr>
-        <p:spPr>
-          <a:xfrm rot="5400000">
-            <a:off x="18618932" y="4723260"/>
-            <a:ext cx="1846018" cy="707886"/>
-          </a:xfrm>
-          <a:prstGeom prst="rect">
-            <a:avLst/>
-          </a:prstGeom>
-          <a:noFill/>
-        </p:spPr>
-        <p:txBody>
-          <a:bodyPr wrap="none" rtlCol="0">
-            <a:spAutoFit/>
-          </a:bodyPr>
-          <a:lstStyle/>
-          <a:p>
-            <a:r>
-              <a:rPr lang="en-IN" sz="4000" b="1" dirty="0" smtClean="0">
-                <a:latin typeface="Calibri" pitchFamily="34" charset="0"/>
-                <a:cs typeface="Calibri" pitchFamily="34" charset="0"/>
-              </a:rPr>
-              <a:t>Remote</a:t>
-            </a:r>
-            <a:endParaRPr lang="en-IN" sz="4000" b="1" dirty="0">
-              <a:latin typeface="Calibri" pitchFamily="34" charset="0"/>
-              <a:cs typeface="Calibri" pitchFamily="34" charset="0"/>
-            </a:endParaRPr>
-          </a:p>
-        </p:txBody>
-      </p:sp>
-      <p:cxnSp>
-        <p:nvCxnSpPr>
-          <p:cNvPr id="8" name="Straight Connector 7"/>
-          <p:cNvCxnSpPr/>
-          <p:nvPr/>
-        </p:nvCxnSpPr>
-        <p:spPr>
-          <a:xfrm>
-            <a:off x="14445252" y="2728997"/>
-            <a:ext cx="0" cy="10987003"/>
-          </a:xfrm>
-          <a:prstGeom prst="line">
-            <a:avLst/>
-          </a:prstGeom>
-          <a:ln w="127000">
-            <a:prstDash val="sysDot"/>
-          </a:ln>
-        </p:spPr>
-        <p:style>
-          <a:lnRef idx="1">
-            <a:schemeClr val="accent1"/>
-          </a:lnRef>
-          <a:fillRef idx="0">
-            <a:schemeClr val="accent1"/>
-          </a:fillRef>
-          <a:effectRef idx="0">
-            <a:schemeClr val="accent1"/>
-          </a:effectRef>
-          <a:fontRef idx="minor">
-            <a:schemeClr val="tx1"/>
-          </a:fontRef>
-        </p:style>
-      </p:cxnSp>
-      <p:cxnSp>
-        <p:nvCxnSpPr>
-          <p:cNvPr id="10" name="Straight Connector 9"/>
-          <p:cNvCxnSpPr/>
-          <p:nvPr/>
-        </p:nvCxnSpPr>
-        <p:spPr>
-          <a:xfrm>
-            <a:off x="5516716" y="4409089"/>
-            <a:ext cx="24420" cy="9306911"/>
-          </a:xfrm>
-          <a:prstGeom prst="line">
-            <a:avLst/>
-          </a:prstGeom>
-          <a:ln w="101600"/>
-          <a:effectLst>
-            <a:outerShdw blurRad="63500" sx="102000" sy="102000" algn="ctr" rotWithShape="0">
-              <a:prstClr val="black">
-                <a:alpha val="40000"/>
-              </a:prstClr>
-            </a:outerShdw>
-          </a:effectLst>
-        </p:spPr>
-        <p:style>
-          <a:lnRef idx="3">
-            <a:schemeClr val="accent1"/>
-          </a:lnRef>
-          <a:fillRef idx="0">
-            <a:schemeClr val="accent1"/>
-          </a:fillRef>
-          <a:effectRef idx="2">
-            <a:schemeClr val="accent1"/>
-          </a:effectRef>
-          <a:fontRef idx="minor">
-            <a:schemeClr val="tx1"/>
-          </a:fontRef>
-        </p:style>
-      </p:cxnSp>
-      <p:cxnSp>
-        <p:nvCxnSpPr>
-          <p:cNvPr id="16" name="Straight Connector 15"/>
-          <p:cNvCxnSpPr/>
-          <p:nvPr/>
-        </p:nvCxnSpPr>
-        <p:spPr>
-          <a:xfrm>
-            <a:off x="8753413" y="4409089"/>
-            <a:ext cx="57208" cy="9306911"/>
-          </a:xfrm>
-          <a:prstGeom prst="line">
-            <a:avLst/>
-          </a:prstGeom>
-          <a:ln w="101600"/>
-          <a:effectLst>
-            <a:outerShdw blurRad="63500" sx="102000" sy="102000" algn="ctr" rotWithShape="0">
-              <a:prstClr val="black">
-                <a:alpha val="40000"/>
-              </a:prstClr>
-            </a:outerShdw>
-          </a:effectLst>
-        </p:spPr>
-        <p:style>
-          <a:lnRef idx="3">
-            <a:schemeClr val="accent1"/>
-          </a:lnRef>
-          <a:fillRef idx="0">
-            <a:schemeClr val="accent1"/>
-          </a:fillRef>
-          <a:effectRef idx="2">
-            <a:schemeClr val="accent1"/>
-          </a:effectRef>
-          <a:fontRef idx="minor">
-            <a:schemeClr val="tx1"/>
-          </a:fontRef>
-        </p:style>
-      </p:cxnSp>
-      <p:cxnSp>
-        <p:nvCxnSpPr>
-          <p:cNvPr id="18" name="Straight Connector 17"/>
-          <p:cNvCxnSpPr/>
-          <p:nvPr/>
-        </p:nvCxnSpPr>
-        <p:spPr>
-          <a:xfrm>
-            <a:off x="12006847" y="4409089"/>
-            <a:ext cx="48839" cy="9306911"/>
-          </a:xfrm>
-          <a:prstGeom prst="line">
-            <a:avLst/>
-          </a:prstGeom>
-          <a:ln w="101600"/>
-          <a:effectLst>
-            <a:outerShdw blurRad="63500" sx="102000" sy="102000" algn="ctr" rotWithShape="0">
-              <a:prstClr val="black">
-                <a:alpha val="40000"/>
-              </a:prstClr>
-            </a:outerShdw>
-          </a:effectLst>
-        </p:spPr>
-        <p:style>
-          <a:lnRef idx="3">
-            <a:schemeClr val="accent1"/>
-          </a:lnRef>
-          <a:fillRef idx="0">
-            <a:schemeClr val="accent1"/>
-          </a:fillRef>
-          <a:effectRef idx="2">
-            <a:schemeClr val="accent1"/>
-          </a:effectRef>
-          <a:fontRef idx="minor">
-            <a:schemeClr val="tx1"/>
-          </a:fontRef>
-        </p:style>
-      </p:cxnSp>
-      <p:cxnSp>
-        <p:nvCxnSpPr>
-          <p:cNvPr id="25" name="Straight Connector 24"/>
-          <p:cNvCxnSpPr/>
-          <p:nvPr/>
-        </p:nvCxnSpPr>
-        <p:spPr>
-          <a:xfrm>
-            <a:off x="17298800" y="4403834"/>
-            <a:ext cx="0" cy="9312166"/>
-          </a:xfrm>
-          <a:prstGeom prst="line">
-            <a:avLst/>
-          </a:prstGeom>
-          <a:ln w="101600">
-            <a:solidFill>
-              <a:schemeClr val="accent3">
-                <a:lumMod val="50000"/>
-              </a:schemeClr>
-            </a:solidFill>
-            <a:prstDash val="solid"/>
-          </a:ln>
-          <a:effectLst>
-            <a:outerShdw blurRad="63500" sx="102000" sy="102000" algn="ctr" rotWithShape="0">
-              <a:prstClr val="black">
-                <a:alpha val="40000"/>
-              </a:prstClr>
-            </a:outerShdw>
-          </a:effectLst>
-        </p:spPr>
-        <p:style>
-          <a:lnRef idx="1">
-            <a:schemeClr val="accent1"/>
-          </a:lnRef>
-          <a:fillRef idx="0">
-            <a:schemeClr val="accent1"/>
-          </a:fillRef>
-          <a:effectRef idx="0">
-            <a:schemeClr val="accent1"/>
-          </a:effectRef>
-          <a:fontRef idx="minor">
-            <a:schemeClr val="tx1"/>
-          </a:fontRef>
-        </p:style>
-      </p:cxnSp>
-      <p:sp>
-        <p:nvSpPr>
-          <p:cNvPr id="27" name="Right Arrow 26"/>
-          <p:cNvSpPr/>
-          <p:nvPr/>
-        </p:nvSpPr>
-        <p:spPr>
-          <a:xfrm flipH="1">
-            <a:off x="5516713" y="4513348"/>
-            <a:ext cx="11782083" cy="1099178"/>
-          </a:xfrm>
-          <a:prstGeom prst="rightArrow">
-            <a:avLst/>
-          </a:prstGeom>
-        </p:spPr>
-        <p:style>
-          <a:lnRef idx="1">
-            <a:schemeClr val="accent4"/>
-          </a:lnRef>
-          <a:fillRef idx="2">
-            <a:schemeClr val="accent4"/>
-          </a:fillRef>
-          <a:effectRef idx="1">
-            <a:schemeClr val="accent4"/>
-          </a:effectRef>
-          <a:fontRef idx="minor">
-            <a:schemeClr val="dk1"/>
-          </a:fontRef>
-        </p:style>
-        <p:txBody>
-          <a:bodyPr rtlCol="0" anchor="ctr"/>
-          <a:lstStyle/>
-          <a:p>
-            <a:pPr algn="ctr"/>
-            <a:r>
-              <a:rPr lang="en-IN" sz="2400" dirty="0" smtClean="0">
-                <a:latin typeface="Calibri" pitchFamily="34" charset="0"/>
-                <a:cs typeface="Calibri" pitchFamily="34" charset="0"/>
-              </a:rPr>
-              <a:t>git clone or git pull or git rebase </a:t>
-            </a:r>
-            <a:endParaRPr lang="en-IN" sz="2400" dirty="0">
-              <a:latin typeface="Calibri" pitchFamily="34" charset="0"/>
-              <a:cs typeface="Calibri" pitchFamily="34" charset="0"/>
-            </a:endParaRPr>
-          </a:p>
-        </p:txBody>
-      </p:sp>
-      <p:sp>
-        <p:nvSpPr>
-          <p:cNvPr id="28" name="Can 27"/>
-          <p:cNvSpPr/>
-          <p:nvPr/>
-        </p:nvSpPr>
-        <p:spPr>
-          <a:xfrm>
-            <a:off x="4271240" y="3184633"/>
-            <a:ext cx="2490952" cy="1216152"/>
-          </a:xfrm>
-          <a:prstGeom prst="can">
-            <a:avLst/>
-          </a:prstGeom>
-          <a:effectLst>
-            <a:outerShdw blurRad="63500" sx="102000" sy="102000" algn="ctr" rotWithShape="0">
-              <a:prstClr val="black">
-                <a:alpha val="40000"/>
-              </a:prstClr>
-            </a:outerShdw>
-          </a:effectLst>
-        </p:spPr>
-        <p:style>
-          <a:lnRef idx="2">
-            <a:schemeClr val="accent1">
-              <a:shade val="50000"/>
-            </a:schemeClr>
-          </a:lnRef>
-          <a:fillRef idx="1">
-            <a:schemeClr val="accent1"/>
-          </a:fillRef>
-          <a:effectRef idx="0">
-            <a:schemeClr val="accent1"/>
-          </a:effectRef>
-          <a:fontRef idx="minor">
-            <a:schemeClr val="lt1"/>
-          </a:fontRef>
-        </p:style>
-        <p:txBody>
-          <a:bodyPr rtlCol="0" anchor="ctr"/>
-          <a:lstStyle/>
-          <a:p>
-            <a:pPr algn="ctr"/>
-            <a:r>
-              <a:rPr lang="en-IN" sz="2400" b="1" dirty="0">
-                <a:latin typeface="Calibri" pitchFamily="34" charset="0"/>
-                <a:cs typeface="Calibri" pitchFamily="34" charset="0"/>
-              </a:rPr>
-              <a:t>Working </a:t>
-            </a:r>
-            <a:r>
-              <a:rPr lang="en-IN" sz="2400" b="1" dirty="0" smtClean="0">
-                <a:latin typeface="Calibri" pitchFamily="34" charset="0"/>
-                <a:cs typeface="Calibri" pitchFamily="34" charset="0"/>
-              </a:rPr>
-              <a:t>Area</a:t>
-            </a:r>
-            <a:endParaRPr lang="en-IN" sz="2400" b="1" dirty="0">
-              <a:latin typeface="Calibri" pitchFamily="34" charset="0"/>
-              <a:cs typeface="Calibri" pitchFamily="34" charset="0"/>
-            </a:endParaRPr>
-          </a:p>
-        </p:txBody>
-      </p:sp>
-      <p:sp>
-        <p:nvSpPr>
-          <p:cNvPr id="30" name="Can 29"/>
-          <p:cNvSpPr/>
-          <p:nvPr/>
-        </p:nvSpPr>
-        <p:spPr>
-          <a:xfrm>
-            <a:off x="7565145" y="3216164"/>
-            <a:ext cx="2490952" cy="1216152"/>
-          </a:xfrm>
-          <a:prstGeom prst="can">
-            <a:avLst/>
-          </a:prstGeom>
-          <a:effectLst>
-            <a:outerShdw blurRad="63500" sx="102000" sy="102000" algn="ctr" rotWithShape="0">
-              <a:prstClr val="black">
-                <a:alpha val="40000"/>
-              </a:prstClr>
-            </a:outerShdw>
-          </a:effectLst>
-        </p:spPr>
-        <p:style>
-          <a:lnRef idx="2">
-            <a:schemeClr val="accent1">
-              <a:shade val="50000"/>
-            </a:schemeClr>
-          </a:lnRef>
-          <a:fillRef idx="1">
-            <a:schemeClr val="accent1"/>
-          </a:fillRef>
-          <a:effectRef idx="0">
-            <a:schemeClr val="accent1"/>
-          </a:effectRef>
-          <a:fontRef idx="minor">
-            <a:schemeClr val="lt1"/>
-          </a:fontRef>
-        </p:style>
-        <p:txBody>
-          <a:bodyPr rtlCol="0" anchor="ctr"/>
-          <a:lstStyle/>
-          <a:p>
-            <a:pPr algn="ctr"/>
-            <a:r>
-              <a:rPr lang="en-IN" sz="2400" b="1" dirty="0" smtClean="0">
-                <a:latin typeface="Calibri" pitchFamily="34" charset="0"/>
-                <a:cs typeface="Calibri" pitchFamily="34" charset="0"/>
-              </a:rPr>
-              <a:t>Index</a:t>
-            </a:r>
-            <a:endParaRPr lang="en-IN" sz="2400" b="1" dirty="0">
-              <a:latin typeface="Calibri" pitchFamily="34" charset="0"/>
-              <a:cs typeface="Calibri" pitchFamily="34" charset="0"/>
-            </a:endParaRPr>
-          </a:p>
-        </p:txBody>
-      </p:sp>
-      <p:sp>
-        <p:nvSpPr>
-          <p:cNvPr id="31" name="Can 30"/>
-          <p:cNvSpPr/>
-          <p:nvPr/>
-        </p:nvSpPr>
-        <p:spPr>
-          <a:xfrm>
-            <a:off x="10744521" y="3184633"/>
-            <a:ext cx="2490952" cy="1216152"/>
-          </a:xfrm>
-          <a:prstGeom prst="can">
-            <a:avLst/>
-          </a:prstGeom>
-          <a:effectLst>
-            <a:outerShdw blurRad="63500" sx="102000" sy="102000" algn="ctr" rotWithShape="0">
-              <a:prstClr val="black">
-                <a:alpha val="40000"/>
-              </a:prstClr>
-            </a:outerShdw>
-          </a:effectLst>
-        </p:spPr>
-        <p:style>
-          <a:lnRef idx="2">
-            <a:schemeClr val="accent1">
-              <a:shade val="50000"/>
-            </a:schemeClr>
-          </a:lnRef>
-          <a:fillRef idx="1">
-            <a:schemeClr val="accent1"/>
-          </a:fillRef>
-          <a:effectRef idx="0">
-            <a:schemeClr val="accent1"/>
-          </a:effectRef>
-          <a:fontRef idx="minor">
-            <a:schemeClr val="lt1"/>
-          </a:fontRef>
-        </p:style>
-        <p:txBody>
-          <a:bodyPr rtlCol="0" anchor="ctr"/>
-          <a:lstStyle/>
-          <a:p>
-            <a:pPr algn="ctr"/>
-            <a:r>
-              <a:rPr lang="en-IN" sz="2400" b="1" dirty="0">
-                <a:latin typeface="Calibri" pitchFamily="34" charset="0"/>
-                <a:cs typeface="Calibri" pitchFamily="34" charset="0"/>
-              </a:rPr>
-              <a:t>Local </a:t>
-            </a:r>
-            <a:r>
-              <a:rPr lang="en-IN" sz="2400" b="1" dirty="0" smtClean="0">
-                <a:latin typeface="Calibri" pitchFamily="34" charset="0"/>
-                <a:cs typeface="Calibri" pitchFamily="34" charset="0"/>
-              </a:rPr>
-              <a:t>Repository</a:t>
-            </a:r>
-            <a:endParaRPr lang="en-IN" sz="2400" b="1" dirty="0">
-              <a:latin typeface="Calibri" pitchFamily="34" charset="0"/>
-              <a:cs typeface="Calibri" pitchFamily="34" charset="0"/>
-            </a:endParaRPr>
-          </a:p>
-        </p:txBody>
-      </p:sp>
-      <p:sp>
-        <p:nvSpPr>
-          <p:cNvPr id="32" name="Can 31"/>
-          <p:cNvSpPr/>
-          <p:nvPr/>
-        </p:nvSpPr>
-        <p:spPr>
-          <a:xfrm>
-            <a:off x="16053323" y="3216164"/>
-            <a:ext cx="2490952" cy="1216152"/>
-          </a:xfrm>
-          <a:prstGeom prst="can">
-            <a:avLst/>
-          </a:prstGeom>
-          <a:effectLst>
-            <a:outerShdw blurRad="63500" sx="102000" sy="102000" algn="ctr" rotWithShape="0">
-              <a:prstClr val="black">
-                <a:alpha val="40000"/>
-              </a:prstClr>
-            </a:outerShdw>
-          </a:effectLst>
-        </p:spPr>
-        <p:style>
-          <a:lnRef idx="2">
-            <a:schemeClr val="accent1">
-              <a:shade val="50000"/>
-            </a:schemeClr>
-          </a:lnRef>
-          <a:fillRef idx="1">
-            <a:schemeClr val="accent1"/>
-          </a:fillRef>
-          <a:effectRef idx="0">
-            <a:schemeClr val="accent1"/>
-          </a:effectRef>
-          <a:fontRef idx="minor">
-            <a:schemeClr val="lt1"/>
-          </a:fontRef>
-        </p:style>
-        <p:txBody>
-          <a:bodyPr rtlCol="0" anchor="ctr"/>
-          <a:lstStyle/>
-          <a:p>
-            <a:pPr algn="ctr"/>
-            <a:r>
-              <a:rPr lang="en-IN" sz="2400" b="1" dirty="0" smtClean="0">
-                <a:latin typeface="Calibri" pitchFamily="34" charset="0"/>
-                <a:cs typeface="Calibri" pitchFamily="34" charset="0"/>
-              </a:rPr>
-              <a:t>Remote Repository</a:t>
-            </a:r>
-            <a:endParaRPr lang="en-IN" sz="2400" b="1" dirty="0">
-              <a:latin typeface="Calibri" pitchFamily="34" charset="0"/>
-              <a:cs typeface="Calibri" pitchFamily="34" charset="0"/>
-            </a:endParaRPr>
-          </a:p>
-        </p:txBody>
-      </p:sp>
-      <p:sp>
-        <p:nvSpPr>
-          <p:cNvPr id="19" name="Right Arrow 18"/>
-          <p:cNvSpPr/>
-          <p:nvPr/>
-        </p:nvSpPr>
-        <p:spPr>
-          <a:xfrm flipH="1">
-            <a:off x="12006845" y="6026837"/>
-            <a:ext cx="5271571" cy="1099178"/>
-          </a:xfrm>
-          <a:prstGeom prst="rightArrow">
-            <a:avLst/>
-          </a:prstGeom>
-        </p:spPr>
-        <p:style>
-          <a:lnRef idx="1">
-            <a:schemeClr val="accent4"/>
-          </a:lnRef>
-          <a:fillRef idx="2">
-            <a:schemeClr val="accent4"/>
-          </a:fillRef>
-          <a:effectRef idx="1">
-            <a:schemeClr val="accent4"/>
-          </a:effectRef>
-          <a:fontRef idx="minor">
-            <a:schemeClr val="dk1"/>
-          </a:fontRef>
-        </p:style>
-        <p:txBody>
-          <a:bodyPr rtlCol="0" anchor="ctr"/>
-          <a:lstStyle/>
-          <a:p>
-            <a:pPr algn="ctr"/>
-            <a:r>
-              <a:rPr lang="en-IN" sz="2400" dirty="0" smtClean="0">
-                <a:latin typeface="Calibri" pitchFamily="34" charset="0"/>
-                <a:cs typeface="Calibri" pitchFamily="34" charset="0"/>
-              </a:rPr>
-              <a:t>git fetch</a:t>
-            </a:r>
-            <a:endParaRPr lang="en-IN" sz="2400" dirty="0">
-              <a:latin typeface="Calibri" pitchFamily="34" charset="0"/>
-              <a:cs typeface="Calibri" pitchFamily="34" charset="0"/>
-            </a:endParaRPr>
-          </a:p>
-        </p:txBody>
-      </p:sp>
-      <p:sp>
-        <p:nvSpPr>
-          <p:cNvPr id="20" name="Right Arrow 19"/>
-          <p:cNvSpPr/>
-          <p:nvPr/>
-        </p:nvSpPr>
-        <p:spPr>
-          <a:xfrm flipH="1">
-            <a:off x="5516715" y="7540326"/>
-            <a:ext cx="6490130" cy="1099178"/>
-          </a:xfrm>
-          <a:prstGeom prst="rightArrow">
-            <a:avLst/>
-          </a:prstGeom>
-          <a:solidFill>
-            <a:srgbClr val="FF3300"/>
-          </a:solidFill>
-          <a:ln>
-            <a:solidFill>
-              <a:srgbClr val="FA5C79"/>
-            </a:solidFill>
-          </a:ln>
-          <a:effectLst>
-            <a:outerShdw blurRad="63500" sx="102000" sy="102000" algn="ctr" rotWithShape="0">
-              <a:prstClr val="black">
-                <a:alpha val="40000"/>
-              </a:prstClr>
-            </a:outerShdw>
-          </a:effectLst>
-        </p:spPr>
-        <p:style>
-          <a:lnRef idx="2">
-            <a:schemeClr val="accent1">
-              <a:shade val="50000"/>
-            </a:schemeClr>
-          </a:lnRef>
-          <a:fillRef idx="1">
-            <a:schemeClr val="accent1"/>
-          </a:fillRef>
-          <a:effectRef idx="0">
-            <a:schemeClr val="accent1"/>
-          </a:effectRef>
-          <a:fontRef idx="minor">
-            <a:schemeClr val="lt1"/>
-          </a:fontRef>
-        </p:style>
-        <p:txBody>
-          <a:bodyPr rtlCol="0" anchor="ctr"/>
-          <a:lstStyle/>
-          <a:p>
-            <a:pPr algn="ctr"/>
-            <a:r>
-              <a:rPr lang="en-IN" sz="2400" dirty="0" smtClean="0">
-                <a:latin typeface="Calibri" pitchFamily="34" charset="0"/>
-                <a:cs typeface="Calibri" pitchFamily="34" charset="0"/>
-              </a:rPr>
-              <a:t>git checkout HEAD</a:t>
-            </a:r>
-            <a:endParaRPr lang="en-IN" sz="2400" dirty="0">
-              <a:latin typeface="Calibri" pitchFamily="34" charset="0"/>
-              <a:cs typeface="Calibri" pitchFamily="34" charset="0"/>
-            </a:endParaRPr>
-          </a:p>
-        </p:txBody>
-      </p:sp>
-      <p:sp>
-        <p:nvSpPr>
-          <p:cNvPr id="23" name="Right Arrow 22"/>
-          <p:cNvSpPr/>
-          <p:nvPr/>
-        </p:nvSpPr>
-        <p:spPr>
-          <a:xfrm flipH="1">
-            <a:off x="5565555" y="9148408"/>
-            <a:ext cx="3245065" cy="1099178"/>
-          </a:xfrm>
-          <a:prstGeom prst="rightArrow">
-            <a:avLst/>
-          </a:prstGeom>
-          <a:solidFill>
-            <a:srgbClr val="FF3300"/>
-          </a:solidFill>
-          <a:ln>
-            <a:solidFill>
-              <a:srgbClr val="FA5C79"/>
-            </a:solidFill>
-          </a:ln>
-          <a:effectLst>
-            <a:outerShdw blurRad="63500" sx="102000" sy="102000" algn="ctr" rotWithShape="0">
-              <a:prstClr val="black">
-                <a:alpha val="40000"/>
-              </a:prstClr>
-            </a:outerShdw>
-          </a:effectLst>
-        </p:spPr>
-        <p:style>
-          <a:lnRef idx="2">
-            <a:schemeClr val="accent1">
-              <a:shade val="50000"/>
-            </a:schemeClr>
-          </a:lnRef>
-          <a:fillRef idx="1">
-            <a:schemeClr val="accent1"/>
-          </a:fillRef>
-          <a:effectRef idx="0">
-            <a:schemeClr val="accent1"/>
-          </a:effectRef>
-          <a:fontRef idx="minor">
-            <a:schemeClr val="lt1"/>
-          </a:fontRef>
-        </p:style>
-        <p:txBody>
-          <a:bodyPr rtlCol="0" anchor="ctr"/>
-          <a:lstStyle/>
-          <a:p>
-            <a:pPr algn="ctr"/>
-            <a:r>
-              <a:rPr lang="en-IN" sz="2400" dirty="0" smtClean="0">
-                <a:latin typeface="Calibri" pitchFamily="34" charset="0"/>
-                <a:cs typeface="Calibri" pitchFamily="34" charset="0"/>
-              </a:rPr>
-              <a:t>git checkout</a:t>
-            </a:r>
-            <a:endParaRPr lang="en-IN" sz="2400" dirty="0">
-              <a:latin typeface="Calibri" pitchFamily="34" charset="0"/>
-              <a:cs typeface="Calibri" pitchFamily="34" charset="0"/>
-            </a:endParaRPr>
-          </a:p>
-        </p:txBody>
-      </p:sp>
-      <p:sp>
-        <p:nvSpPr>
-          <p:cNvPr id="26" name="Right Arrow 25"/>
-          <p:cNvSpPr/>
-          <p:nvPr/>
-        </p:nvSpPr>
-        <p:spPr>
-          <a:xfrm flipH="1">
-            <a:off x="5565556" y="10756490"/>
-            <a:ext cx="6490130" cy="1099178"/>
-          </a:xfrm>
-          <a:prstGeom prst="rightArrow">
-            <a:avLst/>
-          </a:prstGeom>
-          <a:ln>
-            <a:solidFill>
-              <a:schemeClr val="bg1">
-                <a:lumMod val="50000"/>
-              </a:schemeClr>
-            </a:solidFill>
-          </a:ln>
-        </p:spPr>
-        <p:style>
-          <a:lnRef idx="1">
-            <a:schemeClr val="dk1"/>
-          </a:lnRef>
-          <a:fillRef idx="2">
-            <a:schemeClr val="dk1"/>
-          </a:fillRef>
-          <a:effectRef idx="1">
-            <a:schemeClr val="dk1"/>
-          </a:effectRef>
-          <a:fontRef idx="minor">
-            <a:schemeClr val="dk1"/>
-          </a:fontRef>
-        </p:style>
-        <p:txBody>
-          <a:bodyPr rtlCol="0" anchor="ctr"/>
-          <a:lstStyle/>
-          <a:p>
-            <a:pPr algn="ctr"/>
-            <a:r>
-              <a:rPr lang="en-IN" sz="2400" dirty="0" smtClean="0">
-                <a:latin typeface="Calibri" pitchFamily="34" charset="0"/>
-                <a:cs typeface="Calibri" pitchFamily="34" charset="0"/>
-              </a:rPr>
-              <a:t>git diff HEAD</a:t>
-            </a:r>
-            <a:endParaRPr lang="en-IN" sz="2400" dirty="0">
-              <a:latin typeface="Calibri" pitchFamily="34" charset="0"/>
-              <a:cs typeface="Calibri" pitchFamily="34" charset="0"/>
-            </a:endParaRPr>
-          </a:p>
-        </p:txBody>
-      </p:sp>
-      <p:sp>
-        <p:nvSpPr>
-          <p:cNvPr id="29" name="Right Arrow 28"/>
-          <p:cNvSpPr/>
-          <p:nvPr/>
-        </p:nvSpPr>
-        <p:spPr>
-          <a:xfrm flipH="1">
-            <a:off x="5614396" y="12364572"/>
-            <a:ext cx="3245065" cy="1099178"/>
-          </a:xfrm>
-          <a:prstGeom prst="rightArrow">
-            <a:avLst/>
-          </a:prstGeom>
-          <a:ln>
-            <a:solidFill>
-              <a:schemeClr val="bg1">
-                <a:lumMod val="50000"/>
-              </a:schemeClr>
-            </a:solidFill>
-          </a:ln>
-        </p:spPr>
-        <p:style>
-          <a:lnRef idx="1">
-            <a:schemeClr val="dk1"/>
-          </a:lnRef>
-          <a:fillRef idx="2">
-            <a:schemeClr val="dk1"/>
-          </a:fillRef>
-          <a:effectRef idx="1">
-            <a:schemeClr val="dk1"/>
-          </a:effectRef>
-          <a:fontRef idx="minor">
-            <a:schemeClr val="dk1"/>
-          </a:fontRef>
-        </p:style>
-        <p:txBody>
-          <a:bodyPr rtlCol="0" anchor="ctr"/>
-          <a:lstStyle/>
-          <a:p>
-            <a:pPr algn="ctr"/>
-            <a:r>
-              <a:rPr lang="en-IN" sz="2400" dirty="0" smtClean="0">
-                <a:latin typeface="Calibri" pitchFamily="34" charset="0"/>
-                <a:cs typeface="Calibri" pitchFamily="34" charset="0"/>
-              </a:rPr>
-              <a:t>git diff</a:t>
-            </a:r>
-            <a:endParaRPr lang="en-IN" sz="2400" dirty="0">
-              <a:latin typeface="Calibri" pitchFamily="34" charset="0"/>
-              <a:cs typeface="Calibri" pitchFamily="34" charset="0"/>
-            </a:endParaRPr>
-          </a:p>
-        </p:txBody>
-      </p:sp>
-      <p:sp>
-        <p:nvSpPr>
-          <p:cNvPr id="49" name="Left Brace 48"/>
-          <p:cNvSpPr/>
-          <p:nvPr/>
-        </p:nvSpPr>
-        <p:spPr>
-          <a:xfrm>
-            <a:off x="4666593" y="7540326"/>
-            <a:ext cx="536028" cy="2707260"/>
-          </a:xfrm>
-          <a:prstGeom prst="leftBrace">
-            <a:avLst/>
-          </a:prstGeom>
-          <a:ln w="50800">
-            <a:solidFill>
-              <a:srgbClr val="FF3300"/>
-            </a:solidFill>
-          </a:ln>
-        </p:spPr>
-        <p:style>
-          <a:lnRef idx="1">
-            <a:schemeClr val="accent1"/>
-          </a:lnRef>
-          <a:fillRef idx="0">
-            <a:schemeClr val="accent1"/>
-          </a:fillRef>
-          <a:effectRef idx="0">
-            <a:schemeClr val="accent1"/>
-          </a:effectRef>
-          <a:fontRef idx="minor">
-            <a:schemeClr val="tx1"/>
-          </a:fontRef>
-        </p:style>
-        <p:txBody>
-          <a:bodyPr rtlCol="0" anchor="ctr"/>
-          <a:lstStyle/>
-          <a:p>
-            <a:pPr algn="ctr"/>
-            <a:endParaRPr lang="en-IN" dirty="0"/>
-          </a:p>
-        </p:txBody>
-      </p:sp>
-      <p:sp>
-        <p:nvSpPr>
-          <p:cNvPr id="50" name="Left Brace 49"/>
-          <p:cNvSpPr/>
-          <p:nvPr/>
-        </p:nvSpPr>
-        <p:spPr>
-          <a:xfrm>
-            <a:off x="4666593" y="10756491"/>
-            <a:ext cx="536028" cy="2707260"/>
-          </a:xfrm>
-          <a:prstGeom prst="leftBrace">
-            <a:avLst/>
-          </a:prstGeom>
-          <a:ln w="50800">
-            <a:solidFill>
-              <a:schemeClr val="bg1">
-                <a:lumMod val="50000"/>
-              </a:schemeClr>
-            </a:solidFill>
-          </a:ln>
-        </p:spPr>
-        <p:style>
-          <a:lnRef idx="1">
-            <a:schemeClr val="accent1"/>
-          </a:lnRef>
-          <a:fillRef idx="0">
-            <a:schemeClr val="accent1"/>
-          </a:fillRef>
-          <a:effectRef idx="0">
-            <a:schemeClr val="accent1"/>
-          </a:effectRef>
-          <a:fontRef idx="minor">
-            <a:schemeClr val="tx1"/>
-          </a:fontRef>
-        </p:style>
-        <p:txBody>
-          <a:bodyPr rtlCol="0" anchor="ctr"/>
-          <a:lstStyle/>
-          <a:p>
-            <a:pPr algn="ctr"/>
-            <a:endParaRPr lang="en-IN" dirty="0"/>
-          </a:p>
-        </p:txBody>
-      </p:sp>
-      <p:sp>
-        <p:nvSpPr>
-          <p:cNvPr id="52" name="TextBox 51"/>
-          <p:cNvSpPr txBox="1"/>
-          <p:nvPr/>
-        </p:nvSpPr>
-        <p:spPr>
-          <a:xfrm rot="16200000">
-            <a:off x="2575171" y="3496467"/>
-            <a:ext cx="1268489" cy="707886"/>
-          </a:xfrm>
-          <a:prstGeom prst="rect">
-            <a:avLst/>
-          </a:prstGeom>
-          <a:noFill/>
-        </p:spPr>
-        <p:txBody>
-          <a:bodyPr wrap="none" rtlCol="0">
-            <a:spAutoFit/>
-          </a:bodyPr>
-          <a:lstStyle/>
-          <a:p>
-            <a:r>
-              <a:rPr lang="en-IN" sz="4000" b="1" dirty="0" smtClean="0">
-                <a:latin typeface="Calibri" pitchFamily="34" charset="0"/>
-                <a:cs typeface="Calibri" pitchFamily="34" charset="0"/>
-              </a:rPr>
-              <a:t>Local</a:t>
-            </a:r>
-            <a:endParaRPr lang="en-IN" sz="4000" b="1" dirty="0">
-              <a:latin typeface="Calibri" pitchFamily="34" charset="0"/>
-              <a:cs typeface="Calibri" pitchFamily="34" charset="0"/>
-            </a:endParaRPr>
-          </a:p>
-        </p:txBody>
-      </p:sp>
-      <p:sp>
-        <p:nvSpPr>
-          <p:cNvPr id="53" name="TextBox 52"/>
-          <p:cNvSpPr txBox="1"/>
-          <p:nvPr/>
-        </p:nvSpPr>
-        <p:spPr>
-          <a:xfrm rot="16200000">
-            <a:off x="2861243" y="11740812"/>
-            <a:ext cx="2112117" cy="707886"/>
-          </a:xfrm>
-          <a:prstGeom prst="rect">
-            <a:avLst/>
-          </a:prstGeom>
-          <a:noFill/>
-        </p:spPr>
-        <p:txBody>
-          <a:bodyPr wrap="none" rtlCol="0">
-            <a:spAutoFit/>
-          </a:bodyPr>
-          <a:lstStyle/>
-          <a:p>
-            <a:r>
-              <a:rPr lang="en-IN" sz="4000" b="1" dirty="0" smtClean="0">
-                <a:solidFill>
-                  <a:schemeClr val="bg1">
-                    <a:lumMod val="50000"/>
-                  </a:schemeClr>
-                </a:solidFill>
-                <a:latin typeface="Calibri" pitchFamily="34" charset="0"/>
-                <a:cs typeface="Calibri" pitchFamily="34" charset="0"/>
-              </a:rPr>
-              <a:t>Compare</a:t>
-            </a:r>
-            <a:endParaRPr lang="en-IN" sz="4000" b="1" dirty="0">
-              <a:solidFill>
-                <a:schemeClr val="bg1">
-                  <a:lumMod val="50000"/>
-                </a:schemeClr>
-              </a:solidFill>
-              <a:latin typeface="Calibri" pitchFamily="34" charset="0"/>
-              <a:cs typeface="Calibri" pitchFamily="34" charset="0"/>
-            </a:endParaRPr>
-          </a:p>
-        </p:txBody>
-      </p:sp>
-      <p:sp>
-        <p:nvSpPr>
-          <p:cNvPr id="54" name="Right Arrow 53"/>
-          <p:cNvSpPr/>
-          <p:nvPr/>
-        </p:nvSpPr>
-        <p:spPr>
-          <a:xfrm flipH="1">
-            <a:off x="5614395" y="6026837"/>
-            <a:ext cx="6375601" cy="1099178"/>
-          </a:xfrm>
-          <a:prstGeom prst="rightArrow">
-            <a:avLst/>
-          </a:prstGeom>
-        </p:spPr>
-        <p:style>
-          <a:lnRef idx="1">
-            <a:schemeClr val="accent4"/>
-          </a:lnRef>
-          <a:fillRef idx="2">
-            <a:schemeClr val="accent4"/>
-          </a:fillRef>
-          <a:effectRef idx="1">
-            <a:schemeClr val="accent4"/>
-          </a:effectRef>
-          <a:fontRef idx="minor">
-            <a:schemeClr val="dk1"/>
-          </a:fontRef>
-        </p:style>
-        <p:txBody>
-          <a:bodyPr rtlCol="0" anchor="ctr"/>
-          <a:lstStyle/>
-          <a:p>
-            <a:pPr algn="ctr"/>
-            <a:r>
-              <a:rPr lang="en-IN" sz="2400" dirty="0" smtClean="0">
-                <a:latin typeface="Calibri" pitchFamily="34" charset="0"/>
-                <a:cs typeface="Calibri" pitchFamily="34" charset="0"/>
-              </a:rPr>
-              <a:t>git merge</a:t>
-            </a:r>
-            <a:endParaRPr lang="en-IN" sz="2400" dirty="0">
-              <a:latin typeface="Calibri" pitchFamily="34" charset="0"/>
-              <a:cs typeface="Calibri" pitchFamily="34" charset="0"/>
+            <a:endParaRPr lang="en-US" sz="14000" b="1" spc="300" dirty="0">
+              <a:latin typeface="Nunito" charset="0"/>
+              <a:ea typeface="Nunito" charset="0"/>
+              <a:cs typeface="Nunito" charset="0"/>
             </a:endParaRPr>
           </a:p>
         </p:txBody>
@@ -24522,7 +23452,7 @@
     </p:spTree>
     <p:extLst>
       <p:ext uri="{BB962C8B-B14F-4D97-AF65-F5344CB8AC3E}">
-        <p14:creationId xmlns:p14="http://schemas.microsoft.com/office/powerpoint/2010/main" val="1193125759"/>
+        <p14:creationId xmlns:p14="http://schemas.microsoft.com/office/powerpoint/2010/main" val="2551502996"/>
       </p:ext>
     </p:extLst>
   </p:cSld>
@@ -24533,7 +23463,27 @@
   <p:timing>
     <p:tnLst>
       <p:par>
-        <p:cTn id="1" dur="indefinite" restart="never" nodeType="tmRoot"/>
+        <p:cTn id="1" dur="indefinite" restart="never" nodeType="tmRoot">
+          <p:childTnLst>
+            <p:seq concurrent="1" nextAc="seek">
+              <p:cTn id="2" dur="indefinite" nodeType="mainSeq"/>
+              <p:prevCondLst>
+                <p:cond evt="onPrev" delay="0">
+                  <p:tgtEl>
+                    <p:sldTgt/>
+                  </p:tgtEl>
+                </p:cond>
+              </p:prevCondLst>
+              <p:nextCondLst>
+                <p:cond evt="onNext" delay="0">
+                  <p:tgtEl>
+                    <p:sldTgt/>
+                  </p:tgtEl>
+                </p:cond>
+              </p:nextCondLst>
+            </p:seq>
+          </p:childTnLst>
+        </p:cTn>
       </p:par>
     </p:tnLst>
   </p:timing>
@@ -26744,7 +25694,7 @@
                                           </p:stCondLst>
                                         </p:cTn>
                                         <p:tgtEl>
-                                          <p:spTgt spid="12"/>
+                                          <p:spTgt spid="41"/>
                                         </p:tgtEl>
                                         <p:attrNameLst>
                                           <p:attrName>style.visibility</p:attrName>
@@ -26757,35 +25707,26 @@
                                   </p:childTnLst>
                                 </p:cTn>
                               </p:par>
+                            </p:childTnLst>
+                          </p:cTn>
+                        </p:par>
+                      </p:childTnLst>
+                    </p:cTn>
+                  </p:par>
+                  <p:par>
+                    <p:cTn id="17" fill="hold">
+                      <p:stCondLst>
+                        <p:cond delay="indefinite"/>
+                      </p:stCondLst>
+                      <p:childTnLst>
+                        <p:par>
+                          <p:cTn id="18" fill="hold">
+                            <p:stCondLst>
+                              <p:cond delay="0"/>
+                            </p:stCondLst>
+                            <p:childTnLst>
                               <p:par>
-                                <p:cTn id="17" presetID="1" presetClass="entr" presetSubtype="0" fill="hold" grpId="0" nodeType="withEffect">
-                                  <p:stCondLst>
-                                    <p:cond delay="0"/>
-                                  </p:stCondLst>
-                                  <p:childTnLst>
-                                    <p:set>
-                                      <p:cBhvr>
-                                        <p:cTn id="18" dur="1" fill="hold">
-                                          <p:stCondLst>
-                                            <p:cond delay="0"/>
-                                          </p:stCondLst>
-                                        </p:cTn>
-                                        <p:tgtEl>
-                                          <p:spTgt spid="13"/>
-                                        </p:tgtEl>
-                                        <p:attrNameLst>
-                                          <p:attrName>style.visibility</p:attrName>
-                                        </p:attrNameLst>
-                                      </p:cBhvr>
-                                      <p:to>
-                                        <p:strVal val="visible"/>
-                                      </p:to>
-                                    </p:set>
-                                  </p:childTnLst>
-                                </p:cTn>
-                              </p:par>
-                              <p:par>
-                                <p:cTn id="19" presetID="1" presetClass="entr" presetSubtype="0" fill="hold" grpId="0" nodeType="withEffect">
+                                <p:cTn id="19" presetID="1" presetClass="entr" presetSubtype="0" fill="hold" grpId="0" nodeType="clickEffect">
                                   <p:stCondLst>
                                     <p:cond delay="0"/>
                                   </p:stCondLst>
@@ -26798,7 +25739,7 @@
                                           </p:stCondLst>
                                         </p:cTn>
                                         <p:tgtEl>
-                                          <p:spTgt spid="14"/>
+                                          <p:spTgt spid="12"/>
                                         </p:tgtEl>
                                         <p:attrNameLst>
                                           <p:attrName>style.visibility</p:attrName>
@@ -26825,7 +25766,7 @@
                                           </p:stCondLst>
                                         </p:cTn>
                                         <p:tgtEl>
-                                          <p:spTgt spid="19"/>
+                                          <p:spTgt spid="13"/>
                                         </p:tgtEl>
                                         <p:attrNameLst>
                                           <p:attrName>style.visibility</p:attrName>
@@ -26839,7 +25780,7 @@
                                 </p:cTn>
                               </p:par>
                               <p:par>
-                                <p:cTn id="23" presetID="1" presetClass="entr" presetSubtype="0" fill="hold" nodeType="withEffect">
+                                <p:cTn id="23" presetID="1" presetClass="entr" presetSubtype="0" fill="hold" grpId="0" nodeType="withEffect">
                                   <p:stCondLst>
                                     <p:cond delay="0"/>
                                   </p:stCondLst>
@@ -26852,7 +25793,7 @@
                                           </p:stCondLst>
                                         </p:cTn>
                                         <p:tgtEl>
-                                          <p:spTgt spid="21"/>
+                                          <p:spTgt spid="14"/>
                                         </p:tgtEl>
                                         <p:attrNameLst>
                                           <p:attrName>style.visibility</p:attrName>
@@ -26879,7 +25820,7 @@
                                           </p:stCondLst>
                                         </p:cTn>
                                         <p:tgtEl>
-                                          <p:spTgt spid="24"/>
+                                          <p:spTgt spid="19"/>
                                         </p:tgtEl>
                                         <p:attrNameLst>
                                           <p:attrName>style.visibility</p:attrName>
@@ -26893,7 +25834,7 @@
                                 </p:cTn>
                               </p:par>
                               <p:par>
-                                <p:cTn id="27" presetID="1" presetClass="entr" presetSubtype="0" fill="hold" grpId="0" nodeType="withEffect">
+                                <p:cTn id="27" presetID="1" presetClass="entr" presetSubtype="0" fill="hold" nodeType="withEffect">
                                   <p:stCondLst>
                                     <p:cond delay="0"/>
                                   </p:stCondLst>
@@ -26906,7 +25847,7 @@
                                           </p:stCondLst>
                                         </p:cTn>
                                         <p:tgtEl>
-                                          <p:spTgt spid="25"/>
+                                          <p:spTgt spid="21"/>
                                         </p:tgtEl>
                                         <p:attrNameLst>
                                           <p:attrName>style.visibility</p:attrName>
@@ -26920,7 +25861,7 @@
                                 </p:cTn>
                               </p:par>
                               <p:par>
-                                <p:cTn id="29" presetID="1" presetClass="entr" presetSubtype="0" fill="hold" nodeType="withEffect">
+                                <p:cTn id="29" presetID="1" presetClass="entr" presetSubtype="0" fill="hold" grpId="0" nodeType="withEffect">
                                   <p:stCondLst>
                                     <p:cond delay="0"/>
                                   </p:stCondLst>
@@ -26933,7 +25874,7 @@
                                           </p:stCondLst>
                                         </p:cTn>
                                         <p:tgtEl>
-                                          <p:spTgt spid="26"/>
+                                          <p:spTgt spid="24"/>
                                         </p:tgtEl>
                                         <p:attrNameLst>
                                           <p:attrName>style.visibility</p:attrName>
@@ -26960,7 +25901,7 @@
                                           </p:stCondLst>
                                         </p:cTn>
                                         <p:tgtEl>
-                                          <p:spTgt spid="27"/>
+                                          <p:spTgt spid="25"/>
                                         </p:tgtEl>
                                         <p:attrNameLst>
                                           <p:attrName>style.visibility</p:attrName>
@@ -26974,7 +25915,7 @@
                                 </p:cTn>
                               </p:par>
                               <p:par>
-                                <p:cTn id="33" presetID="1" presetClass="entr" presetSubtype="0" fill="hold" grpId="0" nodeType="withEffect">
+                                <p:cTn id="33" presetID="1" presetClass="entr" presetSubtype="0" fill="hold" nodeType="withEffect">
                                   <p:stCondLst>
                                     <p:cond delay="0"/>
                                   </p:stCondLst>
@@ -26987,7 +25928,7 @@
                                           </p:stCondLst>
                                         </p:cTn>
                                         <p:tgtEl>
-                                          <p:spTgt spid="29"/>
+                                          <p:spTgt spid="26"/>
                                         </p:tgtEl>
                                         <p:attrNameLst>
                                           <p:attrName>style.visibility</p:attrName>
@@ -27014,7 +25955,7 @@
                                           </p:stCondLst>
                                         </p:cTn>
                                         <p:tgtEl>
-                                          <p:spTgt spid="31"/>
+                                          <p:spTgt spid="27"/>
                                         </p:tgtEl>
                                         <p:attrNameLst>
                                           <p:attrName>style.visibility</p:attrName>
@@ -27041,7 +25982,7 @@
                                           </p:stCondLst>
                                         </p:cTn>
                                         <p:tgtEl>
-                                          <p:spTgt spid="37"/>
+                                          <p:spTgt spid="29"/>
                                         </p:tgtEl>
                                         <p:attrNameLst>
                                           <p:attrName>style.visibility</p:attrName>
@@ -27068,7 +26009,7 @@
                                           </p:stCondLst>
                                         </p:cTn>
                                         <p:tgtEl>
-                                          <p:spTgt spid="39"/>
+                                          <p:spTgt spid="31"/>
                                         </p:tgtEl>
                                         <p:attrNameLst>
                                           <p:attrName>style.visibility</p:attrName>
@@ -27082,7 +26023,7 @@
                                 </p:cTn>
                               </p:par>
                               <p:par>
-                                <p:cTn id="41" presetID="1" presetClass="entr" presetSubtype="0" fill="hold" grpId="0" nodeType="withEffect">
+                                <p:cTn id="41" presetID="1" presetClass="entr" presetSubtype="0" fill="hold" nodeType="withEffect">
                                   <p:stCondLst>
                                     <p:cond delay="0"/>
                                   </p:stCondLst>
@@ -27095,7 +26036,7 @@
                                           </p:stCondLst>
                                         </p:cTn>
                                         <p:tgtEl>
-                                          <p:spTgt spid="40"/>
+                                          <p:spTgt spid="5"/>
                                         </p:tgtEl>
                                         <p:attrNameLst>
                                           <p:attrName>style.visibility</p:attrName>
@@ -27122,7 +26063,7 @@
                                           </p:stCondLst>
                                         </p:cTn>
                                         <p:tgtEl>
-                                          <p:spTgt spid="41"/>
+                                          <p:spTgt spid="37"/>
                                         </p:tgtEl>
                                         <p:attrNameLst>
                                           <p:attrName>style.visibility</p:attrName>
@@ -27136,7 +26077,7 @@
                                 </p:cTn>
                               </p:par>
                               <p:par>
-                                <p:cTn id="45" presetID="1" presetClass="entr" presetSubtype="0" fill="hold" nodeType="withEffect">
+                                <p:cTn id="45" presetID="1" presetClass="entr" presetSubtype="0" fill="hold" grpId="0" nodeType="withEffect">
                                   <p:stCondLst>
                                     <p:cond delay="0"/>
                                   </p:stCondLst>
@@ -27149,7 +26090,34 @@
                                           </p:stCondLst>
                                         </p:cTn>
                                         <p:tgtEl>
-                                          <p:spTgt spid="5"/>
+                                          <p:spTgt spid="39"/>
+                                        </p:tgtEl>
+                                        <p:attrNameLst>
+                                          <p:attrName>style.visibility</p:attrName>
+                                        </p:attrNameLst>
+                                      </p:cBhvr>
+                                      <p:to>
+                                        <p:strVal val="visible"/>
+                                      </p:to>
+                                    </p:set>
+                                  </p:childTnLst>
+                                </p:cTn>
+                              </p:par>
+                              <p:par>
+                                <p:cTn id="47" presetID="1" presetClass="entr" presetSubtype="0" fill="hold" grpId="0" nodeType="withEffect">
+                                  <p:stCondLst>
+                                    <p:cond delay="0"/>
+                                  </p:stCondLst>
+                                  <p:childTnLst>
+                                    <p:set>
+                                      <p:cBhvr>
+                                        <p:cTn id="48" dur="1" fill="hold">
+                                          <p:stCondLst>
+                                            <p:cond delay="0"/>
+                                          </p:stCondLst>
+                                        </p:cTn>
+                                        <p:tgtEl>
+                                          <p:spTgt spid="40"/>
                                         </p:tgtEl>
                                         <p:attrNameLst>
                                           <p:attrName>style.visibility</p:attrName>
@@ -27169,46 +26137,19 @@
                     </p:cTn>
                   </p:par>
                   <p:par>
-                    <p:cTn id="47" fill="hold">
+                    <p:cTn id="49" fill="hold">
                       <p:stCondLst>
                         <p:cond delay="indefinite"/>
                       </p:stCondLst>
                       <p:childTnLst>
                         <p:par>
-                          <p:cTn id="48" fill="hold">
+                          <p:cTn id="50" fill="hold">
                             <p:stCondLst>
                               <p:cond delay="0"/>
                             </p:stCondLst>
                             <p:childTnLst>
                               <p:par>
-                                <p:cTn id="49" presetID="1" presetClass="entr" presetSubtype="0" fill="hold" grpId="0" nodeType="clickEffect">
-                                  <p:stCondLst>
-                                    <p:cond delay="0"/>
-                                  </p:stCondLst>
-                                  <p:childTnLst>
-                                    <p:set>
-                                      <p:cBhvr>
-                                        <p:cTn id="50" dur="1" fill="hold">
-                                          <p:stCondLst>
-                                            <p:cond delay="0"/>
-                                          </p:stCondLst>
-                                        </p:cTn>
-                                        <p:tgtEl>
-                                          <p:spTgt spid="118"/>
-                                        </p:tgtEl>
-                                        <p:attrNameLst>
-                                          <p:attrName>style.visibility</p:attrName>
-                                        </p:attrNameLst>
-                                      </p:cBhvr>
-                                      <p:to>
-                                        <p:strVal val="visible"/>
-                                      </p:to>
-                                    </p:set>
-                                  </p:childTnLst>
-                                </p:cTn>
-                              </p:par>
-                              <p:par>
-                                <p:cTn id="51" presetID="1" presetClass="entr" presetSubtype="0" fill="hold" grpId="0" nodeType="withEffect">
+                                <p:cTn id="51" presetID="1" presetClass="entr" presetSubtype="0" fill="hold" grpId="0" nodeType="clickEffect">
                                   <p:stCondLst>
                                     <p:cond delay="0"/>
                                   </p:stCondLst>
@@ -27221,7 +26162,7 @@
                                           </p:stCondLst>
                                         </p:cTn>
                                         <p:tgtEl>
-                                          <p:spTgt spid="119"/>
+                                          <p:spTgt spid="118"/>
                                         </p:tgtEl>
                                         <p:attrNameLst>
                                           <p:attrName>style.visibility</p:attrName>
@@ -27248,7 +26189,52 @@
                                           </p:stCondLst>
                                         </p:cTn>
                                         <p:tgtEl>
-                                          <p:spTgt spid="120"/>
+                                          <p:spTgt spid="135"/>
+                                        </p:tgtEl>
+                                        <p:attrNameLst>
+                                          <p:attrName>style.visibility</p:attrName>
+                                        </p:attrNameLst>
+                                      </p:cBhvr>
+                                      <p:to>
+                                        <p:strVal val="visible"/>
+                                      </p:to>
+                                    </p:set>
+                                  </p:childTnLst>
+                                </p:cTn>
+                              </p:par>
+                            </p:childTnLst>
+                          </p:cTn>
+                        </p:par>
+                      </p:childTnLst>
+                    </p:cTn>
+                  </p:par>
+                  <p:par>
+                    <p:cTn id="55" fill="hold">
+                      <p:stCondLst>
+                        <p:cond delay="indefinite"/>
+                      </p:stCondLst>
+                      <p:childTnLst>
+                        <p:par>
+                          <p:cTn id="56" fill="hold">
+                            <p:stCondLst>
+                              <p:cond delay="0"/>
+                            </p:stCondLst>
+                            <p:childTnLst>
+                              <p:par>
+                                <p:cTn id="57" presetID="1" presetClass="entr" presetSubtype="0" fill="hold" grpId="0" nodeType="clickEffect">
+                                  <p:stCondLst>
+                                    <p:cond delay="0"/>
+                                  </p:stCondLst>
+                                  <p:childTnLst>
+                                    <p:set>
+                                      <p:cBhvr>
+                                        <p:cTn id="58" dur="1" fill="hold">
+                                          <p:stCondLst>
+                                            <p:cond delay="0"/>
+                                          </p:stCondLst>
+                                        </p:cTn>
+                                        <p:tgtEl>
+                                          <p:spTgt spid="119"/>
                                         </p:tgtEl>
                                         <p:attrNameLst>
                                           <p:attrName>style.visibility</p:attrName>
@@ -27262,61 +26248,7 @@
                                 </p:cTn>
                               </p:par>
                               <p:par>
-                                <p:cTn id="55" presetID="1" presetClass="entr" presetSubtype="0" fill="hold" grpId="0" nodeType="withEffect">
-                                  <p:stCondLst>
-                                    <p:cond delay="0"/>
-                                  </p:stCondLst>
-                                  <p:childTnLst>
-                                    <p:set>
-                                      <p:cBhvr>
-                                        <p:cTn id="56" dur="1" fill="hold">
-                                          <p:stCondLst>
-                                            <p:cond delay="0"/>
-                                          </p:stCondLst>
-                                        </p:cTn>
-                                        <p:tgtEl>
-                                          <p:spTgt spid="121"/>
-                                        </p:tgtEl>
-                                        <p:attrNameLst>
-                                          <p:attrName>style.visibility</p:attrName>
-                                        </p:attrNameLst>
-                                      </p:cBhvr>
-                                      <p:to>
-                                        <p:strVal val="visible"/>
-                                      </p:to>
-                                    </p:set>
-                                  </p:childTnLst>
-                                </p:cTn>
-                              </p:par>
-                              <p:par>
-                                <p:cTn id="57" presetID="1" presetClass="entr" presetSubtype="0" fill="hold" grpId="0" nodeType="withEffect">
-                                  <p:stCondLst>
-                                    <p:cond delay="0"/>
-                                  </p:stCondLst>
-                                  <p:childTnLst>
-                                    <p:set>
-                                      <p:cBhvr>
-                                        <p:cTn id="58" dur="1" fill="hold">
-                                          <p:stCondLst>
-                                            <p:cond delay="0"/>
-                                          </p:stCondLst>
-                                        </p:cTn>
-                                        <p:tgtEl>
-                                          <p:spTgt spid="122"/>
-                                        </p:tgtEl>
-                                        <p:attrNameLst>
-                                          <p:attrName>style.visibility</p:attrName>
-                                        </p:attrNameLst>
-                                      </p:cBhvr>
-                                      <p:to>
-                                        <p:strVal val="visible"/>
-                                      </p:to>
-                                    </p:set>
-                                  </p:childTnLst>
-                                </p:cTn>
-                              </p:par>
-                              <p:par>
-                                <p:cTn id="59" presetID="1" presetClass="entr" presetSubtype="0" fill="hold" nodeType="withEffect">
+                                <p:cTn id="59" presetID="1" presetClass="entr" presetSubtype="0" fill="hold" grpId="0" nodeType="withEffect">
                                   <p:stCondLst>
                                     <p:cond delay="0"/>
                                   </p:stCondLst>
@@ -27329,7 +26261,7 @@
                                           </p:stCondLst>
                                         </p:cTn>
                                         <p:tgtEl>
-                                          <p:spTgt spid="123"/>
+                                          <p:spTgt spid="120"/>
                                         </p:tgtEl>
                                         <p:attrNameLst>
                                           <p:attrName>style.visibility</p:attrName>
@@ -27356,7 +26288,7 @@
                                           </p:stCondLst>
                                         </p:cTn>
                                         <p:tgtEl>
-                                          <p:spTgt spid="124"/>
+                                          <p:spTgt spid="121"/>
                                         </p:tgtEl>
                                         <p:attrNameLst>
                                           <p:attrName>style.visibility</p:attrName>
@@ -27383,7 +26315,7 @@
                                           </p:stCondLst>
                                         </p:cTn>
                                         <p:tgtEl>
-                                          <p:spTgt spid="125"/>
+                                          <p:spTgt spid="122"/>
                                         </p:tgtEl>
                                         <p:attrNameLst>
                                           <p:attrName>style.visibility</p:attrName>
@@ -27410,7 +26342,7 @@
                                           </p:stCondLst>
                                         </p:cTn>
                                         <p:tgtEl>
-                                          <p:spTgt spid="126"/>
+                                          <p:spTgt spid="123"/>
                                         </p:tgtEl>
                                         <p:attrNameLst>
                                           <p:attrName>style.visibility</p:attrName>
@@ -27437,7 +26369,7 @@
                                           </p:stCondLst>
                                         </p:cTn>
                                         <p:tgtEl>
-                                          <p:spTgt spid="127"/>
+                                          <p:spTgt spid="124"/>
                                         </p:tgtEl>
                                         <p:attrNameLst>
                                           <p:attrName>style.visibility</p:attrName>
@@ -27464,7 +26396,7 @@
                                           </p:stCondLst>
                                         </p:cTn>
                                         <p:tgtEl>
-                                          <p:spTgt spid="128"/>
+                                          <p:spTgt spid="125"/>
                                         </p:tgtEl>
                                         <p:attrNameLst>
                                           <p:attrName>style.visibility</p:attrName>
@@ -27478,7 +26410,7 @@
                                 </p:cTn>
                               </p:par>
                               <p:par>
-                                <p:cTn id="71" presetID="1" presetClass="entr" presetSubtype="0" fill="hold" grpId="0" nodeType="withEffect">
+                                <p:cTn id="71" presetID="1" presetClass="entr" presetSubtype="0" fill="hold" nodeType="withEffect">
                                   <p:stCondLst>
                                     <p:cond delay="0"/>
                                   </p:stCondLst>
@@ -27491,7 +26423,7 @@
                                           </p:stCondLst>
                                         </p:cTn>
                                         <p:tgtEl>
-                                          <p:spTgt spid="130"/>
+                                          <p:spTgt spid="126"/>
                                         </p:tgtEl>
                                         <p:attrNameLst>
                                           <p:attrName>style.visibility</p:attrName>
@@ -27518,7 +26450,7 @@
                                           </p:stCondLst>
                                         </p:cTn>
                                         <p:tgtEl>
-                                          <p:spTgt spid="132"/>
+                                          <p:spTgt spid="127"/>
                                         </p:tgtEl>
                                         <p:attrNameLst>
                                           <p:attrName>style.visibility</p:attrName>
@@ -27545,7 +26477,7 @@
                                           </p:stCondLst>
                                         </p:cTn>
                                         <p:tgtEl>
-                                          <p:spTgt spid="133"/>
+                                          <p:spTgt spid="128"/>
                                         </p:tgtEl>
                                         <p:attrNameLst>
                                           <p:attrName>style.visibility</p:attrName>
@@ -27572,7 +26504,7 @@
                                           </p:stCondLst>
                                         </p:cTn>
                                         <p:tgtEl>
-                                          <p:spTgt spid="134"/>
+                                          <p:spTgt spid="130"/>
                                         </p:tgtEl>
                                         <p:attrNameLst>
                                           <p:attrName>style.visibility</p:attrName>
@@ -27599,7 +26531,7 @@
                                           </p:stCondLst>
                                         </p:cTn>
                                         <p:tgtEl>
-                                          <p:spTgt spid="135"/>
+                                          <p:spTgt spid="132"/>
                                         </p:tgtEl>
                                         <p:attrNameLst>
                                           <p:attrName>style.visibility</p:attrName>
@@ -27626,7 +26558,7 @@
                                           </p:stCondLst>
                                         </p:cTn>
                                         <p:tgtEl>
-                                          <p:spTgt spid="136"/>
+                                          <p:spTgt spid="133"/>
                                         </p:tgtEl>
                                         <p:attrNameLst>
                                           <p:attrName>style.visibility</p:attrName>
@@ -27653,7 +26585,7 @@
                                           </p:stCondLst>
                                         </p:cTn>
                                         <p:tgtEl>
-                                          <p:spTgt spid="137"/>
+                                          <p:spTgt spid="134"/>
                                         </p:tgtEl>
                                         <p:attrNameLst>
                                           <p:attrName>style.visibility</p:attrName>
@@ -27680,7 +26612,7 @@
                                           </p:stCondLst>
                                         </p:cTn>
                                         <p:tgtEl>
-                                          <p:spTgt spid="138"/>
+                                          <p:spTgt spid="136"/>
                                         </p:tgtEl>
                                         <p:attrNameLst>
                                           <p:attrName>style.visibility</p:attrName>
@@ -27707,7 +26639,7 @@
                                           </p:stCondLst>
                                         </p:cTn>
                                         <p:tgtEl>
-                                          <p:spTgt spid="143"/>
+                                          <p:spTgt spid="137"/>
                                         </p:tgtEl>
                                         <p:attrNameLst>
                                           <p:attrName>style.visibility</p:attrName>
@@ -27734,7 +26666,7 @@
                                           </p:stCondLst>
                                         </p:cTn>
                                         <p:tgtEl>
-                                          <p:spTgt spid="144"/>
+                                          <p:spTgt spid="138"/>
                                         </p:tgtEl>
                                         <p:attrNameLst>
                                           <p:attrName>style.visibility</p:attrName>
@@ -27761,7 +26693,7 @@
                                           </p:stCondLst>
                                         </p:cTn>
                                         <p:tgtEl>
-                                          <p:spTgt spid="146"/>
+                                          <p:spTgt spid="143"/>
                                         </p:tgtEl>
                                         <p:attrNameLst>
                                           <p:attrName>style.visibility</p:attrName>
@@ -27788,7 +26720,7 @@
                                           </p:stCondLst>
                                         </p:cTn>
                                         <p:tgtEl>
-                                          <p:spTgt spid="147"/>
+                                          <p:spTgt spid="144"/>
                                         </p:tgtEl>
                                         <p:attrNameLst>
                                           <p:attrName>style.visibility</p:attrName>
@@ -27815,7 +26747,7 @@
                                           </p:stCondLst>
                                         </p:cTn>
                                         <p:tgtEl>
-                                          <p:spTgt spid="149"/>
+                                          <p:spTgt spid="146"/>
                                         </p:tgtEl>
                                         <p:attrNameLst>
                                           <p:attrName>style.visibility</p:attrName>
@@ -27842,7 +26774,7 @@
                                           </p:stCondLst>
                                         </p:cTn>
                                         <p:tgtEl>
-                                          <p:spTgt spid="150"/>
+                                          <p:spTgt spid="147"/>
                                         </p:tgtEl>
                                         <p:attrNameLst>
                                           <p:attrName>style.visibility</p:attrName>
@@ -27856,7 +26788,7 @@
                                 </p:cTn>
                               </p:par>
                               <p:par>
-                                <p:cTn id="99" presetID="1" presetClass="entr" presetSubtype="0" fill="hold" nodeType="withEffect">
+                                <p:cTn id="99" presetID="1" presetClass="entr" presetSubtype="0" fill="hold" grpId="0" nodeType="withEffect">
                                   <p:stCondLst>
                                     <p:cond delay="0"/>
                                   </p:stCondLst>
@@ -27869,7 +26801,7 @@
                                           </p:stCondLst>
                                         </p:cTn>
                                         <p:tgtEl>
-                                          <p:spTgt spid="57"/>
+                                          <p:spTgt spid="149"/>
                                         </p:tgtEl>
                                         <p:attrNameLst>
                                           <p:attrName>style.visibility</p:attrName>
@@ -27883,7 +26815,7 @@
                                 </p:cTn>
                               </p:par>
                               <p:par>
-                                <p:cTn id="101" presetID="1" presetClass="entr" presetSubtype="0" fill="hold" nodeType="withEffect">
+                                <p:cTn id="101" presetID="1" presetClass="entr" presetSubtype="0" fill="hold" grpId="0" nodeType="withEffect">
                                   <p:stCondLst>
                                     <p:cond delay="0"/>
                                   </p:stCondLst>
@@ -27896,7 +26828,7 @@
                                           </p:stCondLst>
                                         </p:cTn>
                                         <p:tgtEl>
-                                          <p:spTgt spid="60"/>
+                                          <p:spTgt spid="150"/>
                                         </p:tgtEl>
                                         <p:attrNameLst>
                                           <p:attrName>style.visibility</p:attrName>
@@ -27923,7 +26855,7 @@
                                           </p:stCondLst>
                                         </p:cTn>
                                         <p:tgtEl>
-                                          <p:spTgt spid="63"/>
+                                          <p:spTgt spid="57"/>
                                         </p:tgtEl>
                                         <p:attrNameLst>
                                           <p:attrName>style.visibility</p:attrName>
@@ -27945,6 +26877,60 @@
                                     <p:set>
                                       <p:cBhvr>
                                         <p:cTn id="106" dur="1" fill="hold">
+                                          <p:stCondLst>
+                                            <p:cond delay="0"/>
+                                          </p:stCondLst>
+                                        </p:cTn>
+                                        <p:tgtEl>
+                                          <p:spTgt spid="60"/>
+                                        </p:tgtEl>
+                                        <p:attrNameLst>
+                                          <p:attrName>style.visibility</p:attrName>
+                                        </p:attrNameLst>
+                                      </p:cBhvr>
+                                      <p:to>
+                                        <p:strVal val="visible"/>
+                                      </p:to>
+                                    </p:set>
+                                  </p:childTnLst>
+                                </p:cTn>
+                              </p:par>
+                              <p:par>
+                                <p:cTn id="107" presetID="1" presetClass="entr" presetSubtype="0" fill="hold" nodeType="withEffect">
+                                  <p:stCondLst>
+                                    <p:cond delay="0"/>
+                                  </p:stCondLst>
+                                  <p:childTnLst>
+                                    <p:set>
+                                      <p:cBhvr>
+                                        <p:cTn id="108" dur="1" fill="hold">
+                                          <p:stCondLst>
+                                            <p:cond delay="0"/>
+                                          </p:stCondLst>
+                                        </p:cTn>
+                                        <p:tgtEl>
+                                          <p:spTgt spid="63"/>
+                                        </p:tgtEl>
+                                        <p:attrNameLst>
+                                          <p:attrName>style.visibility</p:attrName>
+                                        </p:attrNameLst>
+                                      </p:cBhvr>
+                                      <p:to>
+                                        <p:strVal val="visible"/>
+                                      </p:to>
+                                    </p:set>
+                                  </p:childTnLst>
+                                </p:cTn>
+                              </p:par>
+                              <p:par>
+                                <p:cTn id="109" presetID="1" presetClass="entr" presetSubtype="0" fill="hold" nodeType="withEffect">
+                                  <p:stCondLst>
+                                    <p:cond delay="0"/>
+                                  </p:stCondLst>
+                                  <p:childTnLst>
+                                    <p:set>
+                                      <p:cBhvr>
+                                        <p:cTn id="110" dur="1" fill="hold">
                                           <p:stCondLst>
                                             <p:cond delay="0"/>
                                           </p:stCondLst>
@@ -29149,14 +28135,7 @@
                 <a:latin typeface="Calibri" pitchFamily="34" charset="0"/>
                 <a:cs typeface="Calibri" pitchFamily="34" charset="0"/>
               </a:rPr>
-              <a:t>git </a:t>
-            </a:r>
-            <a:r>
-              <a:rPr lang="en-IN" sz="4000" dirty="0" smtClean="0">
-                <a:latin typeface="Calibri" pitchFamily="34" charset="0"/>
-                <a:cs typeface="Calibri" pitchFamily="34" charset="0"/>
-              </a:rPr>
-              <a:t>count-objects</a:t>
+              <a:t>git count-objects</a:t>
             </a:r>
           </a:p>
           <a:p>
@@ -29256,10 +28235,6 @@
               </a:rPr>
               <a:t>git write-tree</a:t>
             </a:r>
-            <a:endParaRPr lang="en-IN" sz="4000" dirty="0" smtClean="0">
-              <a:latin typeface="Calibri" pitchFamily="34" charset="0"/>
-              <a:cs typeface="Calibri" pitchFamily="34" charset="0"/>
-            </a:endParaRPr>
           </a:p>
           <a:p>
             <a:pPr marL="571500" indent="-571500">
@@ -32017,9 +30992,218 @@
   <p:timing>
     <p:tnLst>
       <p:par>
-        <p:cTn id="1" dur="indefinite" restart="never" nodeType="tmRoot"/>
+        <p:cTn id="1" dur="indefinite" restart="never" nodeType="tmRoot">
+          <p:childTnLst>
+            <p:seq concurrent="1" nextAc="seek">
+              <p:cTn id="2" dur="indefinite" nodeType="mainSeq">
+                <p:childTnLst>
+                  <p:par>
+                    <p:cTn id="3" fill="hold">
+                      <p:stCondLst>
+                        <p:cond delay="indefinite"/>
+                      </p:stCondLst>
+                      <p:childTnLst>
+                        <p:par>
+                          <p:cTn id="4" fill="hold">
+                            <p:stCondLst>
+                              <p:cond delay="0"/>
+                            </p:stCondLst>
+                            <p:childTnLst>
+                              <p:par>
+                                <p:cTn id="5" presetID="1" presetClass="entr" presetSubtype="0" fill="hold" grpId="0" nodeType="clickEffect">
+                                  <p:stCondLst>
+                                    <p:cond delay="0"/>
+                                  </p:stCondLst>
+                                  <p:childTnLst>
+                                    <p:set>
+                                      <p:cBhvr>
+                                        <p:cTn id="6" dur="1" fill="hold">
+                                          <p:stCondLst>
+                                            <p:cond delay="0"/>
+                                          </p:stCondLst>
+                                        </p:cTn>
+                                        <p:tgtEl>
+                                          <p:spTgt spid="33"/>
+                                        </p:tgtEl>
+                                        <p:attrNameLst>
+                                          <p:attrName>style.visibility</p:attrName>
+                                        </p:attrNameLst>
+                                      </p:cBhvr>
+                                      <p:to>
+                                        <p:strVal val="visible"/>
+                                      </p:to>
+                                    </p:set>
+                                  </p:childTnLst>
+                                </p:cTn>
+                              </p:par>
+                            </p:childTnLst>
+                          </p:cTn>
+                        </p:par>
+                      </p:childTnLst>
+                    </p:cTn>
+                  </p:par>
+                  <p:par>
+                    <p:cTn id="7" fill="hold">
+                      <p:stCondLst>
+                        <p:cond delay="indefinite"/>
+                      </p:stCondLst>
+                      <p:childTnLst>
+                        <p:par>
+                          <p:cTn id="8" fill="hold">
+                            <p:stCondLst>
+                              <p:cond delay="0"/>
+                            </p:stCondLst>
+                            <p:childTnLst>
+                              <p:par>
+                                <p:cTn id="9" presetID="1" presetClass="entr" presetSubtype="0" fill="hold" grpId="0" nodeType="clickEffect">
+                                  <p:stCondLst>
+                                    <p:cond delay="0"/>
+                                  </p:stCondLst>
+                                  <p:childTnLst>
+                                    <p:set>
+                                      <p:cBhvr>
+                                        <p:cTn id="10" dur="1" fill="hold">
+                                          <p:stCondLst>
+                                            <p:cond delay="0"/>
+                                          </p:stCondLst>
+                                        </p:cTn>
+                                        <p:tgtEl>
+                                          <p:spTgt spid="19"/>
+                                        </p:tgtEl>
+                                        <p:attrNameLst>
+                                          <p:attrName>style.visibility</p:attrName>
+                                        </p:attrNameLst>
+                                      </p:cBhvr>
+                                      <p:to>
+                                        <p:strVal val="visible"/>
+                                      </p:to>
+                                    </p:set>
+                                  </p:childTnLst>
+                                </p:cTn>
+                              </p:par>
+                            </p:childTnLst>
+                          </p:cTn>
+                        </p:par>
+                      </p:childTnLst>
+                    </p:cTn>
+                  </p:par>
+                  <p:par>
+                    <p:cTn id="11" fill="hold">
+                      <p:stCondLst>
+                        <p:cond delay="indefinite"/>
+                      </p:stCondLst>
+                      <p:childTnLst>
+                        <p:par>
+                          <p:cTn id="12" fill="hold">
+                            <p:stCondLst>
+                              <p:cond delay="0"/>
+                            </p:stCondLst>
+                            <p:childTnLst>
+                              <p:par>
+                                <p:cTn id="13" presetID="1" presetClass="entr" presetSubtype="0" fill="hold" grpId="0" nodeType="clickEffect">
+                                  <p:stCondLst>
+                                    <p:cond delay="0"/>
+                                  </p:stCondLst>
+                                  <p:childTnLst>
+                                    <p:set>
+                                      <p:cBhvr>
+                                        <p:cTn id="14" dur="1" fill="hold">
+                                          <p:stCondLst>
+                                            <p:cond delay="0"/>
+                                          </p:stCondLst>
+                                        </p:cTn>
+                                        <p:tgtEl>
+                                          <p:spTgt spid="22"/>
+                                        </p:tgtEl>
+                                        <p:attrNameLst>
+                                          <p:attrName>style.visibility</p:attrName>
+                                        </p:attrNameLst>
+                                      </p:cBhvr>
+                                      <p:to>
+                                        <p:strVal val="visible"/>
+                                      </p:to>
+                                    </p:set>
+                                  </p:childTnLst>
+                                </p:cTn>
+                              </p:par>
+                            </p:childTnLst>
+                          </p:cTn>
+                        </p:par>
+                      </p:childTnLst>
+                    </p:cTn>
+                  </p:par>
+                  <p:par>
+                    <p:cTn id="15" fill="hold">
+                      <p:stCondLst>
+                        <p:cond delay="indefinite"/>
+                      </p:stCondLst>
+                      <p:childTnLst>
+                        <p:par>
+                          <p:cTn id="16" fill="hold">
+                            <p:stCondLst>
+                              <p:cond delay="0"/>
+                            </p:stCondLst>
+                            <p:childTnLst>
+                              <p:par>
+                                <p:cTn id="17" presetID="1" presetClass="entr" presetSubtype="0" fill="hold" grpId="0" nodeType="clickEffect">
+                                  <p:stCondLst>
+                                    <p:cond delay="0"/>
+                                  </p:stCondLst>
+                                  <p:childTnLst>
+                                    <p:set>
+                                      <p:cBhvr>
+                                        <p:cTn id="18" dur="1" fill="hold">
+                                          <p:stCondLst>
+                                            <p:cond delay="0"/>
+                                          </p:stCondLst>
+                                        </p:cTn>
+                                        <p:tgtEl>
+                                          <p:spTgt spid="27"/>
+                                        </p:tgtEl>
+                                        <p:attrNameLst>
+                                          <p:attrName>style.visibility</p:attrName>
+                                        </p:attrNameLst>
+                                      </p:cBhvr>
+                                      <p:to>
+                                        <p:strVal val="visible"/>
+                                      </p:to>
+                                    </p:set>
+                                  </p:childTnLst>
+                                </p:cTn>
+                              </p:par>
+                            </p:childTnLst>
+                          </p:cTn>
+                        </p:par>
+                      </p:childTnLst>
+                    </p:cTn>
+                  </p:par>
+                </p:childTnLst>
+              </p:cTn>
+              <p:prevCondLst>
+                <p:cond evt="onPrev" delay="0">
+                  <p:tgtEl>
+                    <p:sldTgt/>
+                  </p:tgtEl>
+                </p:cond>
+              </p:prevCondLst>
+              <p:nextCondLst>
+                <p:cond evt="onNext" delay="0">
+                  <p:tgtEl>
+                    <p:sldTgt/>
+                  </p:tgtEl>
+                </p:cond>
+              </p:nextCondLst>
+            </p:seq>
+          </p:childTnLst>
+        </p:cTn>
       </p:par>
     </p:tnLst>
+    <p:bldLst>
+      <p:bldP spid="22" grpId="0" animBg="1"/>
+      <p:bldP spid="27" grpId="0" animBg="1"/>
+      <p:bldP spid="33" grpId="0" animBg="1"/>
+      <p:bldP spid="19" grpId="0" animBg="1"/>
+    </p:bldLst>
   </p:timing>
 </p:sld>
 </file>
@@ -32099,8 +31283,8 @@
         </p:nvSpPr>
         <p:spPr>
           <a:xfrm rot="16200000">
-            <a:off x="3128621" y="8576372"/>
-            <a:ext cx="1577355" cy="707886"/>
+            <a:off x="3336402" y="8668705"/>
+            <a:ext cx="1161793" cy="523220"/>
           </a:xfrm>
           <a:prstGeom prst="rect">
             <a:avLst/>
@@ -32114,7 +31298,7 @@
           <a:lstStyle/>
           <a:p>
             <a:r>
-              <a:rPr lang="en-IN" sz="4000" b="1" dirty="0" smtClean="0">
+              <a:rPr lang="en-IN" sz="2800" b="1" dirty="0" smtClean="0">
                 <a:solidFill>
                   <a:srgbClr val="FF3300"/>
                 </a:solidFill>
@@ -32123,7 +31307,7 @@
               </a:rPr>
               <a:t>Revert</a:t>
             </a:r>
-            <a:endParaRPr lang="en-IN" sz="4000" b="1" dirty="0">
+            <a:endParaRPr lang="en-IN" sz="2800" b="1" dirty="0">
               <a:solidFill>
                 <a:srgbClr val="FF3300"/>
               </a:solidFill>
@@ -33071,8 +32255,8 @@
         </p:nvSpPr>
         <p:spPr>
           <a:xfrm rot="16200000">
-            <a:off x="2861243" y="11740812"/>
-            <a:ext cx="2112117" cy="707886"/>
+            <a:off x="3149719" y="11833145"/>
+            <a:ext cx="1535164" cy="523220"/>
           </a:xfrm>
           <a:prstGeom prst="rect">
             <a:avLst/>
@@ -33086,7 +32270,7 @@
           <a:lstStyle/>
           <a:p>
             <a:r>
-              <a:rPr lang="en-IN" sz="4000" b="1" dirty="0" smtClean="0">
+              <a:rPr lang="en-IN" sz="2800" b="1" dirty="0" smtClean="0">
                 <a:solidFill>
                   <a:schemeClr val="bg1">
                     <a:lumMod val="50000"/>
@@ -33097,7 +32281,7 @@
               </a:rPr>
               <a:t>Compare</a:t>
             </a:r>
-            <a:endParaRPr lang="en-IN" sz="4000" b="1" dirty="0">
+            <a:endParaRPr lang="en-IN" sz="2800" b="1" dirty="0">
               <a:solidFill>
                 <a:schemeClr val="bg1">
                   <a:lumMod val="50000"/>
@@ -33171,9 +32355,356 @@
   <p:timing>
     <p:tnLst>
       <p:par>
-        <p:cTn id="1" dur="indefinite" restart="never" nodeType="tmRoot"/>
+        <p:cTn id="1" dur="indefinite" restart="never" nodeType="tmRoot">
+          <p:childTnLst>
+            <p:seq concurrent="1" nextAc="seek">
+              <p:cTn id="2" dur="indefinite" nodeType="mainSeq">
+                <p:childTnLst>
+                  <p:par>
+                    <p:cTn id="3" fill="hold">
+                      <p:stCondLst>
+                        <p:cond delay="indefinite"/>
+                      </p:stCondLst>
+                      <p:childTnLst>
+                        <p:par>
+                          <p:cTn id="4" fill="hold">
+                            <p:stCondLst>
+                              <p:cond delay="0"/>
+                            </p:stCondLst>
+                            <p:childTnLst>
+                              <p:par>
+                                <p:cTn id="5" presetID="1" presetClass="entr" presetSubtype="0" fill="hold" grpId="0" nodeType="clickEffect">
+                                  <p:stCondLst>
+                                    <p:cond delay="0"/>
+                                  </p:stCondLst>
+                                  <p:childTnLst>
+                                    <p:set>
+                                      <p:cBhvr>
+                                        <p:cTn id="6" dur="1" fill="hold">
+                                          <p:stCondLst>
+                                            <p:cond delay="0"/>
+                                          </p:stCondLst>
+                                        </p:cTn>
+                                        <p:tgtEl>
+                                          <p:spTgt spid="27"/>
+                                        </p:tgtEl>
+                                        <p:attrNameLst>
+                                          <p:attrName>style.visibility</p:attrName>
+                                        </p:attrNameLst>
+                                      </p:cBhvr>
+                                      <p:to>
+                                        <p:strVal val="visible"/>
+                                      </p:to>
+                                    </p:set>
+                                  </p:childTnLst>
+                                </p:cTn>
+                              </p:par>
+                            </p:childTnLst>
+                          </p:cTn>
+                        </p:par>
+                      </p:childTnLst>
+                    </p:cTn>
+                  </p:par>
+                  <p:par>
+                    <p:cTn id="7" fill="hold">
+                      <p:stCondLst>
+                        <p:cond delay="indefinite"/>
+                      </p:stCondLst>
+                      <p:childTnLst>
+                        <p:par>
+                          <p:cTn id="8" fill="hold">
+                            <p:stCondLst>
+                              <p:cond delay="0"/>
+                            </p:stCondLst>
+                            <p:childTnLst>
+                              <p:par>
+                                <p:cTn id="9" presetID="1" presetClass="entr" presetSubtype="0" fill="hold" grpId="0" nodeType="clickEffect">
+                                  <p:stCondLst>
+                                    <p:cond delay="0"/>
+                                  </p:stCondLst>
+                                  <p:childTnLst>
+                                    <p:set>
+                                      <p:cBhvr>
+                                        <p:cTn id="10" dur="1" fill="hold">
+                                          <p:stCondLst>
+                                            <p:cond delay="0"/>
+                                          </p:stCondLst>
+                                        </p:cTn>
+                                        <p:tgtEl>
+                                          <p:spTgt spid="19"/>
+                                        </p:tgtEl>
+                                        <p:attrNameLst>
+                                          <p:attrName>style.visibility</p:attrName>
+                                        </p:attrNameLst>
+                                      </p:cBhvr>
+                                      <p:to>
+                                        <p:strVal val="visible"/>
+                                      </p:to>
+                                    </p:set>
+                                  </p:childTnLst>
+                                </p:cTn>
+                              </p:par>
+                            </p:childTnLst>
+                          </p:cTn>
+                        </p:par>
+                      </p:childTnLst>
+                    </p:cTn>
+                  </p:par>
+                  <p:par>
+                    <p:cTn id="11" fill="hold">
+                      <p:stCondLst>
+                        <p:cond delay="indefinite"/>
+                      </p:stCondLst>
+                      <p:childTnLst>
+                        <p:par>
+                          <p:cTn id="12" fill="hold">
+                            <p:stCondLst>
+                              <p:cond delay="0"/>
+                            </p:stCondLst>
+                            <p:childTnLst>
+                              <p:par>
+                                <p:cTn id="13" presetID="1" presetClass="entr" presetSubtype="0" fill="hold" grpId="0" nodeType="clickEffect">
+                                  <p:stCondLst>
+                                    <p:cond delay="0"/>
+                                  </p:stCondLst>
+                                  <p:childTnLst>
+                                    <p:set>
+                                      <p:cBhvr>
+                                        <p:cTn id="14" dur="1" fill="hold">
+                                          <p:stCondLst>
+                                            <p:cond delay="0"/>
+                                          </p:stCondLst>
+                                        </p:cTn>
+                                        <p:tgtEl>
+                                          <p:spTgt spid="54"/>
+                                        </p:tgtEl>
+                                        <p:attrNameLst>
+                                          <p:attrName>style.visibility</p:attrName>
+                                        </p:attrNameLst>
+                                      </p:cBhvr>
+                                      <p:to>
+                                        <p:strVal val="visible"/>
+                                      </p:to>
+                                    </p:set>
+                                  </p:childTnLst>
+                                </p:cTn>
+                              </p:par>
+                            </p:childTnLst>
+                          </p:cTn>
+                        </p:par>
+                      </p:childTnLst>
+                    </p:cTn>
+                  </p:par>
+                  <p:par>
+                    <p:cTn id="15" fill="hold">
+                      <p:stCondLst>
+                        <p:cond delay="indefinite"/>
+                      </p:stCondLst>
+                      <p:childTnLst>
+                        <p:par>
+                          <p:cTn id="16" fill="hold">
+                            <p:stCondLst>
+                              <p:cond delay="0"/>
+                            </p:stCondLst>
+                            <p:childTnLst>
+                              <p:par>
+                                <p:cTn id="17" presetID="1" presetClass="entr" presetSubtype="0" fill="hold" grpId="0" nodeType="clickEffect">
+                                  <p:stCondLst>
+                                    <p:cond delay="0"/>
+                                  </p:stCondLst>
+                                  <p:childTnLst>
+                                    <p:set>
+                                      <p:cBhvr>
+                                        <p:cTn id="18" dur="1" fill="hold">
+                                          <p:stCondLst>
+                                            <p:cond delay="0"/>
+                                          </p:stCondLst>
+                                        </p:cTn>
+                                        <p:tgtEl>
+                                          <p:spTgt spid="20"/>
+                                        </p:tgtEl>
+                                        <p:attrNameLst>
+                                          <p:attrName>style.visibility</p:attrName>
+                                        </p:attrNameLst>
+                                      </p:cBhvr>
+                                      <p:to>
+                                        <p:strVal val="visible"/>
+                                      </p:to>
+                                    </p:set>
+                                  </p:childTnLst>
+                                </p:cTn>
+                              </p:par>
+                            </p:childTnLst>
+                          </p:cTn>
+                        </p:par>
+                      </p:childTnLst>
+                    </p:cTn>
+                  </p:par>
+                  <p:par>
+                    <p:cTn id="19" fill="hold">
+                      <p:stCondLst>
+                        <p:cond delay="indefinite"/>
+                      </p:stCondLst>
+                      <p:childTnLst>
+                        <p:par>
+                          <p:cTn id="20" fill="hold">
+                            <p:stCondLst>
+                              <p:cond delay="0"/>
+                            </p:stCondLst>
+                            <p:childTnLst>
+                              <p:par>
+                                <p:cTn id="21" presetID="1" presetClass="entr" presetSubtype="0" fill="hold" grpId="0" nodeType="clickEffect">
+                                  <p:stCondLst>
+                                    <p:cond delay="0"/>
+                                  </p:stCondLst>
+                                  <p:childTnLst>
+                                    <p:set>
+                                      <p:cBhvr>
+                                        <p:cTn id="22" dur="1" fill="hold">
+                                          <p:stCondLst>
+                                            <p:cond delay="0"/>
+                                          </p:stCondLst>
+                                        </p:cTn>
+                                        <p:tgtEl>
+                                          <p:spTgt spid="23"/>
+                                        </p:tgtEl>
+                                        <p:attrNameLst>
+                                          <p:attrName>style.visibility</p:attrName>
+                                        </p:attrNameLst>
+                                      </p:cBhvr>
+                                      <p:to>
+                                        <p:strVal val="visible"/>
+                                      </p:to>
+                                    </p:set>
+                                  </p:childTnLst>
+                                </p:cTn>
+                              </p:par>
+                            </p:childTnLst>
+                          </p:cTn>
+                        </p:par>
+                      </p:childTnLst>
+                    </p:cTn>
+                  </p:par>
+                  <p:par>
+                    <p:cTn id="23" fill="hold">
+                      <p:stCondLst>
+                        <p:cond delay="indefinite"/>
+                      </p:stCondLst>
+                      <p:childTnLst>
+                        <p:par>
+                          <p:cTn id="24" fill="hold">
+                            <p:stCondLst>
+                              <p:cond delay="0"/>
+                            </p:stCondLst>
+                            <p:childTnLst>
+                              <p:par>
+                                <p:cTn id="25" presetID="1" presetClass="entr" presetSubtype="0" fill="hold" grpId="0" nodeType="clickEffect">
+                                  <p:stCondLst>
+                                    <p:cond delay="0"/>
+                                  </p:stCondLst>
+                                  <p:childTnLst>
+                                    <p:set>
+                                      <p:cBhvr>
+                                        <p:cTn id="26" dur="1" fill="hold">
+                                          <p:stCondLst>
+                                            <p:cond delay="0"/>
+                                          </p:stCondLst>
+                                        </p:cTn>
+                                        <p:tgtEl>
+                                          <p:spTgt spid="26"/>
+                                        </p:tgtEl>
+                                        <p:attrNameLst>
+                                          <p:attrName>style.visibility</p:attrName>
+                                        </p:attrNameLst>
+                                      </p:cBhvr>
+                                      <p:to>
+                                        <p:strVal val="visible"/>
+                                      </p:to>
+                                    </p:set>
+                                  </p:childTnLst>
+                                </p:cTn>
+                              </p:par>
+                            </p:childTnLst>
+                          </p:cTn>
+                        </p:par>
+                      </p:childTnLst>
+                    </p:cTn>
+                  </p:par>
+                  <p:par>
+                    <p:cTn id="27" fill="hold">
+                      <p:stCondLst>
+                        <p:cond delay="indefinite"/>
+                      </p:stCondLst>
+                      <p:childTnLst>
+                        <p:par>
+                          <p:cTn id="28" fill="hold">
+                            <p:stCondLst>
+                              <p:cond delay="0"/>
+                            </p:stCondLst>
+                            <p:childTnLst>
+                              <p:par>
+                                <p:cTn id="29" presetID="1" presetClass="entr" presetSubtype="0" fill="hold" grpId="0" nodeType="clickEffect">
+                                  <p:stCondLst>
+                                    <p:cond delay="0"/>
+                                  </p:stCondLst>
+                                  <p:childTnLst>
+                                    <p:set>
+                                      <p:cBhvr>
+                                        <p:cTn id="30" dur="1" fill="hold">
+                                          <p:stCondLst>
+                                            <p:cond delay="0"/>
+                                          </p:stCondLst>
+                                        </p:cTn>
+                                        <p:tgtEl>
+                                          <p:spTgt spid="29"/>
+                                        </p:tgtEl>
+                                        <p:attrNameLst>
+                                          <p:attrName>style.visibility</p:attrName>
+                                        </p:attrNameLst>
+                                      </p:cBhvr>
+                                      <p:to>
+                                        <p:strVal val="visible"/>
+                                      </p:to>
+                                    </p:set>
+                                  </p:childTnLst>
+                                </p:cTn>
+                              </p:par>
+                            </p:childTnLst>
+                          </p:cTn>
+                        </p:par>
+                      </p:childTnLst>
+                    </p:cTn>
+                  </p:par>
+                </p:childTnLst>
+              </p:cTn>
+              <p:prevCondLst>
+                <p:cond evt="onPrev" delay="0">
+                  <p:tgtEl>
+                    <p:sldTgt/>
+                  </p:tgtEl>
+                </p:cond>
+              </p:prevCondLst>
+              <p:nextCondLst>
+                <p:cond evt="onNext" delay="0">
+                  <p:tgtEl>
+                    <p:sldTgt/>
+                  </p:tgtEl>
+                </p:cond>
+              </p:nextCondLst>
+            </p:seq>
+          </p:childTnLst>
+        </p:cTn>
       </p:par>
     </p:tnLst>
+    <p:bldLst>
+      <p:bldP spid="27" grpId="0" animBg="1"/>
+      <p:bldP spid="19" grpId="0" animBg="1"/>
+      <p:bldP spid="20" grpId="0" animBg="1"/>
+      <p:bldP spid="23" grpId="0" animBg="1"/>
+      <p:bldP spid="26" grpId="0" animBg="1"/>
+      <p:bldP spid="29" grpId="0" animBg="1"/>
+      <p:bldP spid="54" grpId="0" animBg="1"/>
+    </p:bldLst>
   </p:timing>
 </p:sld>
 </file>
@@ -33373,7 +32904,7 @@
   <a:extraClrSchemeLst/>
   <a:extLst>
     <a:ext uri="{05A4C25C-085E-4340-85A3-A5531E510DB2}">
-      <thm15:themeFamily xmlns="" xmlns:thm15="http://schemas.microsoft.com/office/thememl/2012/main" name="Office Theme" id="{62F939B6-93AF-4DB8-9C6B-D6C7DFDC589F}" vid="{4A3C46E8-61CC-4603-A589-7422A47A8E4A}"/>
+      <thm15:themeFamily xmlns:thm15="http://schemas.microsoft.com/office/thememl/2012/main" xmlns="" name="Office Theme" id="{62F939B6-93AF-4DB8-9C6B-D6C7DFDC589F}" vid="{4A3C46E8-61CC-4603-A589-7422A47A8E4A}"/>
     </a:ext>
   </a:extLst>
 </a:theme>
